--- a/Documents/Presentation Application web de rendu de devoirs.pptx
+++ b/Documents/Presentation Application web de rendu de devoirs.pptx
@@ -2,7 +2,7 @@
 <file path=ppt/presentation.xml><?xml version="1.0" encoding="utf-8"?>
 <p:presentation xmlns:a="http://schemas.openxmlformats.org/drawingml/2006/main" xmlns:r="http://schemas.openxmlformats.org/officeDocument/2006/relationships" xmlns:p="http://schemas.openxmlformats.org/presentationml/2006/main" saveSubsetFonts="1" bookmarkIdSeed="2">
   <p:sldMasterIdLst>
-    <p:sldMasterId id="2147483648" r:id="rId1"/>
+    <p:sldMasterId id="2147483802" r:id="rId1"/>
   </p:sldMasterIdLst>
   <p:notesMasterIdLst>
     <p:notesMasterId r:id="rId16"/>
@@ -120,6 +120,11 @@
       </a:defRPr>
     </a:lvl9pPr>
   </p:defaultTextStyle>
+  <p:extLst>
+    <p:ext uri="{EFAFB233-063F-42B5-8137-9DF3F51BA10A}">
+      <p15:sldGuideLst xmlns:p15="http://schemas.microsoft.com/office/powerpoint/2012/main"/>
+    </p:ext>
+  </p:extLst>
 </p:presentation>
 </file>
 
@@ -205,7 +210,7 @@
           <a:p>
             <a:fld id="{F9BDF745-2A87-4302-8592-6B232B6CB0FB}" type="datetimeFigureOut">
               <a:rPr lang="fr-FR" smtClean="0"/>
-              <a:t>15/06/2019</a:t>
+              <a:t>16/06/2019</a:t>
             </a:fld>
             <a:endParaRPr lang="fr-FR" dirty="0"/>
           </a:p>
@@ -269,38 +274,37 @@
           <a:p>
             <a:pPr lvl="0"/>
             <a:r>
-              <a:rPr lang="fr-FR" smtClean="0"/>
+              <a:rPr lang="fr-FR"/>
               <a:t>Modifier les styles du texte du masque</a:t>
             </a:r>
           </a:p>
           <a:p>
             <a:pPr lvl="1"/>
             <a:r>
-              <a:rPr lang="fr-FR" smtClean="0"/>
+              <a:rPr lang="fr-FR"/>
               <a:t>Deuxième niveau</a:t>
             </a:r>
           </a:p>
           <a:p>
             <a:pPr lvl="2"/>
             <a:r>
-              <a:rPr lang="fr-FR" smtClean="0"/>
+              <a:rPr lang="fr-FR"/>
               <a:t>Troisième niveau</a:t>
             </a:r>
           </a:p>
           <a:p>
             <a:pPr lvl="3"/>
             <a:r>
-              <a:rPr lang="fr-FR" smtClean="0"/>
+              <a:rPr lang="fr-FR"/>
               <a:t>Quatrième niveau</a:t>
             </a:r>
           </a:p>
           <a:p>
             <a:pPr lvl="4"/>
             <a:r>
-              <a:rPr lang="fr-FR" smtClean="0"/>
+              <a:rPr lang="fr-FR"/>
               <a:t>Cinquième niveau</a:t>
             </a:r>
-            <a:endParaRPr lang="fr-FR"/>
           </a:p>
         </p:txBody>
       </p:sp>
@@ -581,9 +585,39 @@
           <a:chExt cx="0" cy="0"/>
         </a:xfrm>
       </p:grpSpPr>
-      <p:sp>
-        <p:nvSpPr>
-          <p:cNvPr id="2" name="Titre 1"/>
+      <p:pic>
+        <p:nvPicPr>
+          <p:cNvPr id="8" name="Picture 7" descr="C3-HD-BTM.png"/>
+          <p:cNvPicPr>
+            <a:picLocks noChangeAspect="1"/>
+          </p:cNvPicPr>
+          <p:nvPr/>
+        </p:nvPicPr>
+        <p:blipFill>
+          <a:blip r:embed="rId2">
+            <a:extLst>
+              <a:ext uri="{28A0092B-C50C-407E-A947-70E740481C1C}">
+                <a14:useLocalDpi xmlns:a14="http://schemas.microsoft.com/office/drawing/2010/main" val="0"/>
+              </a:ext>
+            </a:extLst>
+          </a:blip>
+          <a:stretch>
+            <a:fillRect/>
+          </a:stretch>
+        </p:blipFill>
+        <p:spPr>
+          <a:xfrm>
+            <a:off x="0" y="4375150"/>
+            <a:ext cx="12192000" cy="2482850"/>
+          </a:xfrm>
+          <a:prstGeom prst="rect">
+            <a:avLst/>
+          </a:prstGeom>
+        </p:spPr>
+      </p:pic>
+      <p:sp>
+        <p:nvSpPr>
+          <p:cNvPr id="2" name="Title 1"/>
           <p:cNvSpPr>
             <a:spLocks noGrp="1"/>
           </p:cNvSpPr>
@@ -593,29 +627,31 @@
         </p:nvSpPr>
         <p:spPr>
           <a:xfrm>
-            <a:off x="1524000" y="1122363"/>
-            <a:ext cx="9144000" cy="2387600"/>
-          </a:xfrm>
-        </p:spPr>
-        <p:txBody>
-          <a:bodyPr anchor="b"/>
+            <a:off x="1371600" y="1803405"/>
+            <a:ext cx="9448800" cy="1825096"/>
+          </a:xfrm>
+        </p:spPr>
+        <p:txBody>
+          <a:bodyPr anchor="b">
+            <a:normAutofit/>
+          </a:bodyPr>
           <a:lstStyle>
-            <a:lvl1pPr algn="ctr">
+            <a:lvl1pPr algn="l">
               <a:defRPr sz="6000"/>
             </a:lvl1pPr>
           </a:lstStyle>
           <a:p>
             <a:r>
-              <a:rPr lang="fr-FR" smtClean="0"/>
+              <a:rPr lang="fr-FR"/>
               <a:t>Modifiez le style du titre</a:t>
             </a:r>
-            <a:endParaRPr lang="fr-FR"/>
-          </a:p>
-        </p:txBody>
-      </p:sp>
-      <p:sp>
-        <p:nvSpPr>
-          <p:cNvPr id="3" name="Sous-titre 2"/>
+            <a:endParaRPr lang="en-US" dirty="0"/>
+          </a:p>
+        </p:txBody>
+      </p:sp>
+      <p:sp>
+        <p:nvSpPr>
+          <p:cNvPr id="3" name="Subtitle 2"/>
           <p:cNvSpPr>
             <a:spLocks noGrp="1"/>
           </p:cNvSpPr>
@@ -625,16 +661,18 @@
         </p:nvSpPr>
         <p:spPr>
           <a:xfrm>
-            <a:off x="1524000" y="3602038"/>
-            <a:ext cx="9144000" cy="1655762"/>
-          </a:xfrm>
-        </p:spPr>
-        <p:txBody>
-          <a:bodyPr/>
+            <a:off x="1371600" y="3632201"/>
+            <a:ext cx="9448800" cy="685800"/>
+          </a:xfrm>
+        </p:spPr>
+        <p:txBody>
+          <a:bodyPr>
+            <a:normAutofit/>
+          </a:bodyPr>
           <a:lstStyle>
-            <a:lvl1pPr marL="0" indent="0" algn="ctr">
-              <a:buNone/>
-              <a:defRPr sz="2400"/>
+            <a:lvl1pPr marL="0" indent="0" algn="l">
+              <a:buNone/>
+              <a:defRPr sz="2000"/>
             </a:lvl1pPr>
             <a:lvl2pPr marL="457200" indent="0" algn="ctr">
               <a:buNone/>
@@ -671,31 +709,36 @@
           </a:lstStyle>
           <a:p>
             <a:r>
+              <a:rPr lang="fr-FR"/>
+              <a:t>Cliquez pour modifier le style des sous-titres du masque</a:t>
+            </a:r>
+            <a:endParaRPr lang="en-US" dirty="0"/>
+          </a:p>
+        </p:txBody>
+      </p:sp>
+      <p:sp>
+        <p:nvSpPr>
+          <p:cNvPr id="4" name="Date Placeholder 3"/>
+          <p:cNvSpPr>
+            <a:spLocks noGrp="1"/>
+          </p:cNvSpPr>
+          <p:nvPr>
+            <p:ph type="dt" sz="half" idx="10"/>
+          </p:nvPr>
+        </p:nvSpPr>
+        <p:spPr>
+          <a:xfrm>
+            <a:off x="7909561" y="4314328"/>
+            <a:ext cx="2910840" cy="374642"/>
+          </a:xfrm>
+        </p:spPr>
+        <p:txBody>
+          <a:bodyPr/>
+          <a:lstStyle/>
+          <a:p>
+            <a:fld id="{C4041A2A-020F-304E-854B-2DC24043CFD8}" type="datetime1">
               <a:rPr lang="fr-FR" smtClean="0"/>
-              <a:t>Modifier le style des sous-titres du masque</a:t>
-            </a:r>
-            <a:endParaRPr lang="fr-FR"/>
-          </a:p>
-        </p:txBody>
-      </p:sp>
-      <p:sp>
-        <p:nvSpPr>
-          <p:cNvPr id="4" name="Espace réservé de la date 3"/>
-          <p:cNvSpPr>
-            <a:spLocks noGrp="1"/>
-          </p:cNvSpPr>
-          <p:nvPr>
-            <p:ph type="dt" sz="half" idx="10"/>
-          </p:nvPr>
-        </p:nvSpPr>
-        <p:spPr/>
-        <p:txBody>
-          <a:bodyPr/>
-          <a:lstStyle/>
-          <a:p>
-            <a:fld id="{BB7BEF1C-0412-4199-B744-E002330B69D5}" type="datetimeFigureOut">
-              <a:rPr lang="fr-FR" smtClean="0"/>
-              <a:t>15/06/2019</a:t>
+              <a:t>16/06/2019</a:t>
             </a:fld>
             <a:endParaRPr lang="fr-FR" dirty="0"/>
           </a:p>
@@ -703,7 +746,7 @@
       </p:sp>
       <p:sp>
         <p:nvSpPr>
-          <p:cNvPr id="5" name="Espace réservé du pied de page 4"/>
+          <p:cNvPr id="5" name="Footer Placeholder 4"/>
           <p:cNvSpPr>
             <a:spLocks noGrp="1"/>
           </p:cNvSpPr>
@@ -711,7 +754,12 @@
             <p:ph type="ftr" sz="quarter" idx="11"/>
           </p:nvPr>
         </p:nvSpPr>
-        <p:spPr/>
+        <p:spPr>
+          <a:xfrm>
+            <a:off x="1371600" y="4323845"/>
+            <a:ext cx="6400800" cy="365125"/>
+          </a:xfrm>
+        </p:spPr>
         <p:txBody>
           <a:bodyPr/>
           <a:lstStyle/>
@@ -722,7 +770,7 @@
       </p:sp>
       <p:sp>
         <p:nvSpPr>
-          <p:cNvPr id="6" name="Espace réservé du numéro de diapositive 5"/>
+          <p:cNvPr id="6" name="Slide Number Placeholder 5"/>
           <p:cNvSpPr>
             <a:spLocks noGrp="1"/>
           </p:cNvSpPr>
@@ -730,7 +778,12 @@
             <p:ph type="sldNum" sz="quarter" idx="12"/>
           </p:nvPr>
         </p:nvSpPr>
-        <p:spPr/>
+        <p:spPr>
+          <a:xfrm>
+            <a:off x="8077200" y="1430866"/>
+            <a:ext cx="2743200" cy="365125"/>
+          </a:xfrm>
+        </p:spPr>
         <p:txBody>
           <a:bodyPr/>
           <a:lstStyle/>
@@ -746,7 +799,7 @@
     </p:spTree>
     <p:extLst>
       <p:ext uri="{BB962C8B-B14F-4D97-AF65-F5344CB8AC3E}">
-        <p14:creationId xmlns:p14="http://schemas.microsoft.com/office/powerpoint/2010/main" val="724826000"/>
+        <p14:creationId xmlns:p14="http://schemas.microsoft.com/office/powerpoint/2010/main" val="2522484484"/>
       </p:ext>
     </p:extLst>
   </p:cSld>
@@ -757,6 +810,2598 @@
 </file>
 
 <file path=ppt/slideLayouts/slideLayout10.xml><?xml version="1.0" encoding="utf-8"?>
+<p:sldLayout xmlns:a="http://schemas.openxmlformats.org/drawingml/2006/main" xmlns:r="http://schemas.openxmlformats.org/officeDocument/2006/relationships" xmlns:p="http://schemas.openxmlformats.org/presentationml/2006/main" preserve="1">
+  <p:cSld name="Image panoramique avec légende">
+    <p:spTree>
+      <p:nvGrpSpPr>
+        <p:cNvPr id="1" name=""/>
+        <p:cNvGrpSpPr/>
+        <p:nvPr/>
+      </p:nvGrpSpPr>
+      <p:grpSpPr>
+        <a:xfrm>
+          <a:off x="0" y="0"/>
+          <a:ext cx="0" cy="0"/>
+          <a:chOff x="0" y="0"/>
+          <a:chExt cx="0" cy="0"/>
+        </a:xfrm>
+      </p:grpSpPr>
+      <p:sp>
+        <p:nvSpPr>
+          <p:cNvPr id="2" name="Title 1"/>
+          <p:cNvSpPr>
+            <a:spLocks noGrp="1"/>
+          </p:cNvSpPr>
+          <p:nvPr>
+            <p:ph type="title"/>
+          </p:nvPr>
+        </p:nvSpPr>
+        <p:spPr>
+          <a:xfrm>
+            <a:off x="685777" y="4697360"/>
+            <a:ext cx="10822034" cy="819355"/>
+          </a:xfrm>
+        </p:spPr>
+        <p:txBody>
+          <a:bodyPr anchor="b"/>
+          <a:lstStyle>
+            <a:lvl1pPr algn="l">
+              <a:defRPr sz="3200"/>
+            </a:lvl1pPr>
+          </a:lstStyle>
+          <a:p>
+            <a:r>
+              <a:rPr lang="fr-FR"/>
+              <a:t>Modifiez le style du titre</a:t>
+            </a:r>
+            <a:endParaRPr lang="en-US" dirty="0"/>
+          </a:p>
+        </p:txBody>
+      </p:sp>
+      <p:sp>
+        <p:nvSpPr>
+          <p:cNvPr id="3" name="Picture Placeholder 2"/>
+          <p:cNvSpPr>
+            <a:spLocks noGrp="1" noChangeAspect="1"/>
+          </p:cNvSpPr>
+          <p:nvPr>
+            <p:ph type="pic" idx="1"/>
+          </p:nvPr>
+        </p:nvSpPr>
+        <p:spPr>
+          <a:xfrm>
+            <a:off x="681727" y="941439"/>
+            <a:ext cx="10821840" cy="3478161"/>
+          </a:xfrm>
+        </p:spPr>
+        <p:txBody>
+          <a:bodyPr anchor="t"/>
+          <a:lstStyle>
+            <a:lvl1pPr marL="0" indent="0">
+              <a:buNone/>
+              <a:defRPr sz="3200"/>
+            </a:lvl1pPr>
+            <a:lvl2pPr marL="457200" indent="0">
+              <a:buNone/>
+              <a:defRPr sz="2800"/>
+            </a:lvl2pPr>
+            <a:lvl3pPr marL="914400" indent="0">
+              <a:buNone/>
+              <a:defRPr sz="2400"/>
+            </a:lvl3pPr>
+            <a:lvl4pPr marL="1371600" indent="0">
+              <a:buNone/>
+              <a:defRPr sz="2000"/>
+            </a:lvl4pPr>
+            <a:lvl5pPr marL="1828800" indent="0">
+              <a:buNone/>
+              <a:defRPr sz="2000"/>
+            </a:lvl5pPr>
+            <a:lvl6pPr marL="2286000" indent="0">
+              <a:buNone/>
+              <a:defRPr sz="2000"/>
+            </a:lvl6pPr>
+            <a:lvl7pPr marL="2743200" indent="0">
+              <a:buNone/>
+              <a:defRPr sz="2000"/>
+            </a:lvl7pPr>
+            <a:lvl8pPr marL="3200400" indent="0">
+              <a:buNone/>
+              <a:defRPr sz="2000"/>
+            </a:lvl8pPr>
+            <a:lvl9pPr marL="3657600" indent="0">
+              <a:buNone/>
+              <a:defRPr sz="2000"/>
+            </a:lvl9pPr>
+          </a:lstStyle>
+          <a:p>
+            <a:r>
+              <a:rPr lang="fr-FR"/>
+              <a:t>Cliquez sur l’icône pour ajouter une image</a:t>
+            </a:r>
+            <a:endParaRPr lang="en-US" dirty="0"/>
+          </a:p>
+        </p:txBody>
+      </p:sp>
+      <p:sp>
+        <p:nvSpPr>
+          <p:cNvPr id="4" name="Text Placeholder 3"/>
+          <p:cNvSpPr>
+            <a:spLocks noGrp="1"/>
+          </p:cNvSpPr>
+          <p:nvPr>
+            <p:ph type="body" sz="half" idx="2"/>
+          </p:nvPr>
+        </p:nvSpPr>
+        <p:spPr>
+          <a:xfrm>
+            <a:off x="685800" y="5516715"/>
+            <a:ext cx="10820400" cy="701969"/>
+          </a:xfrm>
+        </p:spPr>
+        <p:txBody>
+          <a:bodyPr/>
+          <a:lstStyle>
+            <a:lvl1pPr marL="0" indent="0" algn="l">
+              <a:buNone/>
+              <a:defRPr sz="1600"/>
+            </a:lvl1pPr>
+            <a:lvl2pPr marL="457200" indent="0">
+              <a:buNone/>
+              <a:defRPr sz="1400"/>
+            </a:lvl2pPr>
+            <a:lvl3pPr marL="914400" indent="0">
+              <a:buNone/>
+              <a:defRPr sz="1200"/>
+            </a:lvl3pPr>
+            <a:lvl4pPr marL="1371600" indent="0">
+              <a:buNone/>
+              <a:defRPr sz="1000"/>
+            </a:lvl4pPr>
+            <a:lvl5pPr marL="1828800" indent="0">
+              <a:buNone/>
+              <a:defRPr sz="1000"/>
+            </a:lvl5pPr>
+            <a:lvl6pPr marL="2286000" indent="0">
+              <a:buNone/>
+              <a:defRPr sz="1000"/>
+            </a:lvl6pPr>
+            <a:lvl7pPr marL="2743200" indent="0">
+              <a:buNone/>
+              <a:defRPr sz="1000"/>
+            </a:lvl7pPr>
+            <a:lvl8pPr marL="3200400" indent="0">
+              <a:buNone/>
+              <a:defRPr sz="1000"/>
+            </a:lvl8pPr>
+            <a:lvl9pPr marL="3657600" indent="0">
+              <a:buNone/>
+              <a:defRPr sz="1000"/>
+            </a:lvl9pPr>
+          </a:lstStyle>
+          <a:p>
+            <a:pPr lvl="0"/>
+            <a:r>
+              <a:rPr lang="fr-FR"/>
+              <a:t>Modifier les styles du texte du masque</a:t>
+            </a:r>
+          </a:p>
+        </p:txBody>
+      </p:sp>
+      <p:sp>
+        <p:nvSpPr>
+          <p:cNvPr id="5" name="Date Placeholder 4"/>
+          <p:cNvSpPr>
+            <a:spLocks noGrp="1"/>
+          </p:cNvSpPr>
+          <p:nvPr>
+            <p:ph type="dt" sz="half" idx="10"/>
+          </p:nvPr>
+        </p:nvSpPr>
+        <p:spPr/>
+        <p:txBody>
+          <a:bodyPr/>
+          <a:lstStyle/>
+          <a:p>
+            <a:fld id="{C26D2735-A317-A041-8445-69BB8C2166D5}" type="datetime1">
+              <a:rPr lang="fr-FR" smtClean="0"/>
+              <a:t>16/06/2019</a:t>
+            </a:fld>
+            <a:endParaRPr lang="fr-FR" dirty="0"/>
+          </a:p>
+        </p:txBody>
+      </p:sp>
+      <p:sp>
+        <p:nvSpPr>
+          <p:cNvPr id="6" name="Footer Placeholder 5"/>
+          <p:cNvSpPr>
+            <a:spLocks noGrp="1"/>
+          </p:cNvSpPr>
+          <p:nvPr>
+            <p:ph type="ftr" sz="quarter" idx="11"/>
+          </p:nvPr>
+        </p:nvSpPr>
+        <p:spPr/>
+        <p:txBody>
+          <a:bodyPr/>
+          <a:lstStyle/>
+          <a:p>
+            <a:endParaRPr lang="fr-FR" dirty="0"/>
+          </a:p>
+        </p:txBody>
+      </p:sp>
+      <p:sp>
+        <p:nvSpPr>
+          <p:cNvPr id="7" name="Slide Number Placeholder 6"/>
+          <p:cNvSpPr>
+            <a:spLocks noGrp="1"/>
+          </p:cNvSpPr>
+          <p:nvPr>
+            <p:ph type="sldNum" sz="quarter" idx="12"/>
+          </p:nvPr>
+        </p:nvSpPr>
+        <p:spPr/>
+        <p:txBody>
+          <a:bodyPr/>
+          <a:lstStyle/>
+          <a:p>
+            <a:fld id="{E1F2DA6C-65BD-4D8D-B230-55EC7852561B}" type="slidenum">
+              <a:rPr lang="fr-FR" smtClean="0"/>
+              <a:t>‹N°›</a:t>
+            </a:fld>
+            <a:endParaRPr lang="fr-FR" dirty="0"/>
+          </a:p>
+        </p:txBody>
+      </p:sp>
+    </p:spTree>
+    <p:extLst>
+      <p:ext uri="{BB962C8B-B14F-4D97-AF65-F5344CB8AC3E}">
+        <p14:creationId xmlns:p14="http://schemas.microsoft.com/office/powerpoint/2010/main" val="3974915139"/>
+      </p:ext>
+    </p:extLst>
+  </p:cSld>
+  <p:clrMapOvr>
+    <a:masterClrMapping/>
+  </p:clrMapOvr>
+</p:sldLayout>
+</file>
+
+<file path=ppt/slideLayouts/slideLayout11.xml><?xml version="1.0" encoding="utf-8"?>
+<p:sldLayout xmlns:a="http://schemas.openxmlformats.org/drawingml/2006/main" xmlns:r="http://schemas.openxmlformats.org/officeDocument/2006/relationships" xmlns:p="http://schemas.openxmlformats.org/presentationml/2006/main" showMasterSp="0" preserve="1">
+  <p:cSld name="Titre et légende">
+    <p:spTree>
+      <p:nvGrpSpPr>
+        <p:cNvPr id="1" name=""/>
+        <p:cNvGrpSpPr/>
+        <p:nvPr/>
+      </p:nvGrpSpPr>
+      <p:grpSpPr>
+        <a:xfrm>
+          <a:off x="0" y="0"/>
+          <a:ext cx="0" cy="0"/>
+          <a:chOff x="0" y="0"/>
+          <a:chExt cx="0" cy="0"/>
+        </a:xfrm>
+      </p:grpSpPr>
+      <p:pic>
+        <p:nvPicPr>
+          <p:cNvPr id="9" name="Picture 8" descr="C3-HD-BTM.png"/>
+          <p:cNvPicPr>
+            <a:picLocks noChangeAspect="1"/>
+          </p:cNvPicPr>
+          <p:nvPr/>
+        </p:nvPicPr>
+        <p:blipFill>
+          <a:blip r:embed="rId2">
+            <a:extLst>
+              <a:ext uri="{28A0092B-C50C-407E-A947-70E740481C1C}">
+                <a14:useLocalDpi xmlns:a14="http://schemas.microsoft.com/office/drawing/2010/main" val="0"/>
+              </a:ext>
+            </a:extLst>
+          </a:blip>
+          <a:stretch>
+            <a:fillRect/>
+          </a:stretch>
+        </p:blipFill>
+        <p:spPr>
+          <a:xfrm>
+            <a:off x="0" y="4375150"/>
+            <a:ext cx="12192000" cy="2482850"/>
+          </a:xfrm>
+          <a:prstGeom prst="rect">
+            <a:avLst/>
+          </a:prstGeom>
+        </p:spPr>
+      </p:pic>
+      <p:sp>
+        <p:nvSpPr>
+          <p:cNvPr id="2" name="Title 1"/>
+          <p:cNvSpPr>
+            <a:spLocks noGrp="1"/>
+          </p:cNvSpPr>
+          <p:nvPr>
+            <p:ph type="title"/>
+          </p:nvPr>
+        </p:nvSpPr>
+        <p:spPr>
+          <a:xfrm>
+            <a:off x="685800" y="753532"/>
+            <a:ext cx="10820400" cy="2802467"/>
+          </a:xfrm>
+        </p:spPr>
+        <p:txBody>
+          <a:bodyPr anchor="ctr"/>
+          <a:lstStyle>
+            <a:lvl1pPr algn="l">
+              <a:defRPr sz="3200"/>
+            </a:lvl1pPr>
+          </a:lstStyle>
+          <a:p>
+            <a:r>
+              <a:rPr lang="fr-FR"/>
+              <a:t>Modifiez le style du titre</a:t>
+            </a:r>
+            <a:endParaRPr lang="en-US" dirty="0"/>
+          </a:p>
+        </p:txBody>
+      </p:sp>
+      <p:sp>
+        <p:nvSpPr>
+          <p:cNvPr id="4" name="Text Placeholder 3"/>
+          <p:cNvSpPr>
+            <a:spLocks noGrp="1"/>
+          </p:cNvSpPr>
+          <p:nvPr>
+            <p:ph type="body" sz="half" idx="2"/>
+          </p:nvPr>
+        </p:nvSpPr>
+        <p:spPr>
+          <a:xfrm>
+            <a:off x="1024467" y="3649133"/>
+            <a:ext cx="10130516" cy="999067"/>
+          </a:xfrm>
+        </p:spPr>
+        <p:txBody>
+          <a:bodyPr anchor="ctr"/>
+          <a:lstStyle>
+            <a:lvl1pPr marL="0" indent="0">
+              <a:buNone/>
+              <a:defRPr sz="1600"/>
+            </a:lvl1pPr>
+            <a:lvl2pPr marL="457200" indent="0">
+              <a:buNone/>
+              <a:defRPr sz="1400"/>
+            </a:lvl2pPr>
+            <a:lvl3pPr marL="914400" indent="0">
+              <a:buNone/>
+              <a:defRPr sz="1200"/>
+            </a:lvl3pPr>
+            <a:lvl4pPr marL="1371600" indent="0">
+              <a:buNone/>
+              <a:defRPr sz="1000"/>
+            </a:lvl4pPr>
+            <a:lvl5pPr marL="1828800" indent="0">
+              <a:buNone/>
+              <a:defRPr sz="1000"/>
+            </a:lvl5pPr>
+            <a:lvl6pPr marL="2286000" indent="0">
+              <a:buNone/>
+              <a:defRPr sz="1000"/>
+            </a:lvl6pPr>
+            <a:lvl7pPr marL="2743200" indent="0">
+              <a:buNone/>
+              <a:defRPr sz="1000"/>
+            </a:lvl7pPr>
+            <a:lvl8pPr marL="3200400" indent="0">
+              <a:buNone/>
+              <a:defRPr sz="1000"/>
+            </a:lvl8pPr>
+            <a:lvl9pPr marL="3657600" indent="0">
+              <a:buNone/>
+              <a:defRPr sz="1000"/>
+            </a:lvl9pPr>
+          </a:lstStyle>
+          <a:p>
+            <a:pPr lvl="0"/>
+            <a:r>
+              <a:rPr lang="fr-FR"/>
+              <a:t>Modifier les styles du texte du masque</a:t>
+            </a:r>
+          </a:p>
+        </p:txBody>
+      </p:sp>
+      <p:sp>
+        <p:nvSpPr>
+          <p:cNvPr id="5" name="Date Placeholder 4"/>
+          <p:cNvSpPr>
+            <a:spLocks noGrp="1"/>
+          </p:cNvSpPr>
+          <p:nvPr>
+            <p:ph type="dt" sz="half" idx="10"/>
+          </p:nvPr>
+        </p:nvSpPr>
+        <p:spPr>
+          <a:xfrm>
+            <a:off x="7814452" y="381000"/>
+            <a:ext cx="2910840" cy="365125"/>
+          </a:xfrm>
+        </p:spPr>
+        <p:txBody>
+          <a:bodyPr/>
+          <a:lstStyle>
+            <a:lvl1pPr algn="r">
+              <a:defRPr/>
+            </a:lvl1pPr>
+          </a:lstStyle>
+          <a:p>
+            <a:fld id="{25858E36-F64E-9541-BB15-B55871F2D2D8}" type="datetime1">
+              <a:rPr lang="fr-FR" smtClean="0"/>
+              <a:t>16/06/2019</a:t>
+            </a:fld>
+            <a:endParaRPr lang="fr-FR" dirty="0"/>
+          </a:p>
+        </p:txBody>
+      </p:sp>
+      <p:sp>
+        <p:nvSpPr>
+          <p:cNvPr id="6" name="Footer Placeholder 5"/>
+          <p:cNvSpPr>
+            <a:spLocks noGrp="1"/>
+          </p:cNvSpPr>
+          <p:nvPr>
+            <p:ph type="ftr" sz="quarter" idx="11"/>
+          </p:nvPr>
+        </p:nvSpPr>
+        <p:spPr>
+          <a:xfrm>
+            <a:off x="685800" y="379941"/>
+            <a:ext cx="6991492" cy="365125"/>
+          </a:xfrm>
+        </p:spPr>
+        <p:txBody>
+          <a:bodyPr/>
+          <a:lstStyle/>
+          <a:p>
+            <a:endParaRPr lang="fr-FR" dirty="0"/>
+          </a:p>
+        </p:txBody>
+      </p:sp>
+      <p:sp>
+        <p:nvSpPr>
+          <p:cNvPr id="7" name="Slide Number Placeholder 6"/>
+          <p:cNvSpPr>
+            <a:spLocks noGrp="1"/>
+          </p:cNvSpPr>
+          <p:nvPr>
+            <p:ph type="sldNum" sz="quarter" idx="12"/>
+          </p:nvPr>
+        </p:nvSpPr>
+        <p:spPr>
+          <a:xfrm>
+            <a:off x="10862452" y="381000"/>
+            <a:ext cx="643748" cy="365125"/>
+          </a:xfrm>
+        </p:spPr>
+        <p:txBody>
+          <a:bodyPr/>
+          <a:lstStyle/>
+          <a:p>
+            <a:fld id="{E1F2DA6C-65BD-4D8D-B230-55EC7852561B}" type="slidenum">
+              <a:rPr lang="fr-FR" smtClean="0"/>
+              <a:t>‹N°›</a:t>
+            </a:fld>
+            <a:endParaRPr lang="fr-FR" dirty="0"/>
+          </a:p>
+        </p:txBody>
+      </p:sp>
+    </p:spTree>
+    <p:extLst>
+      <p:ext uri="{BB962C8B-B14F-4D97-AF65-F5344CB8AC3E}">
+        <p14:creationId xmlns:p14="http://schemas.microsoft.com/office/powerpoint/2010/main" val="546197973"/>
+      </p:ext>
+    </p:extLst>
+  </p:cSld>
+  <p:clrMapOvr>
+    <a:masterClrMapping/>
+  </p:clrMapOvr>
+</p:sldLayout>
+</file>
+
+<file path=ppt/slideLayouts/slideLayout12.xml><?xml version="1.0" encoding="utf-8"?>
+<p:sldLayout xmlns:a="http://schemas.openxmlformats.org/drawingml/2006/main" xmlns:r="http://schemas.openxmlformats.org/officeDocument/2006/relationships" xmlns:p="http://schemas.openxmlformats.org/presentationml/2006/main" showMasterSp="0" preserve="1">
+  <p:cSld name="Citation avec légende">
+    <p:spTree>
+      <p:nvGrpSpPr>
+        <p:cNvPr id="1" name=""/>
+        <p:cNvGrpSpPr/>
+        <p:nvPr/>
+      </p:nvGrpSpPr>
+      <p:grpSpPr>
+        <a:xfrm>
+          <a:off x="0" y="0"/>
+          <a:ext cx="0" cy="0"/>
+          <a:chOff x="0" y="0"/>
+          <a:chExt cx="0" cy="0"/>
+        </a:xfrm>
+      </p:grpSpPr>
+      <p:pic>
+        <p:nvPicPr>
+          <p:cNvPr id="11" name="Picture 10" descr="C3-HD-BTM.png"/>
+          <p:cNvPicPr>
+            <a:picLocks noChangeAspect="1"/>
+          </p:cNvPicPr>
+          <p:nvPr/>
+        </p:nvPicPr>
+        <p:blipFill>
+          <a:blip r:embed="rId2">
+            <a:extLst>
+              <a:ext uri="{28A0092B-C50C-407E-A947-70E740481C1C}">
+                <a14:useLocalDpi xmlns:a14="http://schemas.microsoft.com/office/drawing/2010/main" val="0"/>
+              </a:ext>
+            </a:extLst>
+          </a:blip>
+          <a:stretch>
+            <a:fillRect/>
+          </a:stretch>
+        </p:blipFill>
+        <p:spPr>
+          <a:xfrm>
+            <a:off x="0" y="4375150"/>
+            <a:ext cx="12192000" cy="2482850"/>
+          </a:xfrm>
+          <a:prstGeom prst="rect">
+            <a:avLst/>
+          </a:prstGeom>
+        </p:spPr>
+      </p:pic>
+      <p:sp>
+        <p:nvSpPr>
+          <p:cNvPr id="2" name="Title 1"/>
+          <p:cNvSpPr>
+            <a:spLocks noGrp="1"/>
+          </p:cNvSpPr>
+          <p:nvPr>
+            <p:ph type="title"/>
+          </p:nvPr>
+        </p:nvSpPr>
+        <p:spPr>
+          <a:xfrm>
+            <a:off x="1024467" y="753533"/>
+            <a:ext cx="10151533" cy="2604495"/>
+          </a:xfrm>
+        </p:spPr>
+        <p:txBody>
+          <a:bodyPr anchor="ctr"/>
+          <a:lstStyle>
+            <a:lvl1pPr algn="l">
+              <a:defRPr sz="3200"/>
+            </a:lvl1pPr>
+          </a:lstStyle>
+          <a:p>
+            <a:r>
+              <a:rPr lang="fr-FR"/>
+              <a:t>Modifiez le style du titre</a:t>
+            </a:r>
+            <a:endParaRPr lang="en-US" dirty="0"/>
+          </a:p>
+        </p:txBody>
+      </p:sp>
+      <p:sp>
+        <p:nvSpPr>
+          <p:cNvPr id="12" name="Text Placeholder 3"/>
+          <p:cNvSpPr>
+            <a:spLocks noGrp="1"/>
+          </p:cNvSpPr>
+          <p:nvPr>
+            <p:ph type="body" sz="half" idx="13"/>
+          </p:nvPr>
+        </p:nvSpPr>
+        <p:spPr>
+          <a:xfrm>
+            <a:off x="1303865" y="3365556"/>
+            <a:ext cx="9592736" cy="444443"/>
+          </a:xfrm>
+        </p:spPr>
+        <p:txBody>
+          <a:bodyPr anchor="t">
+            <a:normAutofit/>
+          </a:bodyPr>
+          <a:lstStyle>
+            <a:lvl1pPr marL="0" indent="0">
+              <a:buNone/>
+              <a:defRPr sz="1400"/>
+            </a:lvl1pPr>
+            <a:lvl2pPr marL="457200" indent="0">
+              <a:buNone/>
+              <a:defRPr sz="1400"/>
+            </a:lvl2pPr>
+            <a:lvl3pPr marL="914400" indent="0">
+              <a:buNone/>
+              <a:defRPr sz="1200"/>
+            </a:lvl3pPr>
+            <a:lvl4pPr marL="1371600" indent="0">
+              <a:buNone/>
+              <a:defRPr sz="1000"/>
+            </a:lvl4pPr>
+            <a:lvl5pPr marL="1828800" indent="0">
+              <a:buNone/>
+              <a:defRPr sz="1000"/>
+            </a:lvl5pPr>
+            <a:lvl6pPr marL="2286000" indent="0">
+              <a:buNone/>
+              <a:defRPr sz="1000"/>
+            </a:lvl6pPr>
+            <a:lvl7pPr marL="2743200" indent="0">
+              <a:buNone/>
+              <a:defRPr sz="1000"/>
+            </a:lvl7pPr>
+            <a:lvl8pPr marL="3200400" indent="0">
+              <a:buNone/>
+              <a:defRPr sz="1000"/>
+            </a:lvl8pPr>
+            <a:lvl9pPr marL="3657600" indent="0">
+              <a:buNone/>
+              <a:defRPr sz="1000"/>
+            </a:lvl9pPr>
+          </a:lstStyle>
+          <a:p>
+            <a:pPr lvl="0"/>
+            <a:r>
+              <a:rPr lang="fr-FR"/>
+              <a:t>Modifier les styles du texte du masque</a:t>
+            </a:r>
+          </a:p>
+        </p:txBody>
+      </p:sp>
+      <p:sp>
+        <p:nvSpPr>
+          <p:cNvPr id="4" name="Text Placeholder 3"/>
+          <p:cNvSpPr>
+            <a:spLocks noGrp="1"/>
+          </p:cNvSpPr>
+          <p:nvPr>
+            <p:ph type="body" sz="half" idx="2"/>
+          </p:nvPr>
+        </p:nvSpPr>
+        <p:spPr>
+          <a:xfrm>
+            <a:off x="1024467" y="3959862"/>
+            <a:ext cx="10151533" cy="679871"/>
+          </a:xfrm>
+        </p:spPr>
+        <p:txBody>
+          <a:bodyPr anchor="ctr">
+            <a:normAutofit/>
+          </a:bodyPr>
+          <a:lstStyle>
+            <a:lvl1pPr marL="0" indent="0">
+              <a:buNone/>
+              <a:defRPr sz="1600"/>
+            </a:lvl1pPr>
+            <a:lvl2pPr marL="457200" indent="0">
+              <a:buNone/>
+              <a:defRPr sz="1400"/>
+            </a:lvl2pPr>
+            <a:lvl3pPr marL="914400" indent="0">
+              <a:buNone/>
+              <a:defRPr sz="1200"/>
+            </a:lvl3pPr>
+            <a:lvl4pPr marL="1371600" indent="0">
+              <a:buNone/>
+              <a:defRPr sz="1000"/>
+            </a:lvl4pPr>
+            <a:lvl5pPr marL="1828800" indent="0">
+              <a:buNone/>
+              <a:defRPr sz="1000"/>
+            </a:lvl5pPr>
+            <a:lvl6pPr marL="2286000" indent="0">
+              <a:buNone/>
+              <a:defRPr sz="1000"/>
+            </a:lvl6pPr>
+            <a:lvl7pPr marL="2743200" indent="0">
+              <a:buNone/>
+              <a:defRPr sz="1000"/>
+            </a:lvl7pPr>
+            <a:lvl8pPr marL="3200400" indent="0">
+              <a:buNone/>
+              <a:defRPr sz="1000"/>
+            </a:lvl8pPr>
+            <a:lvl9pPr marL="3657600" indent="0">
+              <a:buNone/>
+              <a:defRPr sz="1000"/>
+            </a:lvl9pPr>
+          </a:lstStyle>
+          <a:p>
+            <a:pPr lvl="0"/>
+            <a:r>
+              <a:rPr lang="fr-FR"/>
+              <a:t>Modifier les styles du texte du masque</a:t>
+            </a:r>
+          </a:p>
+        </p:txBody>
+      </p:sp>
+      <p:sp>
+        <p:nvSpPr>
+          <p:cNvPr id="5" name="Date Placeholder 4"/>
+          <p:cNvSpPr>
+            <a:spLocks noGrp="1"/>
+          </p:cNvSpPr>
+          <p:nvPr>
+            <p:ph type="dt" sz="half" idx="10"/>
+          </p:nvPr>
+        </p:nvSpPr>
+        <p:spPr>
+          <a:xfrm>
+            <a:off x="7814452" y="381000"/>
+            <a:ext cx="2910840" cy="365125"/>
+          </a:xfrm>
+        </p:spPr>
+        <p:txBody>
+          <a:bodyPr/>
+          <a:lstStyle>
+            <a:lvl1pPr algn="r">
+              <a:defRPr/>
+            </a:lvl1pPr>
+          </a:lstStyle>
+          <a:p>
+            <a:fld id="{E6CE3A83-6146-9046-8A76-6D1AB8C0FC24}" type="datetime1">
+              <a:rPr lang="fr-FR" smtClean="0"/>
+              <a:t>16/06/2019</a:t>
+            </a:fld>
+            <a:endParaRPr lang="fr-FR" dirty="0"/>
+          </a:p>
+        </p:txBody>
+      </p:sp>
+      <p:sp>
+        <p:nvSpPr>
+          <p:cNvPr id="6" name="Footer Placeholder 5"/>
+          <p:cNvSpPr>
+            <a:spLocks noGrp="1"/>
+          </p:cNvSpPr>
+          <p:nvPr>
+            <p:ph type="ftr" sz="quarter" idx="11"/>
+          </p:nvPr>
+        </p:nvSpPr>
+        <p:spPr>
+          <a:xfrm>
+            <a:off x="685800" y="379941"/>
+            <a:ext cx="6991492" cy="365125"/>
+          </a:xfrm>
+        </p:spPr>
+        <p:txBody>
+          <a:bodyPr/>
+          <a:lstStyle/>
+          <a:p>
+            <a:endParaRPr lang="fr-FR" dirty="0"/>
+          </a:p>
+        </p:txBody>
+      </p:sp>
+      <p:sp>
+        <p:nvSpPr>
+          <p:cNvPr id="7" name="Slide Number Placeholder 6"/>
+          <p:cNvSpPr>
+            <a:spLocks noGrp="1"/>
+          </p:cNvSpPr>
+          <p:nvPr>
+            <p:ph type="sldNum" sz="quarter" idx="12"/>
+          </p:nvPr>
+        </p:nvSpPr>
+        <p:spPr>
+          <a:xfrm>
+            <a:off x="10862452" y="381000"/>
+            <a:ext cx="643748" cy="365125"/>
+          </a:xfrm>
+        </p:spPr>
+        <p:txBody>
+          <a:bodyPr/>
+          <a:lstStyle/>
+          <a:p>
+            <a:fld id="{E1F2DA6C-65BD-4D8D-B230-55EC7852561B}" type="slidenum">
+              <a:rPr lang="fr-FR" smtClean="0"/>
+              <a:t>‹N°›</a:t>
+            </a:fld>
+            <a:endParaRPr lang="fr-FR" dirty="0"/>
+          </a:p>
+        </p:txBody>
+      </p:sp>
+      <p:sp>
+        <p:nvSpPr>
+          <p:cNvPr id="9" name="TextBox 8"/>
+          <p:cNvSpPr txBox="1"/>
+          <p:nvPr/>
+        </p:nvSpPr>
+        <p:spPr>
+          <a:xfrm>
+            <a:off x="476250" y="933450"/>
+            <a:ext cx="609600" cy="584776"/>
+          </a:xfrm>
+          <a:prstGeom prst="rect">
+            <a:avLst/>
+          </a:prstGeom>
+        </p:spPr>
+        <p:txBody>
+          <a:bodyPr vert="horz" lIns="91440" tIns="45720" rIns="91440" bIns="45720" rtlCol="0" anchor="ctr">
+            <a:noAutofit/>
+          </a:bodyPr>
+          <a:lstStyle>
+            <a:lvl1pPr>
+              <a:spcBef>
+                <a:spcPct val="0"/>
+              </a:spcBef>
+              <a:buNone/>
+              <a:defRPr sz="3200" b="0" cap="all">
+                <a:ln w="3175" cmpd="sng">
+                  <a:noFill/>
+                </a:ln>
+                <a:effectLst>
+                  <a:glow rad="38100">
+                    <a:schemeClr val="bg1">
+                      <a:lumMod val="65000"/>
+                      <a:lumOff val="35000"/>
+                      <a:alpha val="40000"/>
+                    </a:schemeClr>
+                  </a:glow>
+                  <a:outerShdw blurRad="28575" dist="38100" dir="14040000" algn="tl" rotWithShape="0">
+                    <a:srgbClr val="000000">
+                      <a:alpha val="25000"/>
+                    </a:srgbClr>
+                  </a:outerShdw>
+                </a:effectLst>
+              </a:defRPr>
+            </a:lvl1pPr>
+            <a:lvl2pPr>
+              <a:defRPr>
+                <a:solidFill>
+                  <a:schemeClr val="tx2"/>
+                </a:solidFill>
+              </a:defRPr>
+            </a:lvl2pPr>
+            <a:lvl3pPr>
+              <a:defRPr>
+                <a:solidFill>
+                  <a:schemeClr val="tx2"/>
+                </a:solidFill>
+              </a:defRPr>
+            </a:lvl3pPr>
+            <a:lvl4pPr>
+              <a:defRPr>
+                <a:solidFill>
+                  <a:schemeClr val="tx2"/>
+                </a:solidFill>
+              </a:defRPr>
+            </a:lvl4pPr>
+            <a:lvl5pPr>
+              <a:defRPr>
+                <a:solidFill>
+                  <a:schemeClr val="tx2"/>
+                </a:solidFill>
+              </a:defRPr>
+            </a:lvl5pPr>
+            <a:lvl6pPr>
+              <a:defRPr>
+                <a:solidFill>
+                  <a:schemeClr val="tx2"/>
+                </a:solidFill>
+              </a:defRPr>
+            </a:lvl6pPr>
+            <a:lvl7pPr>
+              <a:defRPr>
+                <a:solidFill>
+                  <a:schemeClr val="tx2"/>
+                </a:solidFill>
+              </a:defRPr>
+            </a:lvl7pPr>
+            <a:lvl8pPr>
+              <a:defRPr>
+                <a:solidFill>
+                  <a:schemeClr val="tx2"/>
+                </a:solidFill>
+              </a:defRPr>
+            </a:lvl8pPr>
+            <a:lvl9pPr>
+              <a:defRPr>
+                <a:solidFill>
+                  <a:schemeClr val="tx2"/>
+                </a:solidFill>
+              </a:defRPr>
+            </a:lvl9pPr>
+          </a:lstStyle>
+          <a:p>
+            <a:pPr lvl="0"/>
+            <a:r>
+              <a:rPr lang="en-US" sz="8000" dirty="0">
+                <a:solidFill>
+                  <a:schemeClr val="tx1"/>
+                </a:solidFill>
+                <a:effectLst/>
+              </a:rPr>
+              <a:t>“</a:t>
+            </a:r>
+          </a:p>
+        </p:txBody>
+      </p:sp>
+      <p:sp>
+        <p:nvSpPr>
+          <p:cNvPr id="10" name="TextBox 9"/>
+          <p:cNvSpPr txBox="1"/>
+          <p:nvPr/>
+        </p:nvSpPr>
+        <p:spPr>
+          <a:xfrm>
+            <a:off x="10984230" y="2701290"/>
+            <a:ext cx="609600" cy="584776"/>
+          </a:xfrm>
+          <a:prstGeom prst="rect">
+            <a:avLst/>
+          </a:prstGeom>
+        </p:spPr>
+        <p:txBody>
+          <a:bodyPr vert="horz" lIns="91440" tIns="45720" rIns="91440" bIns="45720" rtlCol="0" anchor="ctr">
+            <a:noAutofit/>
+          </a:bodyPr>
+          <a:lstStyle>
+            <a:lvl1pPr>
+              <a:spcBef>
+                <a:spcPct val="0"/>
+              </a:spcBef>
+              <a:buNone/>
+              <a:defRPr sz="3200" b="0" cap="all">
+                <a:ln w="3175" cmpd="sng">
+                  <a:noFill/>
+                </a:ln>
+                <a:effectLst>
+                  <a:glow rad="38100">
+                    <a:schemeClr val="bg1">
+                      <a:lumMod val="65000"/>
+                      <a:lumOff val="35000"/>
+                      <a:alpha val="40000"/>
+                    </a:schemeClr>
+                  </a:glow>
+                  <a:outerShdw blurRad="28575" dist="38100" dir="14040000" algn="tl" rotWithShape="0">
+                    <a:srgbClr val="000000">
+                      <a:alpha val="25000"/>
+                    </a:srgbClr>
+                  </a:outerShdw>
+                </a:effectLst>
+              </a:defRPr>
+            </a:lvl1pPr>
+            <a:lvl2pPr>
+              <a:defRPr>
+                <a:solidFill>
+                  <a:schemeClr val="tx2"/>
+                </a:solidFill>
+              </a:defRPr>
+            </a:lvl2pPr>
+            <a:lvl3pPr>
+              <a:defRPr>
+                <a:solidFill>
+                  <a:schemeClr val="tx2"/>
+                </a:solidFill>
+              </a:defRPr>
+            </a:lvl3pPr>
+            <a:lvl4pPr>
+              <a:defRPr>
+                <a:solidFill>
+                  <a:schemeClr val="tx2"/>
+                </a:solidFill>
+              </a:defRPr>
+            </a:lvl4pPr>
+            <a:lvl5pPr>
+              <a:defRPr>
+                <a:solidFill>
+                  <a:schemeClr val="tx2"/>
+                </a:solidFill>
+              </a:defRPr>
+            </a:lvl5pPr>
+            <a:lvl6pPr>
+              <a:defRPr>
+                <a:solidFill>
+                  <a:schemeClr val="tx2"/>
+                </a:solidFill>
+              </a:defRPr>
+            </a:lvl6pPr>
+            <a:lvl7pPr>
+              <a:defRPr>
+                <a:solidFill>
+                  <a:schemeClr val="tx2"/>
+                </a:solidFill>
+              </a:defRPr>
+            </a:lvl7pPr>
+            <a:lvl8pPr>
+              <a:defRPr>
+                <a:solidFill>
+                  <a:schemeClr val="tx2"/>
+                </a:solidFill>
+              </a:defRPr>
+            </a:lvl8pPr>
+            <a:lvl9pPr>
+              <a:defRPr>
+                <a:solidFill>
+                  <a:schemeClr val="tx2"/>
+                </a:solidFill>
+              </a:defRPr>
+            </a:lvl9pPr>
+          </a:lstStyle>
+          <a:p>
+            <a:pPr lvl="0" algn="r"/>
+            <a:r>
+              <a:rPr lang="en-US" sz="8000" dirty="0">
+                <a:solidFill>
+                  <a:schemeClr val="tx1"/>
+                </a:solidFill>
+                <a:effectLst/>
+              </a:rPr>
+              <a:t>”</a:t>
+            </a:r>
+          </a:p>
+        </p:txBody>
+      </p:sp>
+    </p:spTree>
+    <p:extLst>
+      <p:ext uri="{BB962C8B-B14F-4D97-AF65-F5344CB8AC3E}">
+        <p14:creationId xmlns:p14="http://schemas.microsoft.com/office/powerpoint/2010/main" val="46930284"/>
+      </p:ext>
+    </p:extLst>
+  </p:cSld>
+  <p:clrMapOvr>
+    <a:masterClrMapping/>
+  </p:clrMapOvr>
+</p:sldLayout>
+</file>
+
+<file path=ppt/slideLayouts/slideLayout13.xml><?xml version="1.0" encoding="utf-8"?>
+<p:sldLayout xmlns:a="http://schemas.openxmlformats.org/drawingml/2006/main" xmlns:r="http://schemas.openxmlformats.org/officeDocument/2006/relationships" xmlns:p="http://schemas.openxmlformats.org/presentationml/2006/main" showMasterSp="0" preserve="1">
+  <p:cSld name="Carte professionnelle">
+    <p:spTree>
+      <p:nvGrpSpPr>
+        <p:cNvPr id="1" name=""/>
+        <p:cNvGrpSpPr/>
+        <p:nvPr/>
+      </p:nvGrpSpPr>
+      <p:grpSpPr>
+        <a:xfrm>
+          <a:off x="0" y="0"/>
+          <a:ext cx="0" cy="0"/>
+          <a:chOff x="0" y="0"/>
+          <a:chExt cx="0" cy="0"/>
+        </a:xfrm>
+      </p:grpSpPr>
+      <p:pic>
+        <p:nvPicPr>
+          <p:cNvPr id="8" name="Picture 7" descr="C3-HD-BTM.png"/>
+          <p:cNvPicPr>
+            <a:picLocks noChangeAspect="1"/>
+          </p:cNvPicPr>
+          <p:nvPr/>
+        </p:nvPicPr>
+        <p:blipFill>
+          <a:blip r:embed="rId2">
+            <a:extLst>
+              <a:ext uri="{28A0092B-C50C-407E-A947-70E740481C1C}">
+                <a14:useLocalDpi xmlns:a14="http://schemas.microsoft.com/office/drawing/2010/main" val="0"/>
+              </a:ext>
+            </a:extLst>
+          </a:blip>
+          <a:stretch>
+            <a:fillRect/>
+          </a:stretch>
+        </p:blipFill>
+        <p:spPr>
+          <a:xfrm>
+            <a:off x="0" y="4375150"/>
+            <a:ext cx="12192000" cy="2482850"/>
+          </a:xfrm>
+          <a:prstGeom prst="rect">
+            <a:avLst/>
+          </a:prstGeom>
+        </p:spPr>
+      </p:pic>
+      <p:sp>
+        <p:nvSpPr>
+          <p:cNvPr id="2" name="Title 1"/>
+          <p:cNvSpPr>
+            <a:spLocks noGrp="1"/>
+          </p:cNvSpPr>
+          <p:nvPr>
+            <p:ph type="title"/>
+          </p:nvPr>
+        </p:nvSpPr>
+        <p:spPr>
+          <a:xfrm>
+            <a:off x="1024495" y="1124701"/>
+            <a:ext cx="10146186" cy="2511835"/>
+          </a:xfrm>
+        </p:spPr>
+        <p:txBody>
+          <a:bodyPr anchor="b"/>
+          <a:lstStyle>
+            <a:lvl1pPr algn="l">
+              <a:defRPr sz="3200"/>
+            </a:lvl1pPr>
+          </a:lstStyle>
+          <a:p>
+            <a:r>
+              <a:rPr lang="fr-FR"/>
+              <a:t>Modifiez le style du titre</a:t>
+            </a:r>
+            <a:endParaRPr lang="en-US" dirty="0"/>
+          </a:p>
+        </p:txBody>
+      </p:sp>
+      <p:sp>
+        <p:nvSpPr>
+          <p:cNvPr id="4" name="Text Placeholder 3"/>
+          <p:cNvSpPr>
+            <a:spLocks noGrp="1"/>
+          </p:cNvSpPr>
+          <p:nvPr>
+            <p:ph type="body" sz="half" idx="2"/>
+          </p:nvPr>
+        </p:nvSpPr>
+        <p:spPr>
+          <a:xfrm>
+            <a:off x="1024467" y="3648315"/>
+            <a:ext cx="10144654" cy="999885"/>
+          </a:xfrm>
+        </p:spPr>
+        <p:txBody>
+          <a:bodyPr anchor="t"/>
+          <a:lstStyle>
+            <a:lvl1pPr marL="0" indent="0">
+              <a:buNone/>
+              <a:defRPr sz="1600"/>
+            </a:lvl1pPr>
+            <a:lvl2pPr marL="457200" indent="0">
+              <a:buNone/>
+              <a:defRPr sz="1400"/>
+            </a:lvl2pPr>
+            <a:lvl3pPr marL="914400" indent="0">
+              <a:buNone/>
+              <a:defRPr sz="1200"/>
+            </a:lvl3pPr>
+            <a:lvl4pPr marL="1371600" indent="0">
+              <a:buNone/>
+              <a:defRPr sz="1000"/>
+            </a:lvl4pPr>
+            <a:lvl5pPr marL="1828800" indent="0">
+              <a:buNone/>
+              <a:defRPr sz="1000"/>
+            </a:lvl5pPr>
+            <a:lvl6pPr marL="2286000" indent="0">
+              <a:buNone/>
+              <a:defRPr sz="1000"/>
+            </a:lvl6pPr>
+            <a:lvl7pPr marL="2743200" indent="0">
+              <a:buNone/>
+              <a:defRPr sz="1000"/>
+            </a:lvl7pPr>
+            <a:lvl8pPr marL="3200400" indent="0">
+              <a:buNone/>
+              <a:defRPr sz="1000"/>
+            </a:lvl8pPr>
+            <a:lvl9pPr marL="3657600" indent="0">
+              <a:buNone/>
+              <a:defRPr sz="1000"/>
+            </a:lvl9pPr>
+          </a:lstStyle>
+          <a:p>
+            <a:pPr lvl="0"/>
+            <a:r>
+              <a:rPr lang="fr-FR"/>
+              <a:t>Modifier les styles du texte du masque</a:t>
+            </a:r>
+          </a:p>
+        </p:txBody>
+      </p:sp>
+      <p:sp>
+        <p:nvSpPr>
+          <p:cNvPr id="5" name="Date Placeholder 4"/>
+          <p:cNvSpPr>
+            <a:spLocks noGrp="1"/>
+          </p:cNvSpPr>
+          <p:nvPr>
+            <p:ph type="dt" sz="half" idx="10"/>
+          </p:nvPr>
+        </p:nvSpPr>
+        <p:spPr>
+          <a:xfrm>
+            <a:off x="7814452" y="378883"/>
+            <a:ext cx="2910840" cy="365125"/>
+          </a:xfrm>
+        </p:spPr>
+        <p:txBody>
+          <a:bodyPr/>
+          <a:lstStyle>
+            <a:lvl1pPr algn="r">
+              <a:defRPr/>
+            </a:lvl1pPr>
+          </a:lstStyle>
+          <a:p>
+            <a:fld id="{0CB7E22D-9FB2-A642-B036-7ADAE4611A1A}" type="datetime1">
+              <a:rPr lang="fr-FR" smtClean="0"/>
+              <a:t>16/06/2019</a:t>
+            </a:fld>
+            <a:endParaRPr lang="fr-FR" dirty="0"/>
+          </a:p>
+        </p:txBody>
+      </p:sp>
+      <p:sp>
+        <p:nvSpPr>
+          <p:cNvPr id="6" name="Footer Placeholder 5"/>
+          <p:cNvSpPr>
+            <a:spLocks noGrp="1"/>
+          </p:cNvSpPr>
+          <p:nvPr>
+            <p:ph type="ftr" sz="quarter" idx="11"/>
+          </p:nvPr>
+        </p:nvSpPr>
+        <p:spPr>
+          <a:xfrm>
+            <a:off x="685800" y="378883"/>
+            <a:ext cx="6991492" cy="365125"/>
+          </a:xfrm>
+        </p:spPr>
+        <p:txBody>
+          <a:bodyPr/>
+          <a:lstStyle/>
+          <a:p>
+            <a:endParaRPr lang="fr-FR" dirty="0"/>
+          </a:p>
+        </p:txBody>
+      </p:sp>
+      <p:sp>
+        <p:nvSpPr>
+          <p:cNvPr id="7" name="Slide Number Placeholder 6"/>
+          <p:cNvSpPr>
+            <a:spLocks noGrp="1"/>
+          </p:cNvSpPr>
+          <p:nvPr>
+            <p:ph type="sldNum" sz="quarter" idx="12"/>
+          </p:nvPr>
+        </p:nvSpPr>
+        <p:spPr>
+          <a:xfrm>
+            <a:off x="10862452" y="381000"/>
+            <a:ext cx="643748" cy="365125"/>
+          </a:xfrm>
+        </p:spPr>
+        <p:txBody>
+          <a:bodyPr/>
+          <a:lstStyle/>
+          <a:p>
+            <a:fld id="{E1F2DA6C-65BD-4D8D-B230-55EC7852561B}" type="slidenum">
+              <a:rPr lang="fr-FR" smtClean="0"/>
+              <a:t>‹N°›</a:t>
+            </a:fld>
+            <a:endParaRPr lang="fr-FR" dirty="0"/>
+          </a:p>
+        </p:txBody>
+      </p:sp>
+    </p:spTree>
+    <p:extLst>
+      <p:ext uri="{BB962C8B-B14F-4D97-AF65-F5344CB8AC3E}">
+        <p14:creationId xmlns:p14="http://schemas.microsoft.com/office/powerpoint/2010/main" val="1847490669"/>
+      </p:ext>
+    </p:extLst>
+  </p:cSld>
+  <p:clrMapOvr>
+    <a:masterClrMapping/>
+  </p:clrMapOvr>
+</p:sldLayout>
+</file>
+
+<file path=ppt/slideLayouts/slideLayout14.xml><?xml version="1.0" encoding="utf-8"?>
+<p:sldLayout xmlns:a="http://schemas.openxmlformats.org/drawingml/2006/main" xmlns:r="http://schemas.openxmlformats.org/officeDocument/2006/relationships" xmlns:p="http://schemas.openxmlformats.org/presentationml/2006/main" preserve="1">
+  <p:cSld name="3 colonnes">
+    <p:spTree>
+      <p:nvGrpSpPr>
+        <p:cNvPr id="1" name=""/>
+        <p:cNvGrpSpPr/>
+        <p:nvPr/>
+      </p:nvGrpSpPr>
+      <p:grpSpPr>
+        <a:xfrm>
+          <a:off x="0" y="0"/>
+          <a:ext cx="0" cy="0"/>
+          <a:chOff x="0" y="0"/>
+          <a:chExt cx="0" cy="0"/>
+        </a:xfrm>
+      </p:grpSpPr>
+      <p:sp>
+        <p:nvSpPr>
+          <p:cNvPr id="15" name="Title 1"/>
+          <p:cNvSpPr>
+            <a:spLocks noGrp="1"/>
+          </p:cNvSpPr>
+          <p:nvPr>
+            <p:ph type="title"/>
+          </p:nvPr>
+        </p:nvSpPr>
+        <p:spPr>
+          <a:xfrm>
+            <a:off x="2895600" y="761999"/>
+            <a:ext cx="8610599" cy="1303867"/>
+          </a:xfrm>
+        </p:spPr>
+        <p:txBody>
+          <a:bodyPr/>
+          <a:lstStyle/>
+          <a:p>
+            <a:r>
+              <a:rPr lang="fr-FR"/>
+              <a:t>Modifiez le style du titre</a:t>
+            </a:r>
+            <a:endParaRPr lang="en-US" dirty="0"/>
+          </a:p>
+        </p:txBody>
+      </p:sp>
+      <p:sp>
+        <p:nvSpPr>
+          <p:cNvPr id="7" name="Text Placeholder 2"/>
+          <p:cNvSpPr>
+            <a:spLocks noGrp="1"/>
+          </p:cNvSpPr>
+          <p:nvPr>
+            <p:ph type="body" idx="1"/>
+          </p:nvPr>
+        </p:nvSpPr>
+        <p:spPr>
+          <a:xfrm>
+            <a:off x="685800" y="2202080"/>
+            <a:ext cx="3456432" cy="617320"/>
+          </a:xfrm>
+        </p:spPr>
+        <p:txBody>
+          <a:bodyPr anchor="b">
+            <a:noAutofit/>
+          </a:bodyPr>
+          <a:lstStyle>
+            <a:lvl1pPr marL="0" indent="0">
+              <a:buNone/>
+              <a:defRPr sz="2400" b="0">
+                <a:solidFill>
+                  <a:schemeClr val="tx1"/>
+                </a:solidFill>
+              </a:defRPr>
+            </a:lvl1pPr>
+            <a:lvl2pPr marL="457200" indent="0">
+              <a:buNone/>
+              <a:defRPr sz="2000" b="1"/>
+            </a:lvl2pPr>
+            <a:lvl3pPr marL="914400" indent="0">
+              <a:buNone/>
+              <a:defRPr sz="1800" b="1"/>
+            </a:lvl3pPr>
+            <a:lvl4pPr marL="1371600" indent="0">
+              <a:buNone/>
+              <a:defRPr sz="1600" b="1"/>
+            </a:lvl4pPr>
+            <a:lvl5pPr marL="1828800" indent="0">
+              <a:buNone/>
+              <a:defRPr sz="1600" b="1"/>
+            </a:lvl5pPr>
+            <a:lvl6pPr marL="2286000" indent="0">
+              <a:buNone/>
+              <a:defRPr sz="1600" b="1"/>
+            </a:lvl6pPr>
+            <a:lvl7pPr marL="2743200" indent="0">
+              <a:buNone/>
+              <a:defRPr sz="1600" b="1"/>
+            </a:lvl7pPr>
+            <a:lvl8pPr marL="3200400" indent="0">
+              <a:buNone/>
+              <a:defRPr sz="1600" b="1"/>
+            </a:lvl8pPr>
+            <a:lvl9pPr marL="3657600" indent="0">
+              <a:buNone/>
+              <a:defRPr sz="1600" b="1"/>
+            </a:lvl9pPr>
+          </a:lstStyle>
+          <a:p>
+            <a:pPr lvl="0"/>
+            <a:r>
+              <a:rPr lang="fr-FR"/>
+              <a:t>Modifier les styles du texte du masque</a:t>
+            </a:r>
+          </a:p>
+        </p:txBody>
+      </p:sp>
+      <p:sp>
+        <p:nvSpPr>
+          <p:cNvPr id="8" name="Text Placeholder 3"/>
+          <p:cNvSpPr>
+            <a:spLocks noGrp="1"/>
+          </p:cNvSpPr>
+          <p:nvPr>
+            <p:ph type="body" sz="half" idx="15"/>
+          </p:nvPr>
+        </p:nvSpPr>
+        <p:spPr>
+          <a:xfrm>
+            <a:off x="685799" y="2904565"/>
+            <a:ext cx="3456432" cy="3314132"/>
+          </a:xfrm>
+        </p:spPr>
+        <p:txBody>
+          <a:bodyPr anchor="t">
+            <a:normAutofit/>
+          </a:bodyPr>
+          <a:lstStyle>
+            <a:lvl1pPr marL="0" indent="0">
+              <a:buNone/>
+              <a:defRPr sz="1400"/>
+            </a:lvl1pPr>
+            <a:lvl2pPr marL="457200" indent="0">
+              <a:buNone/>
+              <a:defRPr sz="1200"/>
+            </a:lvl2pPr>
+            <a:lvl3pPr marL="914400" indent="0">
+              <a:buNone/>
+              <a:defRPr sz="1000"/>
+            </a:lvl3pPr>
+            <a:lvl4pPr marL="1371600" indent="0">
+              <a:buNone/>
+              <a:defRPr sz="900"/>
+            </a:lvl4pPr>
+            <a:lvl5pPr marL="1828800" indent="0">
+              <a:buNone/>
+              <a:defRPr sz="900"/>
+            </a:lvl5pPr>
+            <a:lvl6pPr marL="2286000" indent="0">
+              <a:buNone/>
+              <a:defRPr sz="900"/>
+            </a:lvl6pPr>
+            <a:lvl7pPr marL="2743200" indent="0">
+              <a:buNone/>
+              <a:defRPr sz="900"/>
+            </a:lvl7pPr>
+            <a:lvl8pPr marL="3200400" indent="0">
+              <a:buNone/>
+              <a:defRPr sz="900"/>
+            </a:lvl8pPr>
+            <a:lvl9pPr marL="3657600" indent="0">
+              <a:buNone/>
+              <a:defRPr sz="900"/>
+            </a:lvl9pPr>
+          </a:lstStyle>
+          <a:p>
+            <a:pPr lvl="0"/>
+            <a:r>
+              <a:rPr lang="fr-FR"/>
+              <a:t>Modifier les styles du texte du masque</a:t>
+            </a:r>
+          </a:p>
+        </p:txBody>
+      </p:sp>
+      <p:sp>
+        <p:nvSpPr>
+          <p:cNvPr id="9" name="Text Placeholder 4"/>
+          <p:cNvSpPr>
+            <a:spLocks noGrp="1"/>
+          </p:cNvSpPr>
+          <p:nvPr>
+            <p:ph type="body" sz="quarter" idx="3"/>
+          </p:nvPr>
+        </p:nvSpPr>
+        <p:spPr>
+          <a:xfrm>
+            <a:off x="4368800" y="2201333"/>
+            <a:ext cx="3456432" cy="626534"/>
+          </a:xfrm>
+        </p:spPr>
+        <p:txBody>
+          <a:bodyPr anchor="b">
+            <a:noAutofit/>
+          </a:bodyPr>
+          <a:lstStyle>
+            <a:lvl1pPr marL="0" indent="0">
+              <a:buNone/>
+              <a:defRPr sz="2400" b="0">
+                <a:solidFill>
+                  <a:schemeClr val="tx1"/>
+                </a:solidFill>
+              </a:defRPr>
+            </a:lvl1pPr>
+            <a:lvl2pPr marL="457200" indent="0">
+              <a:buNone/>
+              <a:defRPr sz="2000" b="1"/>
+            </a:lvl2pPr>
+            <a:lvl3pPr marL="914400" indent="0">
+              <a:buNone/>
+              <a:defRPr sz="1800" b="1"/>
+            </a:lvl3pPr>
+            <a:lvl4pPr marL="1371600" indent="0">
+              <a:buNone/>
+              <a:defRPr sz="1600" b="1"/>
+            </a:lvl4pPr>
+            <a:lvl5pPr marL="1828800" indent="0">
+              <a:buNone/>
+              <a:defRPr sz="1600" b="1"/>
+            </a:lvl5pPr>
+            <a:lvl6pPr marL="2286000" indent="0">
+              <a:buNone/>
+              <a:defRPr sz="1600" b="1"/>
+            </a:lvl6pPr>
+            <a:lvl7pPr marL="2743200" indent="0">
+              <a:buNone/>
+              <a:defRPr sz="1600" b="1"/>
+            </a:lvl7pPr>
+            <a:lvl8pPr marL="3200400" indent="0">
+              <a:buNone/>
+              <a:defRPr sz="1600" b="1"/>
+            </a:lvl8pPr>
+            <a:lvl9pPr marL="3657600" indent="0">
+              <a:buNone/>
+              <a:defRPr sz="1600" b="1"/>
+            </a:lvl9pPr>
+          </a:lstStyle>
+          <a:p>
+            <a:pPr lvl="0"/>
+            <a:r>
+              <a:rPr lang="fr-FR"/>
+              <a:t>Modifier les styles du texte du masque</a:t>
+            </a:r>
+          </a:p>
+        </p:txBody>
+      </p:sp>
+      <p:sp>
+        <p:nvSpPr>
+          <p:cNvPr id="10" name="Text Placeholder 3"/>
+          <p:cNvSpPr>
+            <a:spLocks noGrp="1"/>
+          </p:cNvSpPr>
+          <p:nvPr>
+            <p:ph type="body" sz="half" idx="16"/>
+          </p:nvPr>
+        </p:nvSpPr>
+        <p:spPr>
+          <a:xfrm>
+            <a:off x="4366858" y="2904067"/>
+            <a:ext cx="3456432" cy="3314618"/>
+          </a:xfrm>
+        </p:spPr>
+        <p:txBody>
+          <a:bodyPr anchor="t">
+            <a:normAutofit/>
+          </a:bodyPr>
+          <a:lstStyle>
+            <a:lvl1pPr marL="0" indent="0">
+              <a:buNone/>
+              <a:defRPr sz="1400"/>
+            </a:lvl1pPr>
+            <a:lvl2pPr marL="457200" indent="0">
+              <a:buNone/>
+              <a:defRPr sz="1200"/>
+            </a:lvl2pPr>
+            <a:lvl3pPr marL="914400" indent="0">
+              <a:buNone/>
+              <a:defRPr sz="1000"/>
+            </a:lvl3pPr>
+            <a:lvl4pPr marL="1371600" indent="0">
+              <a:buNone/>
+              <a:defRPr sz="900"/>
+            </a:lvl4pPr>
+            <a:lvl5pPr marL="1828800" indent="0">
+              <a:buNone/>
+              <a:defRPr sz="900"/>
+            </a:lvl5pPr>
+            <a:lvl6pPr marL="2286000" indent="0">
+              <a:buNone/>
+              <a:defRPr sz="900"/>
+            </a:lvl6pPr>
+            <a:lvl7pPr marL="2743200" indent="0">
+              <a:buNone/>
+              <a:defRPr sz="900"/>
+            </a:lvl7pPr>
+            <a:lvl8pPr marL="3200400" indent="0">
+              <a:buNone/>
+              <a:defRPr sz="900"/>
+            </a:lvl8pPr>
+            <a:lvl9pPr marL="3657600" indent="0">
+              <a:buNone/>
+              <a:defRPr sz="900"/>
+            </a:lvl9pPr>
+          </a:lstStyle>
+          <a:p>
+            <a:pPr lvl="0"/>
+            <a:r>
+              <a:rPr lang="fr-FR"/>
+              <a:t>Modifier les styles du texte du masque</a:t>
+            </a:r>
+          </a:p>
+        </p:txBody>
+      </p:sp>
+      <p:sp>
+        <p:nvSpPr>
+          <p:cNvPr id="11" name="Text Placeholder 4"/>
+          <p:cNvSpPr>
+            <a:spLocks noGrp="1"/>
+          </p:cNvSpPr>
+          <p:nvPr>
+            <p:ph type="body" sz="quarter" idx="13"/>
+          </p:nvPr>
+        </p:nvSpPr>
+        <p:spPr>
+          <a:xfrm>
+            <a:off x="8051800" y="2192866"/>
+            <a:ext cx="3456432" cy="626534"/>
+          </a:xfrm>
+        </p:spPr>
+        <p:txBody>
+          <a:bodyPr anchor="b">
+            <a:noAutofit/>
+          </a:bodyPr>
+          <a:lstStyle>
+            <a:lvl1pPr marL="0" indent="0">
+              <a:buNone/>
+              <a:defRPr sz="2400" b="0">
+                <a:solidFill>
+                  <a:schemeClr val="tx1"/>
+                </a:solidFill>
+              </a:defRPr>
+            </a:lvl1pPr>
+            <a:lvl2pPr marL="457200" indent="0">
+              <a:buNone/>
+              <a:defRPr sz="2000" b="1"/>
+            </a:lvl2pPr>
+            <a:lvl3pPr marL="914400" indent="0">
+              <a:buNone/>
+              <a:defRPr sz="1800" b="1"/>
+            </a:lvl3pPr>
+            <a:lvl4pPr marL="1371600" indent="0">
+              <a:buNone/>
+              <a:defRPr sz="1600" b="1"/>
+            </a:lvl4pPr>
+            <a:lvl5pPr marL="1828800" indent="0">
+              <a:buNone/>
+              <a:defRPr sz="1600" b="1"/>
+            </a:lvl5pPr>
+            <a:lvl6pPr marL="2286000" indent="0">
+              <a:buNone/>
+              <a:defRPr sz="1600" b="1"/>
+            </a:lvl6pPr>
+            <a:lvl7pPr marL="2743200" indent="0">
+              <a:buNone/>
+              <a:defRPr sz="1600" b="1"/>
+            </a:lvl7pPr>
+            <a:lvl8pPr marL="3200400" indent="0">
+              <a:buNone/>
+              <a:defRPr sz="1600" b="1"/>
+            </a:lvl8pPr>
+            <a:lvl9pPr marL="3657600" indent="0">
+              <a:buNone/>
+              <a:defRPr sz="1600" b="1"/>
+            </a:lvl9pPr>
+          </a:lstStyle>
+          <a:p>
+            <a:pPr lvl="0"/>
+            <a:r>
+              <a:rPr lang="fr-FR"/>
+              <a:t>Modifier les styles du texte du masque</a:t>
+            </a:r>
+          </a:p>
+        </p:txBody>
+      </p:sp>
+      <p:sp>
+        <p:nvSpPr>
+          <p:cNvPr id="12" name="Text Placeholder 3"/>
+          <p:cNvSpPr>
+            <a:spLocks noGrp="1"/>
+          </p:cNvSpPr>
+          <p:nvPr>
+            <p:ph type="body" sz="half" idx="17"/>
+          </p:nvPr>
+        </p:nvSpPr>
+        <p:spPr>
+          <a:xfrm>
+            <a:off x="8051801" y="2904565"/>
+            <a:ext cx="3456432" cy="3314132"/>
+          </a:xfrm>
+        </p:spPr>
+        <p:txBody>
+          <a:bodyPr anchor="t">
+            <a:normAutofit/>
+          </a:bodyPr>
+          <a:lstStyle>
+            <a:lvl1pPr marL="0" indent="0">
+              <a:buNone/>
+              <a:defRPr sz="1400"/>
+            </a:lvl1pPr>
+            <a:lvl2pPr marL="457200" indent="0">
+              <a:buNone/>
+              <a:defRPr sz="1200"/>
+            </a:lvl2pPr>
+            <a:lvl3pPr marL="914400" indent="0">
+              <a:buNone/>
+              <a:defRPr sz="1000"/>
+            </a:lvl3pPr>
+            <a:lvl4pPr marL="1371600" indent="0">
+              <a:buNone/>
+              <a:defRPr sz="900"/>
+            </a:lvl4pPr>
+            <a:lvl5pPr marL="1828800" indent="0">
+              <a:buNone/>
+              <a:defRPr sz="900"/>
+            </a:lvl5pPr>
+            <a:lvl6pPr marL="2286000" indent="0">
+              <a:buNone/>
+              <a:defRPr sz="900"/>
+            </a:lvl6pPr>
+            <a:lvl7pPr marL="2743200" indent="0">
+              <a:buNone/>
+              <a:defRPr sz="900"/>
+            </a:lvl7pPr>
+            <a:lvl8pPr marL="3200400" indent="0">
+              <a:buNone/>
+              <a:defRPr sz="900"/>
+            </a:lvl8pPr>
+            <a:lvl9pPr marL="3657600" indent="0">
+              <a:buNone/>
+              <a:defRPr sz="900"/>
+            </a:lvl9pPr>
+          </a:lstStyle>
+          <a:p>
+            <a:pPr lvl="0"/>
+            <a:r>
+              <a:rPr lang="fr-FR"/>
+              <a:t>Modifier les styles du texte du masque</a:t>
+            </a:r>
+          </a:p>
+        </p:txBody>
+      </p:sp>
+      <p:sp>
+        <p:nvSpPr>
+          <p:cNvPr id="3" name="Date Placeholder 2"/>
+          <p:cNvSpPr>
+            <a:spLocks noGrp="1"/>
+          </p:cNvSpPr>
+          <p:nvPr>
+            <p:ph type="dt" sz="half" idx="10"/>
+          </p:nvPr>
+        </p:nvSpPr>
+        <p:spPr/>
+        <p:txBody>
+          <a:bodyPr/>
+          <a:lstStyle/>
+          <a:p>
+            <a:fld id="{F2842AA9-4E5B-E540-9C74-6D891EE729C9}" type="datetime1">
+              <a:rPr lang="fr-FR" smtClean="0"/>
+              <a:t>16/06/2019</a:t>
+            </a:fld>
+            <a:endParaRPr lang="fr-FR" dirty="0"/>
+          </a:p>
+        </p:txBody>
+      </p:sp>
+      <p:sp>
+        <p:nvSpPr>
+          <p:cNvPr id="4" name="Footer Placeholder 3"/>
+          <p:cNvSpPr>
+            <a:spLocks noGrp="1"/>
+          </p:cNvSpPr>
+          <p:nvPr>
+            <p:ph type="ftr" sz="quarter" idx="11"/>
+          </p:nvPr>
+        </p:nvSpPr>
+        <p:spPr/>
+        <p:txBody>
+          <a:bodyPr/>
+          <a:lstStyle/>
+          <a:p>
+            <a:endParaRPr lang="fr-FR" dirty="0"/>
+          </a:p>
+        </p:txBody>
+      </p:sp>
+      <p:sp>
+        <p:nvSpPr>
+          <p:cNvPr id="5" name="Slide Number Placeholder 4"/>
+          <p:cNvSpPr>
+            <a:spLocks noGrp="1"/>
+          </p:cNvSpPr>
+          <p:nvPr>
+            <p:ph type="sldNum" sz="quarter" idx="12"/>
+          </p:nvPr>
+        </p:nvSpPr>
+        <p:spPr/>
+        <p:txBody>
+          <a:bodyPr/>
+          <a:lstStyle/>
+          <a:p>
+            <a:fld id="{E1F2DA6C-65BD-4D8D-B230-55EC7852561B}" type="slidenum">
+              <a:rPr lang="fr-FR" smtClean="0"/>
+              <a:t>‹N°›</a:t>
+            </a:fld>
+            <a:endParaRPr lang="fr-FR" dirty="0"/>
+          </a:p>
+        </p:txBody>
+      </p:sp>
+    </p:spTree>
+    <p:extLst>
+      <p:ext uri="{BB962C8B-B14F-4D97-AF65-F5344CB8AC3E}">
+        <p14:creationId xmlns:p14="http://schemas.microsoft.com/office/powerpoint/2010/main" val="3466279683"/>
+      </p:ext>
+    </p:extLst>
+  </p:cSld>
+  <p:clrMapOvr>
+    <a:masterClrMapping/>
+  </p:clrMapOvr>
+</p:sldLayout>
+</file>
+
+<file path=ppt/slideLayouts/slideLayout15.xml><?xml version="1.0" encoding="utf-8"?>
+<p:sldLayout xmlns:a="http://schemas.openxmlformats.org/drawingml/2006/main" xmlns:r="http://schemas.openxmlformats.org/officeDocument/2006/relationships" xmlns:p="http://schemas.openxmlformats.org/presentationml/2006/main" preserve="1">
+  <p:cSld name="3 colonnes d’image">
+    <p:spTree>
+      <p:nvGrpSpPr>
+        <p:cNvPr id="1" name=""/>
+        <p:cNvGrpSpPr/>
+        <p:nvPr/>
+      </p:nvGrpSpPr>
+      <p:grpSpPr>
+        <a:xfrm>
+          <a:off x="0" y="0"/>
+          <a:ext cx="0" cy="0"/>
+          <a:chOff x="0" y="0"/>
+          <a:chExt cx="0" cy="0"/>
+        </a:xfrm>
+      </p:grpSpPr>
+      <p:sp>
+        <p:nvSpPr>
+          <p:cNvPr id="30" name="Title 1"/>
+          <p:cNvSpPr>
+            <a:spLocks noGrp="1"/>
+          </p:cNvSpPr>
+          <p:nvPr>
+            <p:ph type="title"/>
+          </p:nvPr>
+        </p:nvSpPr>
+        <p:spPr>
+          <a:xfrm>
+            <a:off x="2895600" y="762000"/>
+            <a:ext cx="8610599" cy="1295400"/>
+          </a:xfrm>
+        </p:spPr>
+        <p:txBody>
+          <a:bodyPr/>
+          <a:lstStyle/>
+          <a:p>
+            <a:r>
+              <a:rPr lang="fr-FR"/>
+              <a:t>Modifiez le style du titre</a:t>
+            </a:r>
+            <a:endParaRPr lang="en-US" dirty="0"/>
+          </a:p>
+        </p:txBody>
+      </p:sp>
+      <p:sp>
+        <p:nvSpPr>
+          <p:cNvPr id="19" name="Text Placeholder 2"/>
+          <p:cNvSpPr>
+            <a:spLocks noGrp="1"/>
+          </p:cNvSpPr>
+          <p:nvPr>
+            <p:ph type="body" idx="1"/>
+          </p:nvPr>
+        </p:nvSpPr>
+        <p:spPr>
+          <a:xfrm>
+            <a:off x="688618" y="4191000"/>
+            <a:ext cx="3451582" cy="682765"/>
+          </a:xfrm>
+        </p:spPr>
+        <p:txBody>
+          <a:bodyPr anchor="b">
+            <a:noAutofit/>
+          </a:bodyPr>
+          <a:lstStyle>
+            <a:lvl1pPr marL="0" indent="0">
+              <a:buNone/>
+              <a:defRPr sz="2400" b="0">
+                <a:solidFill>
+                  <a:schemeClr val="tx1"/>
+                </a:solidFill>
+              </a:defRPr>
+            </a:lvl1pPr>
+            <a:lvl2pPr marL="457200" indent="0">
+              <a:buNone/>
+              <a:defRPr sz="2000" b="1"/>
+            </a:lvl2pPr>
+            <a:lvl3pPr marL="914400" indent="0">
+              <a:buNone/>
+              <a:defRPr sz="1800" b="1"/>
+            </a:lvl3pPr>
+            <a:lvl4pPr marL="1371600" indent="0">
+              <a:buNone/>
+              <a:defRPr sz="1600" b="1"/>
+            </a:lvl4pPr>
+            <a:lvl5pPr marL="1828800" indent="0">
+              <a:buNone/>
+              <a:defRPr sz="1600" b="1"/>
+            </a:lvl5pPr>
+            <a:lvl6pPr marL="2286000" indent="0">
+              <a:buNone/>
+              <a:defRPr sz="1600" b="1"/>
+            </a:lvl6pPr>
+            <a:lvl7pPr marL="2743200" indent="0">
+              <a:buNone/>
+              <a:defRPr sz="1600" b="1"/>
+            </a:lvl7pPr>
+            <a:lvl8pPr marL="3200400" indent="0">
+              <a:buNone/>
+              <a:defRPr sz="1600" b="1"/>
+            </a:lvl8pPr>
+            <a:lvl9pPr marL="3657600" indent="0">
+              <a:buNone/>
+              <a:defRPr sz="1600" b="1"/>
+            </a:lvl9pPr>
+          </a:lstStyle>
+          <a:p>
+            <a:pPr lvl="0"/>
+            <a:r>
+              <a:rPr lang="fr-FR"/>
+              <a:t>Modifier les styles du texte du masque</a:t>
+            </a:r>
+          </a:p>
+        </p:txBody>
+      </p:sp>
+      <p:sp>
+        <p:nvSpPr>
+          <p:cNvPr id="20" name="Picture Placeholder 2"/>
+          <p:cNvSpPr>
+            <a:spLocks noGrp="1" noChangeAspect="1"/>
+          </p:cNvSpPr>
+          <p:nvPr>
+            <p:ph type="pic" idx="15"/>
+          </p:nvPr>
+        </p:nvSpPr>
+        <p:spPr>
+          <a:xfrm>
+            <a:off x="688618" y="2362200"/>
+            <a:ext cx="3451582" cy="1524000"/>
+          </a:xfrm>
+          <a:prstGeom prst="roundRect">
+            <a:avLst>
+              <a:gd name="adj" fmla="val 0"/>
+            </a:avLst>
+          </a:prstGeom>
+          <a:effectLst>
+            <a:outerShdw blurRad="50800" dist="50800" dir="5400000" algn="tl" rotWithShape="0">
+              <a:srgbClr val="000000">
+                <a:alpha val="43000"/>
+              </a:srgbClr>
+            </a:outerShdw>
+          </a:effectLst>
+        </p:spPr>
+        <p:txBody>
+          <a:bodyPr anchor="t">
+            <a:normAutofit/>
+          </a:bodyPr>
+          <a:lstStyle>
+            <a:lvl1pPr marL="0" indent="0" algn="ctr">
+              <a:buNone/>
+              <a:defRPr sz="1600"/>
+            </a:lvl1pPr>
+            <a:lvl2pPr marL="457200" indent="0">
+              <a:buNone/>
+              <a:defRPr sz="1600"/>
+            </a:lvl2pPr>
+            <a:lvl3pPr marL="914400" indent="0">
+              <a:buNone/>
+              <a:defRPr sz="1600"/>
+            </a:lvl3pPr>
+            <a:lvl4pPr marL="1371600" indent="0">
+              <a:buNone/>
+              <a:defRPr sz="1600"/>
+            </a:lvl4pPr>
+            <a:lvl5pPr marL="1828800" indent="0">
+              <a:buNone/>
+              <a:defRPr sz="1600"/>
+            </a:lvl5pPr>
+            <a:lvl6pPr marL="2286000" indent="0">
+              <a:buNone/>
+              <a:defRPr sz="1600"/>
+            </a:lvl6pPr>
+            <a:lvl7pPr marL="2743200" indent="0">
+              <a:buNone/>
+              <a:defRPr sz="1600"/>
+            </a:lvl7pPr>
+            <a:lvl8pPr marL="3200400" indent="0">
+              <a:buNone/>
+              <a:defRPr sz="1600"/>
+            </a:lvl8pPr>
+            <a:lvl9pPr marL="3657600" indent="0">
+              <a:buNone/>
+              <a:defRPr sz="1600"/>
+            </a:lvl9pPr>
+          </a:lstStyle>
+          <a:p>
+            <a:r>
+              <a:rPr lang="fr-FR"/>
+              <a:t>Cliquez sur l’icône pour ajouter une image</a:t>
+            </a:r>
+            <a:endParaRPr lang="en-US" dirty="0"/>
+          </a:p>
+        </p:txBody>
+      </p:sp>
+      <p:sp>
+        <p:nvSpPr>
+          <p:cNvPr id="21" name="Text Placeholder 3"/>
+          <p:cNvSpPr>
+            <a:spLocks noGrp="1"/>
+          </p:cNvSpPr>
+          <p:nvPr>
+            <p:ph type="body" sz="half" idx="18"/>
+          </p:nvPr>
+        </p:nvSpPr>
+        <p:spPr>
+          <a:xfrm>
+            <a:off x="688618" y="4873764"/>
+            <a:ext cx="3451582" cy="1344921"/>
+          </a:xfrm>
+        </p:spPr>
+        <p:txBody>
+          <a:bodyPr anchor="t">
+            <a:normAutofit/>
+          </a:bodyPr>
+          <a:lstStyle>
+            <a:lvl1pPr marL="0" indent="0">
+              <a:buNone/>
+              <a:defRPr sz="1400"/>
+            </a:lvl1pPr>
+            <a:lvl2pPr marL="457200" indent="0">
+              <a:buNone/>
+              <a:defRPr sz="1200"/>
+            </a:lvl2pPr>
+            <a:lvl3pPr marL="914400" indent="0">
+              <a:buNone/>
+              <a:defRPr sz="1000"/>
+            </a:lvl3pPr>
+            <a:lvl4pPr marL="1371600" indent="0">
+              <a:buNone/>
+              <a:defRPr sz="900"/>
+            </a:lvl4pPr>
+            <a:lvl5pPr marL="1828800" indent="0">
+              <a:buNone/>
+              <a:defRPr sz="900"/>
+            </a:lvl5pPr>
+            <a:lvl6pPr marL="2286000" indent="0">
+              <a:buNone/>
+              <a:defRPr sz="900"/>
+            </a:lvl6pPr>
+            <a:lvl7pPr marL="2743200" indent="0">
+              <a:buNone/>
+              <a:defRPr sz="900"/>
+            </a:lvl7pPr>
+            <a:lvl8pPr marL="3200400" indent="0">
+              <a:buNone/>
+              <a:defRPr sz="900"/>
+            </a:lvl8pPr>
+            <a:lvl9pPr marL="3657600" indent="0">
+              <a:buNone/>
+              <a:defRPr sz="900"/>
+            </a:lvl9pPr>
+          </a:lstStyle>
+          <a:p>
+            <a:pPr lvl="0"/>
+            <a:r>
+              <a:rPr lang="fr-FR"/>
+              <a:t>Modifier les styles du texte du masque</a:t>
+            </a:r>
+          </a:p>
+        </p:txBody>
+      </p:sp>
+      <p:sp>
+        <p:nvSpPr>
+          <p:cNvPr id="22" name="Text Placeholder 4"/>
+          <p:cNvSpPr>
+            <a:spLocks noGrp="1"/>
+          </p:cNvSpPr>
+          <p:nvPr>
+            <p:ph type="body" sz="quarter" idx="3"/>
+          </p:nvPr>
+        </p:nvSpPr>
+        <p:spPr>
+          <a:xfrm>
+            <a:off x="4374263" y="4191000"/>
+            <a:ext cx="3448935" cy="682765"/>
+          </a:xfrm>
+        </p:spPr>
+        <p:txBody>
+          <a:bodyPr anchor="b">
+            <a:noAutofit/>
+          </a:bodyPr>
+          <a:lstStyle>
+            <a:lvl1pPr marL="0" indent="0">
+              <a:buNone/>
+              <a:defRPr sz="2400" b="0">
+                <a:solidFill>
+                  <a:schemeClr val="tx1"/>
+                </a:solidFill>
+              </a:defRPr>
+            </a:lvl1pPr>
+            <a:lvl2pPr marL="457200" indent="0">
+              <a:buNone/>
+              <a:defRPr sz="2000" b="1"/>
+            </a:lvl2pPr>
+            <a:lvl3pPr marL="914400" indent="0">
+              <a:buNone/>
+              <a:defRPr sz="1800" b="1"/>
+            </a:lvl3pPr>
+            <a:lvl4pPr marL="1371600" indent="0">
+              <a:buNone/>
+              <a:defRPr sz="1600" b="1"/>
+            </a:lvl4pPr>
+            <a:lvl5pPr marL="1828800" indent="0">
+              <a:buNone/>
+              <a:defRPr sz="1600" b="1"/>
+            </a:lvl5pPr>
+            <a:lvl6pPr marL="2286000" indent="0">
+              <a:buNone/>
+              <a:defRPr sz="1600" b="1"/>
+            </a:lvl6pPr>
+            <a:lvl7pPr marL="2743200" indent="0">
+              <a:buNone/>
+              <a:defRPr sz="1600" b="1"/>
+            </a:lvl7pPr>
+            <a:lvl8pPr marL="3200400" indent="0">
+              <a:buNone/>
+              <a:defRPr sz="1600" b="1"/>
+            </a:lvl8pPr>
+            <a:lvl9pPr marL="3657600" indent="0">
+              <a:buNone/>
+              <a:defRPr sz="1600" b="1"/>
+            </a:lvl9pPr>
+          </a:lstStyle>
+          <a:p>
+            <a:pPr lvl="0"/>
+            <a:r>
+              <a:rPr lang="fr-FR"/>
+              <a:t>Modifier les styles du texte du masque</a:t>
+            </a:r>
+          </a:p>
+        </p:txBody>
+      </p:sp>
+      <p:sp>
+        <p:nvSpPr>
+          <p:cNvPr id="23" name="Picture Placeholder 2"/>
+          <p:cNvSpPr>
+            <a:spLocks noGrp="1" noChangeAspect="1"/>
+          </p:cNvSpPr>
+          <p:nvPr>
+            <p:ph type="pic" idx="21"/>
+          </p:nvPr>
+        </p:nvSpPr>
+        <p:spPr>
+          <a:xfrm>
+            <a:off x="4374263" y="2362200"/>
+            <a:ext cx="3448936" cy="1524000"/>
+          </a:xfrm>
+          <a:prstGeom prst="roundRect">
+            <a:avLst>
+              <a:gd name="adj" fmla="val 0"/>
+            </a:avLst>
+          </a:prstGeom>
+          <a:effectLst>
+            <a:outerShdw blurRad="50800" dist="50800" dir="5400000" algn="tl" rotWithShape="0">
+              <a:srgbClr val="000000">
+                <a:alpha val="43000"/>
+              </a:srgbClr>
+            </a:outerShdw>
+          </a:effectLst>
+        </p:spPr>
+        <p:txBody>
+          <a:bodyPr anchor="t">
+            <a:normAutofit/>
+          </a:bodyPr>
+          <a:lstStyle>
+            <a:lvl1pPr marL="0" indent="0" algn="ctr">
+              <a:buNone/>
+              <a:defRPr sz="1600"/>
+            </a:lvl1pPr>
+            <a:lvl2pPr marL="457200" indent="0">
+              <a:buNone/>
+              <a:defRPr sz="1600"/>
+            </a:lvl2pPr>
+            <a:lvl3pPr marL="914400" indent="0">
+              <a:buNone/>
+              <a:defRPr sz="1600"/>
+            </a:lvl3pPr>
+            <a:lvl4pPr marL="1371600" indent="0">
+              <a:buNone/>
+              <a:defRPr sz="1600"/>
+            </a:lvl4pPr>
+            <a:lvl5pPr marL="1828800" indent="0">
+              <a:buNone/>
+              <a:defRPr sz="1600"/>
+            </a:lvl5pPr>
+            <a:lvl6pPr marL="2286000" indent="0">
+              <a:buNone/>
+              <a:defRPr sz="1600"/>
+            </a:lvl6pPr>
+            <a:lvl7pPr marL="2743200" indent="0">
+              <a:buNone/>
+              <a:defRPr sz="1600"/>
+            </a:lvl7pPr>
+            <a:lvl8pPr marL="3200400" indent="0">
+              <a:buNone/>
+              <a:defRPr sz="1600"/>
+            </a:lvl8pPr>
+            <a:lvl9pPr marL="3657600" indent="0">
+              <a:buNone/>
+              <a:defRPr sz="1600"/>
+            </a:lvl9pPr>
+          </a:lstStyle>
+          <a:p>
+            <a:r>
+              <a:rPr lang="fr-FR"/>
+              <a:t>Cliquez sur l’icône pour ajouter une image</a:t>
+            </a:r>
+            <a:endParaRPr lang="en-US" dirty="0"/>
+          </a:p>
+        </p:txBody>
+      </p:sp>
+      <p:sp>
+        <p:nvSpPr>
+          <p:cNvPr id="24" name="Text Placeholder 3"/>
+          <p:cNvSpPr>
+            <a:spLocks noGrp="1"/>
+          </p:cNvSpPr>
+          <p:nvPr>
+            <p:ph type="body" sz="half" idx="19"/>
+          </p:nvPr>
+        </p:nvSpPr>
+        <p:spPr>
+          <a:xfrm>
+            <a:off x="4374264" y="4873763"/>
+            <a:ext cx="3448935" cy="1344921"/>
+          </a:xfrm>
+        </p:spPr>
+        <p:txBody>
+          <a:bodyPr anchor="t">
+            <a:normAutofit/>
+          </a:bodyPr>
+          <a:lstStyle>
+            <a:lvl1pPr marL="0" indent="0">
+              <a:buNone/>
+              <a:defRPr sz="1400"/>
+            </a:lvl1pPr>
+            <a:lvl2pPr marL="457200" indent="0">
+              <a:buNone/>
+              <a:defRPr sz="1200"/>
+            </a:lvl2pPr>
+            <a:lvl3pPr marL="914400" indent="0">
+              <a:buNone/>
+              <a:defRPr sz="1000"/>
+            </a:lvl3pPr>
+            <a:lvl4pPr marL="1371600" indent="0">
+              <a:buNone/>
+              <a:defRPr sz="900"/>
+            </a:lvl4pPr>
+            <a:lvl5pPr marL="1828800" indent="0">
+              <a:buNone/>
+              <a:defRPr sz="900"/>
+            </a:lvl5pPr>
+            <a:lvl6pPr marL="2286000" indent="0">
+              <a:buNone/>
+              <a:defRPr sz="900"/>
+            </a:lvl6pPr>
+            <a:lvl7pPr marL="2743200" indent="0">
+              <a:buNone/>
+              <a:defRPr sz="900"/>
+            </a:lvl7pPr>
+            <a:lvl8pPr marL="3200400" indent="0">
+              <a:buNone/>
+              <a:defRPr sz="900"/>
+            </a:lvl8pPr>
+            <a:lvl9pPr marL="3657600" indent="0">
+              <a:buNone/>
+              <a:defRPr sz="900"/>
+            </a:lvl9pPr>
+          </a:lstStyle>
+          <a:p>
+            <a:pPr lvl="0"/>
+            <a:r>
+              <a:rPr lang="fr-FR"/>
+              <a:t>Modifier les styles du texte du masque</a:t>
+            </a:r>
+          </a:p>
+        </p:txBody>
+      </p:sp>
+      <p:sp>
+        <p:nvSpPr>
+          <p:cNvPr id="25" name="Text Placeholder 4"/>
+          <p:cNvSpPr>
+            <a:spLocks noGrp="1"/>
+          </p:cNvSpPr>
+          <p:nvPr>
+            <p:ph type="body" sz="quarter" idx="13"/>
+          </p:nvPr>
+        </p:nvSpPr>
+        <p:spPr>
+          <a:xfrm>
+            <a:off x="8049731" y="4191000"/>
+            <a:ext cx="3456469" cy="682765"/>
+          </a:xfrm>
+        </p:spPr>
+        <p:txBody>
+          <a:bodyPr anchor="b">
+            <a:noAutofit/>
+          </a:bodyPr>
+          <a:lstStyle>
+            <a:lvl1pPr marL="0" indent="0">
+              <a:buNone/>
+              <a:defRPr sz="2400" b="0">
+                <a:solidFill>
+                  <a:schemeClr val="tx1"/>
+                </a:solidFill>
+              </a:defRPr>
+            </a:lvl1pPr>
+            <a:lvl2pPr marL="457200" indent="0">
+              <a:buNone/>
+              <a:defRPr sz="2000" b="1"/>
+            </a:lvl2pPr>
+            <a:lvl3pPr marL="914400" indent="0">
+              <a:buNone/>
+              <a:defRPr sz="1800" b="1"/>
+            </a:lvl3pPr>
+            <a:lvl4pPr marL="1371600" indent="0">
+              <a:buNone/>
+              <a:defRPr sz="1600" b="1"/>
+            </a:lvl4pPr>
+            <a:lvl5pPr marL="1828800" indent="0">
+              <a:buNone/>
+              <a:defRPr sz="1600" b="1"/>
+            </a:lvl5pPr>
+            <a:lvl6pPr marL="2286000" indent="0">
+              <a:buNone/>
+              <a:defRPr sz="1600" b="1"/>
+            </a:lvl6pPr>
+            <a:lvl7pPr marL="2743200" indent="0">
+              <a:buNone/>
+              <a:defRPr sz="1600" b="1"/>
+            </a:lvl7pPr>
+            <a:lvl8pPr marL="3200400" indent="0">
+              <a:buNone/>
+              <a:defRPr sz="1600" b="1"/>
+            </a:lvl8pPr>
+            <a:lvl9pPr marL="3657600" indent="0">
+              <a:buNone/>
+              <a:defRPr sz="1600" b="1"/>
+            </a:lvl9pPr>
+          </a:lstStyle>
+          <a:p>
+            <a:pPr lvl="0"/>
+            <a:r>
+              <a:rPr lang="fr-FR"/>
+              <a:t>Modifier les styles du texte du masque</a:t>
+            </a:r>
+          </a:p>
+        </p:txBody>
+      </p:sp>
+      <p:sp>
+        <p:nvSpPr>
+          <p:cNvPr id="26" name="Picture Placeholder 2"/>
+          <p:cNvSpPr>
+            <a:spLocks noGrp="1" noChangeAspect="1"/>
+          </p:cNvSpPr>
+          <p:nvPr>
+            <p:ph type="pic" idx="22"/>
+          </p:nvPr>
+        </p:nvSpPr>
+        <p:spPr>
+          <a:xfrm>
+            <a:off x="8049855" y="2362200"/>
+            <a:ext cx="3447878" cy="1524000"/>
+          </a:xfrm>
+          <a:prstGeom prst="roundRect">
+            <a:avLst>
+              <a:gd name="adj" fmla="val 0"/>
+            </a:avLst>
+          </a:prstGeom>
+          <a:effectLst>
+            <a:outerShdw blurRad="50800" dist="50800" dir="5400000" algn="tl" rotWithShape="0">
+              <a:srgbClr val="000000">
+                <a:alpha val="43000"/>
+              </a:srgbClr>
+            </a:outerShdw>
+          </a:effectLst>
+        </p:spPr>
+        <p:txBody>
+          <a:bodyPr anchor="t">
+            <a:normAutofit/>
+          </a:bodyPr>
+          <a:lstStyle>
+            <a:lvl1pPr marL="0" indent="0" algn="ctr">
+              <a:buNone/>
+              <a:defRPr sz="1600"/>
+            </a:lvl1pPr>
+            <a:lvl2pPr marL="457200" indent="0">
+              <a:buNone/>
+              <a:defRPr sz="1600"/>
+            </a:lvl2pPr>
+            <a:lvl3pPr marL="914400" indent="0">
+              <a:buNone/>
+              <a:defRPr sz="1600"/>
+            </a:lvl3pPr>
+            <a:lvl4pPr marL="1371600" indent="0">
+              <a:buNone/>
+              <a:defRPr sz="1600"/>
+            </a:lvl4pPr>
+            <a:lvl5pPr marL="1828800" indent="0">
+              <a:buNone/>
+              <a:defRPr sz="1600"/>
+            </a:lvl5pPr>
+            <a:lvl6pPr marL="2286000" indent="0">
+              <a:buNone/>
+              <a:defRPr sz="1600"/>
+            </a:lvl6pPr>
+            <a:lvl7pPr marL="2743200" indent="0">
+              <a:buNone/>
+              <a:defRPr sz="1600"/>
+            </a:lvl7pPr>
+            <a:lvl8pPr marL="3200400" indent="0">
+              <a:buNone/>
+              <a:defRPr sz="1600"/>
+            </a:lvl8pPr>
+            <a:lvl9pPr marL="3657600" indent="0">
+              <a:buNone/>
+              <a:defRPr sz="1600"/>
+            </a:lvl9pPr>
+          </a:lstStyle>
+          <a:p>
+            <a:r>
+              <a:rPr lang="fr-FR"/>
+              <a:t>Cliquez sur l’icône pour ajouter une image</a:t>
+            </a:r>
+            <a:endParaRPr lang="en-US" dirty="0"/>
+          </a:p>
+        </p:txBody>
+      </p:sp>
+      <p:sp>
+        <p:nvSpPr>
+          <p:cNvPr id="27" name="Text Placeholder 3"/>
+          <p:cNvSpPr>
+            <a:spLocks noGrp="1"/>
+          </p:cNvSpPr>
+          <p:nvPr>
+            <p:ph type="body" sz="half" idx="20"/>
+          </p:nvPr>
+        </p:nvSpPr>
+        <p:spPr>
+          <a:xfrm>
+            <a:off x="8049731" y="4873761"/>
+            <a:ext cx="3452445" cy="1344921"/>
+          </a:xfrm>
+        </p:spPr>
+        <p:txBody>
+          <a:bodyPr anchor="t">
+            <a:normAutofit/>
+          </a:bodyPr>
+          <a:lstStyle>
+            <a:lvl1pPr marL="0" indent="0">
+              <a:buNone/>
+              <a:defRPr sz="1400"/>
+            </a:lvl1pPr>
+            <a:lvl2pPr marL="457200" indent="0">
+              <a:buNone/>
+              <a:defRPr sz="1200"/>
+            </a:lvl2pPr>
+            <a:lvl3pPr marL="914400" indent="0">
+              <a:buNone/>
+              <a:defRPr sz="1000"/>
+            </a:lvl3pPr>
+            <a:lvl4pPr marL="1371600" indent="0">
+              <a:buNone/>
+              <a:defRPr sz="900"/>
+            </a:lvl4pPr>
+            <a:lvl5pPr marL="1828800" indent="0">
+              <a:buNone/>
+              <a:defRPr sz="900"/>
+            </a:lvl5pPr>
+            <a:lvl6pPr marL="2286000" indent="0">
+              <a:buNone/>
+              <a:defRPr sz="900"/>
+            </a:lvl6pPr>
+            <a:lvl7pPr marL="2743200" indent="0">
+              <a:buNone/>
+              <a:defRPr sz="900"/>
+            </a:lvl7pPr>
+            <a:lvl8pPr marL="3200400" indent="0">
+              <a:buNone/>
+              <a:defRPr sz="900"/>
+            </a:lvl8pPr>
+            <a:lvl9pPr marL="3657600" indent="0">
+              <a:buNone/>
+              <a:defRPr sz="900"/>
+            </a:lvl9pPr>
+          </a:lstStyle>
+          <a:p>
+            <a:pPr lvl="0"/>
+            <a:r>
+              <a:rPr lang="fr-FR"/>
+              <a:t>Modifier les styles du texte du masque</a:t>
+            </a:r>
+          </a:p>
+        </p:txBody>
+      </p:sp>
+      <p:sp>
+        <p:nvSpPr>
+          <p:cNvPr id="3" name="Date Placeholder 2"/>
+          <p:cNvSpPr>
+            <a:spLocks noGrp="1"/>
+          </p:cNvSpPr>
+          <p:nvPr>
+            <p:ph type="dt" sz="half" idx="10"/>
+          </p:nvPr>
+        </p:nvSpPr>
+        <p:spPr/>
+        <p:txBody>
+          <a:bodyPr/>
+          <a:lstStyle/>
+          <a:p>
+            <a:fld id="{1ED389B7-9DA8-5749-9BD3-5253D40A7731}" type="datetime1">
+              <a:rPr lang="fr-FR" smtClean="0"/>
+              <a:t>16/06/2019</a:t>
+            </a:fld>
+            <a:endParaRPr lang="fr-FR" dirty="0"/>
+          </a:p>
+        </p:txBody>
+      </p:sp>
+      <p:sp>
+        <p:nvSpPr>
+          <p:cNvPr id="4" name="Footer Placeholder 3"/>
+          <p:cNvSpPr>
+            <a:spLocks noGrp="1"/>
+          </p:cNvSpPr>
+          <p:nvPr>
+            <p:ph type="ftr" sz="quarter" idx="11"/>
+          </p:nvPr>
+        </p:nvSpPr>
+        <p:spPr/>
+        <p:txBody>
+          <a:bodyPr/>
+          <a:lstStyle/>
+          <a:p>
+            <a:endParaRPr lang="fr-FR" dirty="0"/>
+          </a:p>
+        </p:txBody>
+      </p:sp>
+      <p:sp>
+        <p:nvSpPr>
+          <p:cNvPr id="5" name="Slide Number Placeholder 4"/>
+          <p:cNvSpPr>
+            <a:spLocks noGrp="1"/>
+          </p:cNvSpPr>
+          <p:nvPr>
+            <p:ph type="sldNum" sz="quarter" idx="12"/>
+          </p:nvPr>
+        </p:nvSpPr>
+        <p:spPr/>
+        <p:txBody>
+          <a:bodyPr/>
+          <a:lstStyle/>
+          <a:p>
+            <a:fld id="{E1F2DA6C-65BD-4D8D-B230-55EC7852561B}" type="slidenum">
+              <a:rPr lang="fr-FR" smtClean="0"/>
+              <a:t>‹N°›</a:t>
+            </a:fld>
+            <a:endParaRPr lang="fr-FR" dirty="0"/>
+          </a:p>
+        </p:txBody>
+      </p:sp>
+    </p:spTree>
+    <p:extLst>
+      <p:ext uri="{BB962C8B-B14F-4D97-AF65-F5344CB8AC3E}">
+        <p14:creationId xmlns:p14="http://schemas.microsoft.com/office/powerpoint/2010/main" val="3190378767"/>
+      </p:ext>
+    </p:extLst>
+  </p:cSld>
+  <p:clrMapOvr>
+    <a:masterClrMapping/>
+  </p:clrMapOvr>
+</p:sldLayout>
+</file>
+
+<file path=ppt/slideLayouts/slideLayout16.xml><?xml version="1.0" encoding="utf-8"?>
 <p:sldLayout xmlns:a="http://schemas.openxmlformats.org/drawingml/2006/main" xmlns:r="http://schemas.openxmlformats.org/officeDocument/2006/relationships" xmlns:p="http://schemas.openxmlformats.org/presentationml/2006/main" type="vertTx" preserve="1">
   <p:cSld name="Titre et texte vertical">
     <p:spTree>
@@ -775,7 +3420,7 @@
       </p:grpSpPr>
       <p:sp>
         <p:nvSpPr>
-          <p:cNvPr id="2" name="Titre 1"/>
+          <p:cNvPr id="2" name="Title 1"/>
           <p:cNvSpPr>
             <a:spLocks noGrp="1"/>
           </p:cNvSpPr>
@@ -789,83 +3434,88 @@
           <a:lstStyle/>
           <a:p>
             <a:r>
+              <a:rPr lang="fr-FR"/>
+              <a:t>Modifiez le style du titre</a:t>
+            </a:r>
+            <a:endParaRPr lang="en-US" dirty="0"/>
+          </a:p>
+        </p:txBody>
+      </p:sp>
+      <p:sp>
+        <p:nvSpPr>
+          <p:cNvPr id="3" name="Vertical Text Placeholder 2"/>
+          <p:cNvSpPr>
+            <a:spLocks noGrp="1"/>
+          </p:cNvSpPr>
+          <p:nvPr>
+            <p:ph type="body" orient="vert" idx="1"/>
+          </p:nvPr>
+        </p:nvSpPr>
+        <p:spPr>
+          <a:xfrm>
+            <a:off x="685800" y="2194559"/>
+            <a:ext cx="10820400" cy="4024125"/>
+          </a:xfrm>
+        </p:spPr>
+        <p:txBody>
+          <a:bodyPr vert="eaVert"/>
+          <a:lstStyle/>
+          <a:p>
+            <a:pPr lvl="0"/>
+            <a:r>
+              <a:rPr lang="fr-FR"/>
+              <a:t>Modifier les styles du texte du masque</a:t>
+            </a:r>
+          </a:p>
+          <a:p>
+            <a:pPr lvl="1"/>
+            <a:r>
+              <a:rPr lang="fr-FR"/>
+              <a:t>Deuxième niveau</a:t>
+            </a:r>
+          </a:p>
+          <a:p>
+            <a:pPr lvl="2"/>
+            <a:r>
+              <a:rPr lang="fr-FR"/>
+              <a:t>Troisième niveau</a:t>
+            </a:r>
+          </a:p>
+          <a:p>
+            <a:pPr lvl="3"/>
+            <a:r>
+              <a:rPr lang="fr-FR"/>
+              <a:t>Quatrième niveau</a:t>
+            </a:r>
+          </a:p>
+          <a:p>
+            <a:pPr lvl="4"/>
+            <a:r>
+              <a:rPr lang="fr-FR"/>
+              <a:t>Cinquième niveau</a:t>
+            </a:r>
+            <a:endParaRPr lang="en-US" dirty="0"/>
+          </a:p>
+        </p:txBody>
+      </p:sp>
+      <p:sp>
+        <p:nvSpPr>
+          <p:cNvPr id="4" name="Date Placeholder 3"/>
+          <p:cNvSpPr>
+            <a:spLocks noGrp="1"/>
+          </p:cNvSpPr>
+          <p:nvPr>
+            <p:ph type="dt" sz="half" idx="10"/>
+          </p:nvPr>
+        </p:nvSpPr>
+        <p:spPr/>
+        <p:txBody>
+          <a:bodyPr/>
+          <a:lstStyle/>
+          <a:p>
+            <a:fld id="{F3FD5847-E7BC-9440-B162-7F0005986BC0}" type="datetime1">
               <a:rPr lang="fr-FR" smtClean="0"/>
-              <a:t>Modifiez le style du titre</a:t>
-            </a:r>
-            <a:endParaRPr lang="fr-FR"/>
-          </a:p>
-        </p:txBody>
-      </p:sp>
-      <p:sp>
-        <p:nvSpPr>
-          <p:cNvPr id="3" name="Espace réservé du texte vertical 2"/>
-          <p:cNvSpPr>
-            <a:spLocks noGrp="1"/>
-          </p:cNvSpPr>
-          <p:nvPr>
-            <p:ph type="body" orient="vert" idx="1"/>
-          </p:nvPr>
-        </p:nvSpPr>
-        <p:spPr/>
-        <p:txBody>
-          <a:bodyPr vert="eaVert"/>
-          <a:lstStyle/>
-          <a:p>
-            <a:pPr lvl="0"/>
-            <a:r>
-              <a:rPr lang="fr-FR" smtClean="0"/>
-              <a:t>Modifier les styles du texte du masque</a:t>
-            </a:r>
-          </a:p>
-          <a:p>
-            <a:pPr lvl="1"/>
-            <a:r>
-              <a:rPr lang="fr-FR" smtClean="0"/>
-              <a:t>Deuxième niveau</a:t>
-            </a:r>
-          </a:p>
-          <a:p>
-            <a:pPr lvl="2"/>
-            <a:r>
-              <a:rPr lang="fr-FR" smtClean="0"/>
-              <a:t>Troisième niveau</a:t>
-            </a:r>
-          </a:p>
-          <a:p>
-            <a:pPr lvl="3"/>
-            <a:r>
-              <a:rPr lang="fr-FR" smtClean="0"/>
-              <a:t>Quatrième niveau</a:t>
-            </a:r>
-          </a:p>
-          <a:p>
-            <a:pPr lvl="4"/>
-            <a:r>
-              <a:rPr lang="fr-FR" smtClean="0"/>
-              <a:t>Cinquième niveau</a:t>
-            </a:r>
-            <a:endParaRPr lang="fr-FR"/>
-          </a:p>
-        </p:txBody>
-      </p:sp>
-      <p:sp>
-        <p:nvSpPr>
-          <p:cNvPr id="4" name="Espace réservé de la date 3"/>
-          <p:cNvSpPr>
-            <a:spLocks noGrp="1"/>
-          </p:cNvSpPr>
-          <p:nvPr>
-            <p:ph type="dt" sz="half" idx="10"/>
-          </p:nvPr>
-        </p:nvSpPr>
-        <p:spPr/>
-        <p:txBody>
-          <a:bodyPr/>
-          <a:lstStyle/>
-          <a:p>
-            <a:fld id="{BB7BEF1C-0412-4199-B744-E002330B69D5}" type="datetimeFigureOut">
-              <a:rPr lang="fr-FR" smtClean="0"/>
-              <a:t>15/06/2019</a:t>
+              <a:t>16/06/2019</a:t>
             </a:fld>
             <a:endParaRPr lang="fr-FR" dirty="0"/>
           </a:p>
@@ -873,7 +3523,7 @@
       </p:sp>
       <p:sp>
         <p:nvSpPr>
-          <p:cNvPr id="5" name="Espace réservé du pied de page 4"/>
+          <p:cNvPr id="5" name="Footer Placeholder 4"/>
           <p:cNvSpPr>
             <a:spLocks noGrp="1"/>
           </p:cNvSpPr>
@@ -892,7 +3542,7 @@
       </p:sp>
       <p:sp>
         <p:nvSpPr>
-          <p:cNvPr id="6" name="Espace réservé du numéro de diapositive 5"/>
+          <p:cNvPr id="6" name="Slide Number Placeholder 5"/>
           <p:cNvSpPr>
             <a:spLocks noGrp="1"/>
           </p:cNvSpPr>
@@ -916,7 +3566,7 @@
     </p:spTree>
     <p:extLst>
       <p:ext uri="{BB962C8B-B14F-4D97-AF65-F5344CB8AC3E}">
-        <p14:creationId xmlns:p14="http://schemas.microsoft.com/office/powerpoint/2010/main" val="3922655500"/>
+        <p14:creationId xmlns:p14="http://schemas.microsoft.com/office/powerpoint/2010/main" val="1604423358"/>
       </p:ext>
     </p:extLst>
   </p:cSld>
@@ -926,8 +3576,8 @@
 </p:sldLayout>
 </file>
 
-<file path=ppt/slideLayouts/slideLayout11.xml><?xml version="1.0" encoding="utf-8"?>
-<p:sldLayout xmlns:a="http://schemas.openxmlformats.org/drawingml/2006/main" xmlns:r="http://schemas.openxmlformats.org/officeDocument/2006/relationships" xmlns:p="http://schemas.openxmlformats.org/presentationml/2006/main" type="vertTitleAndTx" preserve="1">
+<file path=ppt/slideLayouts/slideLayout17.xml><?xml version="1.0" encoding="utf-8"?>
+<p:sldLayout xmlns:a="http://schemas.openxmlformats.org/drawingml/2006/main" xmlns:r="http://schemas.openxmlformats.org/officeDocument/2006/relationships" xmlns:p="http://schemas.openxmlformats.org/presentationml/2006/main" showMasterSp="0" type="vertTitleAndTx" preserve="1">
   <p:cSld name="Titre vertical et texte">
     <p:spTree>
       <p:nvGrpSpPr>
@@ -943,9 +3593,39 @@
           <a:chExt cx="0" cy="0"/>
         </a:xfrm>
       </p:grpSpPr>
-      <p:sp>
-        <p:nvSpPr>
-          <p:cNvPr id="2" name="Titre vertical 1"/>
+      <p:pic>
+        <p:nvPicPr>
+          <p:cNvPr id="9" name="Picture 8" descr="C3-HD-BTM.png"/>
+          <p:cNvPicPr>
+            <a:picLocks noChangeAspect="1"/>
+          </p:cNvPicPr>
+          <p:nvPr/>
+        </p:nvPicPr>
+        <p:blipFill>
+          <a:blip r:embed="rId2">
+            <a:extLst>
+              <a:ext uri="{28A0092B-C50C-407E-A947-70E740481C1C}">
+                <a14:useLocalDpi xmlns:a14="http://schemas.microsoft.com/office/drawing/2010/main" val="0"/>
+              </a:ext>
+            </a:extLst>
+          </a:blip>
+          <a:stretch>
+            <a:fillRect/>
+          </a:stretch>
+        </p:blipFill>
+        <p:spPr>
+          <a:xfrm>
+            <a:off x="0" y="4375150"/>
+            <a:ext cx="12192000" cy="2482850"/>
+          </a:xfrm>
+          <a:prstGeom prst="rect">
+            <a:avLst/>
+          </a:prstGeom>
+        </p:spPr>
+      </p:pic>
+      <p:sp>
+        <p:nvSpPr>
+          <p:cNvPr id="2" name="Vertical Title 1"/>
           <p:cNvSpPr>
             <a:spLocks noGrp="1"/>
           </p:cNvSpPr>
@@ -955,97 +3635,110 @@
         </p:nvSpPr>
         <p:spPr>
           <a:xfrm>
-            <a:off x="8724900" y="365125"/>
-            <a:ext cx="2628900" cy="5811838"/>
+            <a:off x="9448800" y="745066"/>
+            <a:ext cx="2057400" cy="3903133"/>
           </a:xfrm>
         </p:spPr>
         <p:txBody>
           <a:bodyPr vert="eaVert"/>
-          <a:lstStyle/>
-          <a:p>
-            <a:r>
+          <a:lstStyle>
+            <a:lvl1pPr algn="l">
+              <a:defRPr/>
+            </a:lvl1pPr>
+          </a:lstStyle>
+          <a:p>
+            <a:r>
+              <a:rPr lang="fr-FR"/>
+              <a:t>Modifiez le style du titre</a:t>
+            </a:r>
+            <a:endParaRPr lang="en-US" dirty="0"/>
+          </a:p>
+        </p:txBody>
+      </p:sp>
+      <p:sp>
+        <p:nvSpPr>
+          <p:cNvPr id="3" name="Vertical Text Placeholder 2"/>
+          <p:cNvSpPr>
+            <a:spLocks noGrp="1"/>
+          </p:cNvSpPr>
+          <p:nvPr>
+            <p:ph type="body" orient="vert" idx="1"/>
+          </p:nvPr>
+        </p:nvSpPr>
+        <p:spPr>
+          <a:xfrm>
+            <a:off x="1024466" y="745067"/>
+            <a:ext cx="8204201" cy="3903133"/>
+          </a:xfrm>
+        </p:spPr>
+        <p:txBody>
+          <a:bodyPr vert="eaVert"/>
+          <a:lstStyle/>
+          <a:p>
+            <a:pPr lvl="0"/>
+            <a:r>
+              <a:rPr lang="fr-FR"/>
+              <a:t>Modifier les styles du texte du masque</a:t>
+            </a:r>
+          </a:p>
+          <a:p>
+            <a:pPr lvl="1"/>
+            <a:r>
+              <a:rPr lang="fr-FR"/>
+              <a:t>Deuxième niveau</a:t>
+            </a:r>
+          </a:p>
+          <a:p>
+            <a:pPr lvl="2"/>
+            <a:r>
+              <a:rPr lang="fr-FR"/>
+              <a:t>Troisième niveau</a:t>
+            </a:r>
+          </a:p>
+          <a:p>
+            <a:pPr lvl="3"/>
+            <a:r>
+              <a:rPr lang="fr-FR"/>
+              <a:t>Quatrième niveau</a:t>
+            </a:r>
+          </a:p>
+          <a:p>
+            <a:pPr lvl="4"/>
+            <a:r>
+              <a:rPr lang="fr-FR"/>
+              <a:t>Cinquième niveau</a:t>
+            </a:r>
+            <a:endParaRPr lang="en-US" dirty="0"/>
+          </a:p>
+        </p:txBody>
+      </p:sp>
+      <p:sp>
+        <p:nvSpPr>
+          <p:cNvPr id="4" name="Date Placeholder 3"/>
+          <p:cNvSpPr>
+            <a:spLocks noGrp="1"/>
+          </p:cNvSpPr>
+          <p:nvPr>
+            <p:ph type="dt" sz="half" idx="10"/>
+          </p:nvPr>
+        </p:nvSpPr>
+        <p:spPr>
+          <a:xfrm>
+            <a:off x="7814452" y="379941"/>
+            <a:ext cx="2910840" cy="365125"/>
+          </a:xfrm>
+        </p:spPr>
+        <p:txBody>
+          <a:bodyPr/>
+          <a:lstStyle>
+            <a:lvl1pPr algn="r">
+              <a:defRPr/>
+            </a:lvl1pPr>
+          </a:lstStyle>
+          <a:p>
+            <a:fld id="{30BBE3AE-10CD-EC4C-95FE-50D456315CED}" type="datetime1">
               <a:rPr lang="fr-FR" smtClean="0"/>
-              <a:t>Modifiez le style du titre</a:t>
-            </a:r>
-            <a:endParaRPr lang="fr-FR"/>
-          </a:p>
-        </p:txBody>
-      </p:sp>
-      <p:sp>
-        <p:nvSpPr>
-          <p:cNvPr id="3" name="Espace réservé du texte vertical 2"/>
-          <p:cNvSpPr>
-            <a:spLocks noGrp="1"/>
-          </p:cNvSpPr>
-          <p:nvPr>
-            <p:ph type="body" orient="vert" idx="1"/>
-          </p:nvPr>
-        </p:nvSpPr>
-        <p:spPr>
-          <a:xfrm>
-            <a:off x="838200" y="365125"/>
-            <a:ext cx="7734300" cy="5811838"/>
-          </a:xfrm>
-        </p:spPr>
-        <p:txBody>
-          <a:bodyPr vert="eaVert"/>
-          <a:lstStyle/>
-          <a:p>
-            <a:pPr lvl="0"/>
-            <a:r>
-              <a:rPr lang="fr-FR" smtClean="0"/>
-              <a:t>Modifier les styles du texte du masque</a:t>
-            </a:r>
-          </a:p>
-          <a:p>
-            <a:pPr lvl="1"/>
-            <a:r>
-              <a:rPr lang="fr-FR" smtClean="0"/>
-              <a:t>Deuxième niveau</a:t>
-            </a:r>
-          </a:p>
-          <a:p>
-            <a:pPr lvl="2"/>
-            <a:r>
-              <a:rPr lang="fr-FR" smtClean="0"/>
-              <a:t>Troisième niveau</a:t>
-            </a:r>
-          </a:p>
-          <a:p>
-            <a:pPr lvl="3"/>
-            <a:r>
-              <a:rPr lang="fr-FR" smtClean="0"/>
-              <a:t>Quatrième niveau</a:t>
-            </a:r>
-          </a:p>
-          <a:p>
-            <a:pPr lvl="4"/>
-            <a:r>
-              <a:rPr lang="fr-FR" smtClean="0"/>
-              <a:t>Cinquième niveau</a:t>
-            </a:r>
-            <a:endParaRPr lang="fr-FR"/>
-          </a:p>
-        </p:txBody>
-      </p:sp>
-      <p:sp>
-        <p:nvSpPr>
-          <p:cNvPr id="4" name="Espace réservé de la date 3"/>
-          <p:cNvSpPr>
-            <a:spLocks noGrp="1"/>
-          </p:cNvSpPr>
-          <p:nvPr>
-            <p:ph type="dt" sz="half" idx="10"/>
-          </p:nvPr>
-        </p:nvSpPr>
-        <p:spPr/>
-        <p:txBody>
-          <a:bodyPr/>
-          <a:lstStyle/>
-          <a:p>
-            <a:fld id="{BB7BEF1C-0412-4199-B744-E002330B69D5}" type="datetimeFigureOut">
-              <a:rPr lang="fr-FR" smtClean="0"/>
-              <a:t>15/06/2019</a:t>
+              <a:t>16/06/2019</a:t>
             </a:fld>
             <a:endParaRPr lang="fr-FR" dirty="0"/>
           </a:p>
@@ -1053,7 +3746,7 @@
       </p:sp>
       <p:sp>
         <p:nvSpPr>
-          <p:cNvPr id="5" name="Espace réservé du pied de page 4"/>
+          <p:cNvPr id="5" name="Footer Placeholder 4"/>
           <p:cNvSpPr>
             <a:spLocks noGrp="1"/>
           </p:cNvSpPr>
@@ -1061,7 +3754,12 @@
             <p:ph type="ftr" sz="quarter" idx="11"/>
           </p:nvPr>
         </p:nvSpPr>
-        <p:spPr/>
+        <p:spPr>
+          <a:xfrm>
+            <a:off x="685800" y="381000"/>
+            <a:ext cx="6991492" cy="365125"/>
+          </a:xfrm>
+        </p:spPr>
         <p:txBody>
           <a:bodyPr/>
           <a:lstStyle/>
@@ -1072,7 +3770,7 @@
       </p:sp>
       <p:sp>
         <p:nvSpPr>
-          <p:cNvPr id="6" name="Espace réservé du numéro de diapositive 5"/>
+          <p:cNvPr id="6" name="Slide Number Placeholder 5"/>
           <p:cNvSpPr>
             <a:spLocks noGrp="1"/>
           </p:cNvSpPr>
@@ -1080,7 +3778,12 @@
             <p:ph type="sldNum" sz="quarter" idx="12"/>
           </p:nvPr>
         </p:nvSpPr>
-        <p:spPr/>
+        <p:spPr>
+          <a:xfrm>
+            <a:off x="10862452" y="381000"/>
+            <a:ext cx="643748" cy="365125"/>
+          </a:xfrm>
+        </p:spPr>
         <p:txBody>
           <a:bodyPr/>
           <a:lstStyle/>
@@ -1096,7 +3799,7 @@
     </p:spTree>
     <p:extLst>
       <p:ext uri="{BB962C8B-B14F-4D97-AF65-F5344CB8AC3E}">
-        <p14:creationId xmlns:p14="http://schemas.microsoft.com/office/powerpoint/2010/main" val="4068486722"/>
+        <p14:creationId xmlns:p14="http://schemas.microsoft.com/office/powerpoint/2010/main" val="576936608"/>
       </p:ext>
     </p:extLst>
   </p:cSld>
@@ -1106,7 +3809,7 @@
 </p:sldLayout>
 </file>
 
-<file path=ppt/slideLayouts/slideLayout12.xml><?xml version="1.0" encoding="utf-8"?>
+<file path=ppt/slideLayouts/slideLayout18.xml><?xml version="1.0" encoding="utf-8"?>
 <p:sldLayout xmlns:a="http://schemas.openxmlformats.org/drawingml/2006/main" xmlns:r="http://schemas.openxmlformats.org/officeDocument/2006/relationships" xmlns:p="http://schemas.openxmlformats.org/presentationml/2006/main" userDrawn="1">
   <p:cSld name="1_Diapositive de titre">
     <p:spTree>
@@ -1186,7 +3889,7 @@
           <a:p>
             <a:pPr rtl="0"/>
             <a:r>
-              <a:rPr lang="fr-FR" noProof="0" smtClean="0"/>
+              <a:rPr lang="fr-FR" noProof="0"/>
               <a:t>Modifiez le style du titre</a:t>
             </a:r>
             <a:endParaRPr lang="fr-FR" noProof="0" dirty="0"/>
@@ -1196,7 +3899,7 @@
     </p:spTree>
     <p:extLst>
       <p:ext uri="{BB962C8B-B14F-4D97-AF65-F5344CB8AC3E}">
-        <p14:creationId xmlns:p14="http://schemas.microsoft.com/office/powerpoint/2010/main" val="3358654378"/>
+        <p14:creationId xmlns:p14="http://schemas.microsoft.com/office/powerpoint/2010/main" val="1888073536"/>
       </p:ext>
     </p:extLst>
   </p:cSld>
@@ -1225,7 +3928,7 @@
       </p:grpSpPr>
       <p:sp>
         <p:nvSpPr>
-          <p:cNvPr id="2" name="Titre 1"/>
+          <p:cNvPr id="2" name="Title 1"/>
           <p:cNvSpPr>
             <a:spLocks noGrp="1"/>
           </p:cNvSpPr>
@@ -1239,83 +3942,83 @@
           <a:lstStyle/>
           <a:p>
             <a:r>
+              <a:rPr lang="fr-FR"/>
+              <a:t>Modifiez le style du titre</a:t>
+            </a:r>
+            <a:endParaRPr lang="en-US" dirty="0"/>
+          </a:p>
+        </p:txBody>
+      </p:sp>
+      <p:sp>
+        <p:nvSpPr>
+          <p:cNvPr id="3" name="Content Placeholder 2"/>
+          <p:cNvSpPr>
+            <a:spLocks noGrp="1"/>
+          </p:cNvSpPr>
+          <p:nvPr>
+            <p:ph idx="1"/>
+          </p:nvPr>
+        </p:nvSpPr>
+        <p:spPr/>
+        <p:txBody>
+          <a:bodyPr/>
+          <a:lstStyle/>
+          <a:p>
+            <a:pPr lvl="0"/>
+            <a:r>
+              <a:rPr lang="fr-FR"/>
+              <a:t>Modifier les styles du texte du masque</a:t>
+            </a:r>
+          </a:p>
+          <a:p>
+            <a:pPr lvl="1"/>
+            <a:r>
+              <a:rPr lang="fr-FR"/>
+              <a:t>Deuxième niveau</a:t>
+            </a:r>
+          </a:p>
+          <a:p>
+            <a:pPr lvl="2"/>
+            <a:r>
+              <a:rPr lang="fr-FR"/>
+              <a:t>Troisième niveau</a:t>
+            </a:r>
+          </a:p>
+          <a:p>
+            <a:pPr lvl="3"/>
+            <a:r>
+              <a:rPr lang="fr-FR"/>
+              <a:t>Quatrième niveau</a:t>
+            </a:r>
+          </a:p>
+          <a:p>
+            <a:pPr lvl="4"/>
+            <a:r>
+              <a:rPr lang="fr-FR"/>
+              <a:t>Cinquième niveau</a:t>
+            </a:r>
+            <a:endParaRPr lang="en-US" dirty="0"/>
+          </a:p>
+        </p:txBody>
+      </p:sp>
+      <p:sp>
+        <p:nvSpPr>
+          <p:cNvPr id="4" name="Date Placeholder 3"/>
+          <p:cNvSpPr>
+            <a:spLocks noGrp="1"/>
+          </p:cNvSpPr>
+          <p:nvPr>
+            <p:ph type="dt" sz="half" idx="10"/>
+          </p:nvPr>
+        </p:nvSpPr>
+        <p:spPr/>
+        <p:txBody>
+          <a:bodyPr/>
+          <a:lstStyle/>
+          <a:p>
+            <a:fld id="{4875FE70-A855-BF4C-9FF5-98E83053B716}" type="datetime1">
               <a:rPr lang="fr-FR" smtClean="0"/>
-              <a:t>Modifiez le style du titre</a:t>
-            </a:r>
-            <a:endParaRPr lang="fr-FR"/>
-          </a:p>
-        </p:txBody>
-      </p:sp>
-      <p:sp>
-        <p:nvSpPr>
-          <p:cNvPr id="3" name="Espace réservé du contenu 2"/>
-          <p:cNvSpPr>
-            <a:spLocks noGrp="1"/>
-          </p:cNvSpPr>
-          <p:nvPr>
-            <p:ph idx="1"/>
-          </p:nvPr>
-        </p:nvSpPr>
-        <p:spPr/>
-        <p:txBody>
-          <a:bodyPr/>
-          <a:lstStyle/>
-          <a:p>
-            <a:pPr lvl="0"/>
-            <a:r>
-              <a:rPr lang="fr-FR" smtClean="0"/>
-              <a:t>Modifier les styles du texte du masque</a:t>
-            </a:r>
-          </a:p>
-          <a:p>
-            <a:pPr lvl="1"/>
-            <a:r>
-              <a:rPr lang="fr-FR" smtClean="0"/>
-              <a:t>Deuxième niveau</a:t>
-            </a:r>
-          </a:p>
-          <a:p>
-            <a:pPr lvl="2"/>
-            <a:r>
-              <a:rPr lang="fr-FR" smtClean="0"/>
-              <a:t>Troisième niveau</a:t>
-            </a:r>
-          </a:p>
-          <a:p>
-            <a:pPr lvl="3"/>
-            <a:r>
-              <a:rPr lang="fr-FR" smtClean="0"/>
-              <a:t>Quatrième niveau</a:t>
-            </a:r>
-          </a:p>
-          <a:p>
-            <a:pPr lvl="4"/>
-            <a:r>
-              <a:rPr lang="fr-FR" smtClean="0"/>
-              <a:t>Cinquième niveau</a:t>
-            </a:r>
-            <a:endParaRPr lang="fr-FR"/>
-          </a:p>
-        </p:txBody>
-      </p:sp>
-      <p:sp>
-        <p:nvSpPr>
-          <p:cNvPr id="4" name="Espace réservé de la date 3"/>
-          <p:cNvSpPr>
-            <a:spLocks noGrp="1"/>
-          </p:cNvSpPr>
-          <p:nvPr>
-            <p:ph type="dt" sz="half" idx="10"/>
-          </p:nvPr>
-        </p:nvSpPr>
-        <p:spPr/>
-        <p:txBody>
-          <a:bodyPr/>
-          <a:lstStyle/>
-          <a:p>
-            <a:fld id="{BB7BEF1C-0412-4199-B744-E002330B69D5}" type="datetimeFigureOut">
-              <a:rPr lang="fr-FR" smtClean="0"/>
-              <a:t>15/06/2019</a:t>
+              <a:t>16/06/2019</a:t>
             </a:fld>
             <a:endParaRPr lang="fr-FR" dirty="0"/>
           </a:p>
@@ -1323,7 +4026,7 @@
       </p:sp>
       <p:sp>
         <p:nvSpPr>
-          <p:cNvPr id="5" name="Espace réservé du pied de page 4"/>
+          <p:cNvPr id="5" name="Footer Placeholder 4"/>
           <p:cNvSpPr>
             <a:spLocks noGrp="1"/>
           </p:cNvSpPr>
@@ -1342,7 +4045,7 @@
       </p:sp>
       <p:sp>
         <p:nvSpPr>
-          <p:cNvPr id="6" name="Espace réservé du numéro de diapositive 5"/>
+          <p:cNvPr id="6" name="Slide Number Placeholder 5"/>
           <p:cNvSpPr>
             <a:spLocks noGrp="1"/>
           </p:cNvSpPr>
@@ -1366,7 +4069,7 @@
     </p:spTree>
     <p:extLst>
       <p:ext uri="{BB962C8B-B14F-4D97-AF65-F5344CB8AC3E}">
-        <p14:creationId xmlns:p14="http://schemas.microsoft.com/office/powerpoint/2010/main" val="805467219"/>
+        <p14:creationId xmlns:p14="http://schemas.microsoft.com/office/powerpoint/2010/main" val="2702580423"/>
       </p:ext>
     </p:extLst>
   </p:cSld>
@@ -1377,7 +4080,7 @@
 </file>
 
 <file path=ppt/slideLayouts/slideLayout3.xml><?xml version="1.0" encoding="utf-8"?>
-<p:sldLayout xmlns:a="http://schemas.openxmlformats.org/drawingml/2006/main" xmlns:r="http://schemas.openxmlformats.org/officeDocument/2006/relationships" xmlns:p="http://schemas.openxmlformats.org/presentationml/2006/main" type="secHead" preserve="1">
+<p:sldLayout xmlns:a="http://schemas.openxmlformats.org/drawingml/2006/main" xmlns:r="http://schemas.openxmlformats.org/officeDocument/2006/relationships" xmlns:p="http://schemas.openxmlformats.org/presentationml/2006/main" showMasterSp="0" type="secHead" preserve="1">
   <p:cSld name="Titre de section">
     <p:spTree>
       <p:nvGrpSpPr>
@@ -1393,9 +4096,39 @@
           <a:chExt cx="0" cy="0"/>
         </a:xfrm>
       </p:grpSpPr>
-      <p:sp>
-        <p:nvSpPr>
-          <p:cNvPr id="2" name="Titre 1"/>
+      <p:pic>
+        <p:nvPicPr>
+          <p:cNvPr id="8" name="Picture 7" descr="C3-HD-BTM.png"/>
+          <p:cNvPicPr>
+            <a:picLocks noChangeAspect="1"/>
+          </p:cNvPicPr>
+          <p:nvPr/>
+        </p:nvPicPr>
+        <p:blipFill>
+          <a:blip r:embed="rId2">
+            <a:extLst>
+              <a:ext uri="{28A0092B-C50C-407E-A947-70E740481C1C}">
+                <a14:useLocalDpi xmlns:a14="http://schemas.microsoft.com/office/drawing/2010/main" val="0"/>
+              </a:ext>
+            </a:extLst>
+          </a:blip>
+          <a:stretch>
+            <a:fillRect/>
+          </a:stretch>
+        </p:blipFill>
+        <p:spPr>
+          <a:xfrm>
+            <a:off x="0" y="4375150"/>
+            <a:ext cx="12192000" cy="2482850"/>
+          </a:xfrm>
+          <a:prstGeom prst="rect">
+            <a:avLst/>
+          </a:prstGeom>
+        </p:spPr>
+      </p:pic>
+      <p:sp>
+        <p:nvSpPr>
+          <p:cNvPr id="2" name="Title 1"/>
           <p:cNvSpPr>
             <a:spLocks noGrp="1"/>
           </p:cNvSpPr>
@@ -1405,29 +4138,31 @@
         </p:nvSpPr>
         <p:spPr>
           <a:xfrm>
-            <a:off x="831850" y="1709738"/>
-            <a:ext cx="10515600" cy="2852737"/>
-          </a:xfrm>
-        </p:spPr>
-        <p:txBody>
-          <a:bodyPr anchor="b"/>
+            <a:off x="685800" y="753533"/>
+            <a:ext cx="10820399" cy="2801935"/>
+          </a:xfrm>
+        </p:spPr>
+        <p:txBody>
+          <a:bodyPr anchor="b">
+            <a:normAutofit/>
+          </a:bodyPr>
           <a:lstStyle>
-            <a:lvl1pPr>
-              <a:defRPr sz="6000"/>
+            <a:lvl1pPr algn="r">
+              <a:defRPr sz="4000"/>
             </a:lvl1pPr>
           </a:lstStyle>
           <a:p>
             <a:r>
-              <a:rPr lang="fr-FR" smtClean="0"/>
+              <a:rPr lang="fr-FR"/>
               <a:t>Modifiez le style du titre</a:t>
             </a:r>
-            <a:endParaRPr lang="fr-FR"/>
-          </a:p>
-        </p:txBody>
-      </p:sp>
-      <p:sp>
-        <p:nvSpPr>
-          <p:cNvPr id="3" name="Espace réservé du texte 2"/>
+            <a:endParaRPr lang="en-US" dirty="0"/>
+          </a:p>
+        </p:txBody>
+      </p:sp>
+      <p:sp>
+        <p:nvSpPr>
+          <p:cNvPr id="3" name="Text Placeholder 2"/>
           <p:cNvSpPr>
             <a:spLocks noGrp="1"/>
           </p:cNvSpPr>
@@ -1437,16 +4172,18 @@
         </p:nvSpPr>
         <p:spPr>
           <a:xfrm>
-            <a:off x="831850" y="4589463"/>
-            <a:ext cx="10515600" cy="1500187"/>
-          </a:xfrm>
-        </p:spPr>
-        <p:txBody>
-          <a:bodyPr/>
+            <a:off x="1024467" y="3641725"/>
+            <a:ext cx="10490200" cy="955675"/>
+          </a:xfrm>
+        </p:spPr>
+        <p:txBody>
+          <a:bodyPr>
+            <a:normAutofit/>
+          </a:bodyPr>
           <a:lstStyle>
-            <a:lvl1pPr marL="0" indent="0">
-              <a:buNone/>
-              <a:defRPr sz="2400">
+            <a:lvl1pPr marL="0" indent="0" algn="r">
+              <a:buNone/>
+              <a:defRPr sz="2200">
                 <a:solidFill>
                   <a:schemeClr val="tx1">
                     <a:tint val="75000"/>
@@ -1538,30 +4275,39 @@
           <a:p>
             <a:pPr lvl="0"/>
             <a:r>
+              <a:rPr lang="fr-FR"/>
+              <a:t>Modifier les styles du texte du masque</a:t>
+            </a:r>
+          </a:p>
+        </p:txBody>
+      </p:sp>
+      <p:sp>
+        <p:nvSpPr>
+          <p:cNvPr id="4" name="Date Placeholder 3"/>
+          <p:cNvSpPr>
+            <a:spLocks noGrp="1"/>
+          </p:cNvSpPr>
+          <p:nvPr>
+            <p:ph type="dt" sz="half" idx="10"/>
+          </p:nvPr>
+        </p:nvSpPr>
+        <p:spPr>
+          <a:xfrm>
+            <a:off x="7814452" y="381000"/>
+            <a:ext cx="2910840" cy="365125"/>
+          </a:xfrm>
+        </p:spPr>
+        <p:txBody>
+          <a:bodyPr/>
+          <a:lstStyle>
+            <a:lvl1pPr algn="r">
+              <a:defRPr/>
+            </a:lvl1pPr>
+          </a:lstStyle>
+          <a:p>
+            <a:fld id="{AC66AB95-8DDC-8F42-804D-317C90702429}" type="datetime1">
               <a:rPr lang="fr-FR" smtClean="0"/>
-              <a:t>Modifier les styles du texte du masque</a:t>
-            </a:r>
-          </a:p>
-        </p:txBody>
-      </p:sp>
-      <p:sp>
-        <p:nvSpPr>
-          <p:cNvPr id="4" name="Espace réservé de la date 3"/>
-          <p:cNvSpPr>
-            <a:spLocks noGrp="1"/>
-          </p:cNvSpPr>
-          <p:nvPr>
-            <p:ph type="dt" sz="half" idx="10"/>
-          </p:nvPr>
-        </p:nvSpPr>
-        <p:spPr/>
-        <p:txBody>
-          <a:bodyPr/>
-          <a:lstStyle/>
-          <a:p>
-            <a:fld id="{BB7BEF1C-0412-4199-B744-E002330B69D5}" type="datetimeFigureOut">
-              <a:rPr lang="fr-FR" smtClean="0"/>
-              <a:t>15/06/2019</a:t>
+              <a:t>16/06/2019</a:t>
             </a:fld>
             <a:endParaRPr lang="fr-FR" dirty="0"/>
           </a:p>
@@ -1569,7 +4315,7 @@
       </p:sp>
       <p:sp>
         <p:nvSpPr>
-          <p:cNvPr id="5" name="Espace réservé du pied de page 4"/>
+          <p:cNvPr id="5" name="Footer Placeholder 4"/>
           <p:cNvSpPr>
             <a:spLocks noGrp="1"/>
           </p:cNvSpPr>
@@ -1577,7 +4323,12 @@
             <p:ph type="ftr" sz="quarter" idx="11"/>
           </p:nvPr>
         </p:nvSpPr>
-        <p:spPr/>
+        <p:spPr>
+          <a:xfrm>
+            <a:off x="685800" y="381001"/>
+            <a:ext cx="6991492" cy="364065"/>
+          </a:xfrm>
+        </p:spPr>
         <p:txBody>
           <a:bodyPr/>
           <a:lstStyle/>
@@ -1588,7 +4339,7 @@
       </p:sp>
       <p:sp>
         <p:nvSpPr>
-          <p:cNvPr id="6" name="Espace réservé du numéro de diapositive 5"/>
+          <p:cNvPr id="6" name="Slide Number Placeholder 5"/>
           <p:cNvSpPr>
             <a:spLocks noGrp="1"/>
           </p:cNvSpPr>
@@ -1596,7 +4347,12 @@
             <p:ph type="sldNum" sz="quarter" idx="12"/>
           </p:nvPr>
         </p:nvSpPr>
-        <p:spPr/>
+        <p:spPr>
+          <a:xfrm>
+            <a:off x="10862452" y="381000"/>
+            <a:ext cx="643748" cy="365125"/>
+          </a:xfrm>
+        </p:spPr>
         <p:txBody>
           <a:bodyPr/>
           <a:lstStyle/>
@@ -1612,7 +4368,7 @@
     </p:spTree>
     <p:extLst>
       <p:ext uri="{BB962C8B-B14F-4D97-AF65-F5344CB8AC3E}">
-        <p14:creationId xmlns:p14="http://schemas.microsoft.com/office/powerpoint/2010/main" val="2034512082"/>
+        <p14:creationId xmlns:p14="http://schemas.microsoft.com/office/powerpoint/2010/main" val="3698140331"/>
       </p:ext>
     </p:extLst>
   </p:cSld>
@@ -1641,7 +4397,7 @@
       </p:grpSpPr>
       <p:sp>
         <p:nvSpPr>
-          <p:cNvPr id="2" name="Titre 1"/>
+          <p:cNvPr id="2" name="Title 1"/>
           <p:cNvSpPr>
             <a:spLocks noGrp="1"/>
           </p:cNvSpPr>
@@ -1655,145 +4411,145 @@
           <a:lstStyle/>
           <a:p>
             <a:r>
+              <a:rPr lang="fr-FR"/>
+              <a:t>Modifiez le style du titre</a:t>
+            </a:r>
+            <a:endParaRPr lang="en-US" dirty="0"/>
+          </a:p>
+        </p:txBody>
+      </p:sp>
+      <p:sp>
+        <p:nvSpPr>
+          <p:cNvPr id="3" name="Content Placeholder 2"/>
+          <p:cNvSpPr>
+            <a:spLocks noGrp="1"/>
+          </p:cNvSpPr>
+          <p:nvPr>
+            <p:ph sz="half" idx="1"/>
+          </p:nvPr>
+        </p:nvSpPr>
+        <p:spPr>
+          <a:xfrm>
+            <a:off x="685800" y="2194559"/>
+            <a:ext cx="5334000" cy="4024125"/>
+          </a:xfrm>
+        </p:spPr>
+        <p:txBody>
+          <a:bodyPr/>
+          <a:lstStyle/>
+          <a:p>
+            <a:pPr lvl="0"/>
+            <a:r>
+              <a:rPr lang="fr-FR"/>
+              <a:t>Modifier les styles du texte du masque</a:t>
+            </a:r>
+          </a:p>
+          <a:p>
+            <a:pPr lvl="1"/>
+            <a:r>
+              <a:rPr lang="fr-FR"/>
+              <a:t>Deuxième niveau</a:t>
+            </a:r>
+          </a:p>
+          <a:p>
+            <a:pPr lvl="2"/>
+            <a:r>
+              <a:rPr lang="fr-FR"/>
+              <a:t>Troisième niveau</a:t>
+            </a:r>
+          </a:p>
+          <a:p>
+            <a:pPr lvl="3"/>
+            <a:r>
+              <a:rPr lang="fr-FR"/>
+              <a:t>Quatrième niveau</a:t>
+            </a:r>
+          </a:p>
+          <a:p>
+            <a:pPr lvl="4"/>
+            <a:r>
+              <a:rPr lang="fr-FR"/>
+              <a:t>Cinquième niveau</a:t>
+            </a:r>
+            <a:endParaRPr lang="en-US" dirty="0"/>
+          </a:p>
+        </p:txBody>
+      </p:sp>
+      <p:sp>
+        <p:nvSpPr>
+          <p:cNvPr id="4" name="Content Placeholder 3"/>
+          <p:cNvSpPr>
+            <a:spLocks noGrp="1"/>
+          </p:cNvSpPr>
+          <p:nvPr>
+            <p:ph sz="half" idx="2"/>
+          </p:nvPr>
+        </p:nvSpPr>
+        <p:spPr>
+          <a:xfrm>
+            <a:off x="6172200" y="2194559"/>
+            <a:ext cx="5334000" cy="4024125"/>
+          </a:xfrm>
+        </p:spPr>
+        <p:txBody>
+          <a:bodyPr/>
+          <a:lstStyle/>
+          <a:p>
+            <a:pPr lvl="0"/>
+            <a:r>
+              <a:rPr lang="fr-FR"/>
+              <a:t>Modifier les styles du texte du masque</a:t>
+            </a:r>
+          </a:p>
+          <a:p>
+            <a:pPr lvl="1"/>
+            <a:r>
+              <a:rPr lang="fr-FR"/>
+              <a:t>Deuxième niveau</a:t>
+            </a:r>
+          </a:p>
+          <a:p>
+            <a:pPr lvl="2"/>
+            <a:r>
+              <a:rPr lang="fr-FR"/>
+              <a:t>Troisième niveau</a:t>
+            </a:r>
+          </a:p>
+          <a:p>
+            <a:pPr lvl="3"/>
+            <a:r>
+              <a:rPr lang="fr-FR"/>
+              <a:t>Quatrième niveau</a:t>
+            </a:r>
+          </a:p>
+          <a:p>
+            <a:pPr lvl="4"/>
+            <a:r>
+              <a:rPr lang="fr-FR"/>
+              <a:t>Cinquième niveau</a:t>
+            </a:r>
+            <a:endParaRPr lang="en-US" dirty="0"/>
+          </a:p>
+        </p:txBody>
+      </p:sp>
+      <p:sp>
+        <p:nvSpPr>
+          <p:cNvPr id="5" name="Date Placeholder 4"/>
+          <p:cNvSpPr>
+            <a:spLocks noGrp="1"/>
+          </p:cNvSpPr>
+          <p:nvPr>
+            <p:ph type="dt" sz="half" idx="10"/>
+          </p:nvPr>
+        </p:nvSpPr>
+        <p:spPr/>
+        <p:txBody>
+          <a:bodyPr/>
+          <a:lstStyle/>
+          <a:p>
+            <a:fld id="{71EBEE8E-F099-7048-BB49-B32282148E7B}" type="datetime1">
               <a:rPr lang="fr-FR" smtClean="0"/>
-              <a:t>Modifiez le style du titre</a:t>
-            </a:r>
-            <a:endParaRPr lang="fr-FR"/>
-          </a:p>
-        </p:txBody>
-      </p:sp>
-      <p:sp>
-        <p:nvSpPr>
-          <p:cNvPr id="3" name="Espace réservé du contenu 2"/>
-          <p:cNvSpPr>
-            <a:spLocks noGrp="1"/>
-          </p:cNvSpPr>
-          <p:nvPr>
-            <p:ph sz="half" idx="1"/>
-          </p:nvPr>
-        </p:nvSpPr>
-        <p:spPr>
-          <a:xfrm>
-            <a:off x="838200" y="1825625"/>
-            <a:ext cx="5181600" cy="4351338"/>
-          </a:xfrm>
-        </p:spPr>
-        <p:txBody>
-          <a:bodyPr/>
-          <a:lstStyle/>
-          <a:p>
-            <a:pPr lvl="0"/>
-            <a:r>
-              <a:rPr lang="fr-FR" smtClean="0"/>
-              <a:t>Modifier les styles du texte du masque</a:t>
-            </a:r>
-          </a:p>
-          <a:p>
-            <a:pPr lvl="1"/>
-            <a:r>
-              <a:rPr lang="fr-FR" smtClean="0"/>
-              <a:t>Deuxième niveau</a:t>
-            </a:r>
-          </a:p>
-          <a:p>
-            <a:pPr lvl="2"/>
-            <a:r>
-              <a:rPr lang="fr-FR" smtClean="0"/>
-              <a:t>Troisième niveau</a:t>
-            </a:r>
-          </a:p>
-          <a:p>
-            <a:pPr lvl="3"/>
-            <a:r>
-              <a:rPr lang="fr-FR" smtClean="0"/>
-              <a:t>Quatrième niveau</a:t>
-            </a:r>
-          </a:p>
-          <a:p>
-            <a:pPr lvl="4"/>
-            <a:r>
-              <a:rPr lang="fr-FR" smtClean="0"/>
-              <a:t>Cinquième niveau</a:t>
-            </a:r>
-            <a:endParaRPr lang="fr-FR"/>
-          </a:p>
-        </p:txBody>
-      </p:sp>
-      <p:sp>
-        <p:nvSpPr>
-          <p:cNvPr id="4" name="Espace réservé du contenu 3"/>
-          <p:cNvSpPr>
-            <a:spLocks noGrp="1"/>
-          </p:cNvSpPr>
-          <p:nvPr>
-            <p:ph sz="half" idx="2"/>
-          </p:nvPr>
-        </p:nvSpPr>
-        <p:spPr>
-          <a:xfrm>
-            <a:off x="6172200" y="1825625"/>
-            <a:ext cx="5181600" cy="4351338"/>
-          </a:xfrm>
-        </p:spPr>
-        <p:txBody>
-          <a:bodyPr/>
-          <a:lstStyle/>
-          <a:p>
-            <a:pPr lvl="0"/>
-            <a:r>
-              <a:rPr lang="fr-FR" smtClean="0"/>
-              <a:t>Modifier les styles du texte du masque</a:t>
-            </a:r>
-          </a:p>
-          <a:p>
-            <a:pPr lvl="1"/>
-            <a:r>
-              <a:rPr lang="fr-FR" smtClean="0"/>
-              <a:t>Deuxième niveau</a:t>
-            </a:r>
-          </a:p>
-          <a:p>
-            <a:pPr lvl="2"/>
-            <a:r>
-              <a:rPr lang="fr-FR" smtClean="0"/>
-              <a:t>Troisième niveau</a:t>
-            </a:r>
-          </a:p>
-          <a:p>
-            <a:pPr lvl="3"/>
-            <a:r>
-              <a:rPr lang="fr-FR" smtClean="0"/>
-              <a:t>Quatrième niveau</a:t>
-            </a:r>
-          </a:p>
-          <a:p>
-            <a:pPr lvl="4"/>
-            <a:r>
-              <a:rPr lang="fr-FR" smtClean="0"/>
-              <a:t>Cinquième niveau</a:t>
-            </a:r>
-            <a:endParaRPr lang="fr-FR"/>
-          </a:p>
-        </p:txBody>
-      </p:sp>
-      <p:sp>
-        <p:nvSpPr>
-          <p:cNvPr id="5" name="Espace réservé de la date 4"/>
-          <p:cNvSpPr>
-            <a:spLocks noGrp="1"/>
-          </p:cNvSpPr>
-          <p:nvPr>
-            <p:ph type="dt" sz="half" idx="10"/>
-          </p:nvPr>
-        </p:nvSpPr>
-        <p:spPr/>
-        <p:txBody>
-          <a:bodyPr/>
-          <a:lstStyle/>
-          <a:p>
-            <a:fld id="{BB7BEF1C-0412-4199-B744-E002330B69D5}" type="datetimeFigureOut">
-              <a:rPr lang="fr-FR" smtClean="0"/>
-              <a:t>15/06/2019</a:t>
+              <a:t>16/06/2019</a:t>
             </a:fld>
             <a:endParaRPr lang="fr-FR" dirty="0"/>
           </a:p>
@@ -1801,7 +4557,7 @@
       </p:sp>
       <p:sp>
         <p:nvSpPr>
-          <p:cNvPr id="6" name="Espace réservé du pied de page 5"/>
+          <p:cNvPr id="6" name="Footer Placeholder 5"/>
           <p:cNvSpPr>
             <a:spLocks noGrp="1"/>
           </p:cNvSpPr>
@@ -1820,7 +4576,7 @@
       </p:sp>
       <p:sp>
         <p:nvSpPr>
-          <p:cNvPr id="7" name="Espace réservé du numéro de diapositive 6"/>
+          <p:cNvPr id="7" name="Slide Number Placeholder 6"/>
           <p:cNvSpPr>
             <a:spLocks noGrp="1"/>
           </p:cNvSpPr>
@@ -1844,7 +4600,7 @@
     </p:spTree>
     <p:extLst>
       <p:ext uri="{BB962C8B-B14F-4D97-AF65-F5344CB8AC3E}">
-        <p14:creationId xmlns:p14="http://schemas.microsoft.com/office/powerpoint/2010/main" val="2824726900"/>
+        <p14:creationId xmlns:p14="http://schemas.microsoft.com/office/powerpoint/2010/main" val="1634611663"/>
       </p:ext>
     </p:extLst>
   </p:cSld>
@@ -1873,7 +4629,7 @@
       </p:grpSpPr>
       <p:sp>
         <p:nvSpPr>
-          <p:cNvPr id="2" name="Titre 1"/>
+          <p:cNvPr id="2" name="Title 1"/>
           <p:cNvSpPr>
             <a:spLocks noGrp="1"/>
           </p:cNvSpPr>
@@ -1883,8 +4639,8 @@
         </p:nvSpPr>
         <p:spPr>
           <a:xfrm>
-            <a:off x="839788" y="365125"/>
-            <a:ext cx="10515600" cy="1325563"/>
+            <a:off x="2895600" y="762000"/>
+            <a:ext cx="8610600" cy="1295400"/>
           </a:xfrm>
         </p:spPr>
         <p:txBody>
@@ -1892,16 +4648,16 @@
           <a:lstStyle/>
           <a:p>
             <a:r>
-              <a:rPr lang="fr-FR" smtClean="0"/>
+              <a:rPr lang="fr-FR"/>
               <a:t>Modifiez le style du titre</a:t>
             </a:r>
-            <a:endParaRPr lang="fr-FR"/>
-          </a:p>
-        </p:txBody>
-      </p:sp>
-      <p:sp>
-        <p:nvSpPr>
-          <p:cNvPr id="3" name="Espace réservé du texte 2"/>
+            <a:endParaRPr lang="en-US" dirty="0"/>
+          </a:p>
+        </p:txBody>
+      </p:sp>
+      <p:sp>
+        <p:nvSpPr>
+          <p:cNvPr id="3" name="Text Placeholder 2"/>
           <p:cNvSpPr>
             <a:spLocks noGrp="1"/>
           </p:cNvSpPr>
@@ -1911,16 +4667,22 @@
         </p:nvSpPr>
         <p:spPr>
           <a:xfrm>
-            <a:off x="839788" y="1681163"/>
-            <a:ext cx="5157787" cy="823912"/>
-          </a:xfrm>
-        </p:spPr>
-        <p:txBody>
-          <a:bodyPr anchor="b"/>
+            <a:off x="914409" y="2183802"/>
+            <a:ext cx="5079991" cy="823912"/>
+          </a:xfrm>
+        </p:spPr>
+        <p:txBody>
+          <a:bodyPr anchor="b">
+            <a:normAutofit/>
+          </a:bodyPr>
           <a:lstStyle>
             <a:lvl1pPr marL="0" indent="0">
               <a:buNone/>
-              <a:defRPr sz="2400" b="1"/>
+              <a:defRPr sz="2800" b="0">
+                <a:solidFill>
+                  <a:schemeClr val="tx1"/>
+                </a:solidFill>
+              </a:defRPr>
             </a:lvl1pPr>
             <a:lvl2pPr marL="457200" indent="0">
               <a:buNone/>
@@ -1958,7 +4720,7 @@
           <a:p>
             <a:pPr lvl="0"/>
             <a:r>
-              <a:rPr lang="fr-FR" smtClean="0"/>
+              <a:rPr lang="fr-FR"/>
               <a:t>Modifier les styles du texte du masque</a:t>
             </a:r>
           </a:p>
@@ -1966,7 +4728,7 @@
       </p:sp>
       <p:sp>
         <p:nvSpPr>
-          <p:cNvPr id="4" name="Espace réservé du contenu 3"/>
+          <p:cNvPr id="4" name="Content Placeholder 3"/>
           <p:cNvSpPr>
             <a:spLocks noGrp="1"/>
           </p:cNvSpPr>
@@ -1976,8 +4738,8 @@
         </p:nvSpPr>
         <p:spPr>
           <a:xfrm>
-            <a:off x="839788" y="2505075"/>
-            <a:ext cx="5157787" cy="3684588"/>
+            <a:off x="685800" y="3132666"/>
+            <a:ext cx="5311775" cy="3086019"/>
           </a:xfrm>
         </p:spPr>
         <p:txBody>
@@ -1986,44 +4748,44 @@
           <a:p>
             <a:pPr lvl="0"/>
             <a:r>
-              <a:rPr lang="fr-FR" smtClean="0"/>
+              <a:rPr lang="fr-FR"/>
               <a:t>Modifier les styles du texte du masque</a:t>
             </a:r>
           </a:p>
           <a:p>
             <a:pPr lvl="1"/>
             <a:r>
-              <a:rPr lang="fr-FR" smtClean="0"/>
+              <a:rPr lang="fr-FR"/>
               <a:t>Deuxième niveau</a:t>
             </a:r>
           </a:p>
           <a:p>
             <a:pPr lvl="2"/>
             <a:r>
-              <a:rPr lang="fr-FR" smtClean="0"/>
+              <a:rPr lang="fr-FR"/>
               <a:t>Troisième niveau</a:t>
             </a:r>
           </a:p>
           <a:p>
             <a:pPr lvl="3"/>
             <a:r>
-              <a:rPr lang="fr-FR" smtClean="0"/>
+              <a:rPr lang="fr-FR"/>
               <a:t>Quatrième niveau</a:t>
             </a:r>
           </a:p>
           <a:p>
             <a:pPr lvl="4"/>
             <a:r>
-              <a:rPr lang="fr-FR" smtClean="0"/>
+              <a:rPr lang="fr-FR"/>
               <a:t>Cinquième niveau</a:t>
             </a:r>
-            <a:endParaRPr lang="fr-FR"/>
-          </a:p>
-        </p:txBody>
-      </p:sp>
-      <p:sp>
-        <p:nvSpPr>
-          <p:cNvPr id="5" name="Espace réservé du texte 4"/>
+            <a:endParaRPr lang="en-US" dirty="0"/>
+          </a:p>
+        </p:txBody>
+      </p:sp>
+      <p:sp>
+        <p:nvSpPr>
+          <p:cNvPr id="5" name="Text Placeholder 4"/>
           <p:cNvSpPr>
             <a:spLocks noGrp="1"/>
           </p:cNvSpPr>
@@ -2033,16 +4795,22 @@
         </p:nvSpPr>
         <p:spPr>
           <a:xfrm>
-            <a:off x="6172200" y="1681163"/>
-            <a:ext cx="5183188" cy="823912"/>
-          </a:xfrm>
-        </p:spPr>
-        <p:txBody>
-          <a:bodyPr anchor="b"/>
+            <a:off x="6400800" y="2183802"/>
+            <a:ext cx="5105400" cy="823912"/>
+          </a:xfrm>
+        </p:spPr>
+        <p:txBody>
+          <a:bodyPr anchor="b">
+            <a:normAutofit/>
+          </a:bodyPr>
           <a:lstStyle>
             <a:lvl1pPr marL="0" indent="0">
               <a:buNone/>
-              <a:defRPr sz="2400" b="1"/>
+              <a:defRPr sz="2800" b="0">
+                <a:solidFill>
+                  <a:schemeClr val="tx1"/>
+                </a:solidFill>
+              </a:defRPr>
             </a:lvl1pPr>
             <a:lvl2pPr marL="457200" indent="0">
               <a:buNone/>
@@ -2080,87 +4848,87 @@
           <a:p>
             <a:pPr lvl="0"/>
             <a:r>
+              <a:rPr lang="fr-FR"/>
+              <a:t>Modifier les styles du texte du masque</a:t>
+            </a:r>
+          </a:p>
+        </p:txBody>
+      </p:sp>
+      <p:sp>
+        <p:nvSpPr>
+          <p:cNvPr id="6" name="Content Placeholder 5"/>
+          <p:cNvSpPr>
+            <a:spLocks noGrp="1"/>
+          </p:cNvSpPr>
+          <p:nvPr>
+            <p:ph sz="quarter" idx="4"/>
+          </p:nvPr>
+        </p:nvSpPr>
+        <p:spPr>
+          <a:xfrm>
+            <a:off x="6172200" y="3132666"/>
+            <a:ext cx="5334000" cy="3086019"/>
+          </a:xfrm>
+        </p:spPr>
+        <p:txBody>
+          <a:bodyPr/>
+          <a:lstStyle/>
+          <a:p>
+            <a:pPr lvl="0"/>
+            <a:r>
+              <a:rPr lang="fr-FR"/>
+              <a:t>Modifier les styles du texte du masque</a:t>
+            </a:r>
+          </a:p>
+          <a:p>
+            <a:pPr lvl="1"/>
+            <a:r>
+              <a:rPr lang="fr-FR"/>
+              <a:t>Deuxième niveau</a:t>
+            </a:r>
+          </a:p>
+          <a:p>
+            <a:pPr lvl="2"/>
+            <a:r>
+              <a:rPr lang="fr-FR"/>
+              <a:t>Troisième niveau</a:t>
+            </a:r>
+          </a:p>
+          <a:p>
+            <a:pPr lvl="3"/>
+            <a:r>
+              <a:rPr lang="fr-FR"/>
+              <a:t>Quatrième niveau</a:t>
+            </a:r>
+          </a:p>
+          <a:p>
+            <a:pPr lvl="4"/>
+            <a:r>
+              <a:rPr lang="fr-FR"/>
+              <a:t>Cinquième niveau</a:t>
+            </a:r>
+            <a:endParaRPr lang="en-US" dirty="0"/>
+          </a:p>
+        </p:txBody>
+      </p:sp>
+      <p:sp>
+        <p:nvSpPr>
+          <p:cNvPr id="7" name="Date Placeholder 6"/>
+          <p:cNvSpPr>
+            <a:spLocks noGrp="1"/>
+          </p:cNvSpPr>
+          <p:nvPr>
+            <p:ph type="dt" sz="half" idx="10"/>
+          </p:nvPr>
+        </p:nvSpPr>
+        <p:spPr/>
+        <p:txBody>
+          <a:bodyPr/>
+          <a:lstStyle/>
+          <a:p>
+            <a:fld id="{E8837D37-92FF-4443-BDFB-41256C02EA5B}" type="datetime1">
               <a:rPr lang="fr-FR" smtClean="0"/>
-              <a:t>Modifier les styles du texte du masque</a:t>
-            </a:r>
-          </a:p>
-        </p:txBody>
-      </p:sp>
-      <p:sp>
-        <p:nvSpPr>
-          <p:cNvPr id="6" name="Espace réservé du contenu 5"/>
-          <p:cNvSpPr>
-            <a:spLocks noGrp="1"/>
-          </p:cNvSpPr>
-          <p:nvPr>
-            <p:ph sz="quarter" idx="4"/>
-          </p:nvPr>
-        </p:nvSpPr>
-        <p:spPr>
-          <a:xfrm>
-            <a:off x="6172200" y="2505075"/>
-            <a:ext cx="5183188" cy="3684588"/>
-          </a:xfrm>
-        </p:spPr>
-        <p:txBody>
-          <a:bodyPr/>
-          <a:lstStyle/>
-          <a:p>
-            <a:pPr lvl="0"/>
-            <a:r>
-              <a:rPr lang="fr-FR" smtClean="0"/>
-              <a:t>Modifier les styles du texte du masque</a:t>
-            </a:r>
-          </a:p>
-          <a:p>
-            <a:pPr lvl="1"/>
-            <a:r>
-              <a:rPr lang="fr-FR" smtClean="0"/>
-              <a:t>Deuxième niveau</a:t>
-            </a:r>
-          </a:p>
-          <a:p>
-            <a:pPr lvl="2"/>
-            <a:r>
-              <a:rPr lang="fr-FR" smtClean="0"/>
-              <a:t>Troisième niveau</a:t>
-            </a:r>
-          </a:p>
-          <a:p>
-            <a:pPr lvl="3"/>
-            <a:r>
-              <a:rPr lang="fr-FR" smtClean="0"/>
-              <a:t>Quatrième niveau</a:t>
-            </a:r>
-          </a:p>
-          <a:p>
-            <a:pPr lvl="4"/>
-            <a:r>
-              <a:rPr lang="fr-FR" smtClean="0"/>
-              <a:t>Cinquième niveau</a:t>
-            </a:r>
-            <a:endParaRPr lang="fr-FR"/>
-          </a:p>
-        </p:txBody>
-      </p:sp>
-      <p:sp>
-        <p:nvSpPr>
-          <p:cNvPr id="7" name="Espace réservé de la date 6"/>
-          <p:cNvSpPr>
-            <a:spLocks noGrp="1"/>
-          </p:cNvSpPr>
-          <p:nvPr>
-            <p:ph type="dt" sz="half" idx="10"/>
-          </p:nvPr>
-        </p:nvSpPr>
-        <p:spPr/>
-        <p:txBody>
-          <a:bodyPr/>
-          <a:lstStyle/>
-          <a:p>
-            <a:fld id="{BB7BEF1C-0412-4199-B744-E002330B69D5}" type="datetimeFigureOut">
-              <a:rPr lang="fr-FR" smtClean="0"/>
-              <a:t>15/06/2019</a:t>
+              <a:t>16/06/2019</a:t>
             </a:fld>
             <a:endParaRPr lang="fr-FR" dirty="0"/>
           </a:p>
@@ -2168,7 +4936,7 @@
       </p:sp>
       <p:sp>
         <p:nvSpPr>
-          <p:cNvPr id="8" name="Espace réservé du pied de page 7"/>
+          <p:cNvPr id="8" name="Footer Placeholder 7"/>
           <p:cNvSpPr>
             <a:spLocks noGrp="1"/>
           </p:cNvSpPr>
@@ -2187,7 +4955,7 @@
       </p:sp>
       <p:sp>
         <p:nvSpPr>
-          <p:cNvPr id="9" name="Espace réservé du numéro de diapositive 8"/>
+          <p:cNvPr id="9" name="Slide Number Placeholder 8"/>
           <p:cNvSpPr>
             <a:spLocks noGrp="1"/>
           </p:cNvSpPr>
@@ -2211,7 +4979,7 @@
     </p:spTree>
     <p:extLst>
       <p:ext uri="{BB962C8B-B14F-4D97-AF65-F5344CB8AC3E}">
-        <p14:creationId xmlns:p14="http://schemas.microsoft.com/office/powerpoint/2010/main" val="903031901"/>
+        <p14:creationId xmlns:p14="http://schemas.microsoft.com/office/powerpoint/2010/main" val="935897984"/>
       </p:ext>
     </p:extLst>
   </p:cSld>
@@ -2240,7 +5008,7 @@
       </p:grpSpPr>
       <p:sp>
         <p:nvSpPr>
-          <p:cNvPr id="2" name="Titre 1"/>
+          <p:cNvPr id="2" name="Title 1"/>
           <p:cNvSpPr>
             <a:spLocks noGrp="1"/>
           </p:cNvSpPr>
@@ -2254,31 +5022,31 @@
           <a:lstStyle/>
           <a:p>
             <a:r>
+              <a:rPr lang="fr-FR"/>
+              <a:t>Modifiez le style du titre</a:t>
+            </a:r>
+            <a:endParaRPr lang="en-US" dirty="0"/>
+          </a:p>
+        </p:txBody>
+      </p:sp>
+      <p:sp>
+        <p:nvSpPr>
+          <p:cNvPr id="3" name="Date Placeholder 2"/>
+          <p:cNvSpPr>
+            <a:spLocks noGrp="1"/>
+          </p:cNvSpPr>
+          <p:nvPr>
+            <p:ph type="dt" sz="half" idx="10"/>
+          </p:nvPr>
+        </p:nvSpPr>
+        <p:spPr/>
+        <p:txBody>
+          <a:bodyPr/>
+          <a:lstStyle/>
+          <a:p>
+            <a:fld id="{2BA0FF07-B27C-534A-8E91-B841731B307E}" type="datetime1">
               <a:rPr lang="fr-FR" smtClean="0"/>
-              <a:t>Modifiez le style du titre</a:t>
-            </a:r>
-            <a:endParaRPr lang="fr-FR"/>
-          </a:p>
-        </p:txBody>
-      </p:sp>
-      <p:sp>
-        <p:nvSpPr>
-          <p:cNvPr id="3" name="Espace réservé de la date 2"/>
-          <p:cNvSpPr>
-            <a:spLocks noGrp="1"/>
-          </p:cNvSpPr>
-          <p:nvPr>
-            <p:ph type="dt" sz="half" idx="10"/>
-          </p:nvPr>
-        </p:nvSpPr>
-        <p:spPr/>
-        <p:txBody>
-          <a:bodyPr/>
-          <a:lstStyle/>
-          <a:p>
-            <a:fld id="{BB7BEF1C-0412-4199-B744-E002330B69D5}" type="datetimeFigureOut">
-              <a:rPr lang="fr-FR" smtClean="0"/>
-              <a:t>15/06/2019</a:t>
+              <a:t>16/06/2019</a:t>
             </a:fld>
             <a:endParaRPr lang="fr-FR" dirty="0"/>
           </a:p>
@@ -2286,7 +5054,7 @@
       </p:sp>
       <p:sp>
         <p:nvSpPr>
-          <p:cNvPr id="4" name="Espace réservé du pied de page 3"/>
+          <p:cNvPr id="4" name="Footer Placeholder 3"/>
           <p:cNvSpPr>
             <a:spLocks noGrp="1"/>
           </p:cNvSpPr>
@@ -2305,7 +5073,7 @@
       </p:sp>
       <p:sp>
         <p:nvSpPr>
-          <p:cNvPr id="5" name="Espace réservé du numéro de diapositive 4"/>
+          <p:cNvPr id="5" name="Slide Number Placeholder 4"/>
           <p:cNvSpPr>
             <a:spLocks noGrp="1"/>
           </p:cNvSpPr>
@@ -2329,7 +5097,7 @@
     </p:spTree>
     <p:extLst>
       <p:ext uri="{BB962C8B-B14F-4D97-AF65-F5344CB8AC3E}">
-        <p14:creationId xmlns:p14="http://schemas.microsoft.com/office/powerpoint/2010/main" val="1853027327"/>
+        <p14:creationId xmlns:p14="http://schemas.microsoft.com/office/powerpoint/2010/main" val="1210819603"/>
       </p:ext>
     </p:extLst>
   </p:cSld>
@@ -2358,7 +5126,7 @@
       </p:grpSpPr>
       <p:sp>
         <p:nvSpPr>
-          <p:cNvPr id="2" name="Espace réservé de la date 1"/>
+          <p:cNvPr id="2" name="Date Placeholder 1"/>
           <p:cNvSpPr>
             <a:spLocks noGrp="1"/>
           </p:cNvSpPr>
@@ -2371,9 +5139,9 @@
           <a:bodyPr/>
           <a:lstStyle/>
           <a:p>
-            <a:fld id="{BB7BEF1C-0412-4199-B744-E002330B69D5}" type="datetimeFigureOut">
+            <a:fld id="{A7ED3215-639F-F947-9B16-488F2A68CF70}" type="datetime1">
               <a:rPr lang="fr-FR" smtClean="0"/>
-              <a:t>15/06/2019</a:t>
+              <a:t>16/06/2019</a:t>
             </a:fld>
             <a:endParaRPr lang="fr-FR" dirty="0"/>
           </a:p>
@@ -2381,7 +5149,7 @@
       </p:sp>
       <p:sp>
         <p:nvSpPr>
-          <p:cNvPr id="3" name="Espace réservé du pied de page 2"/>
+          <p:cNvPr id="3" name="Footer Placeholder 2"/>
           <p:cNvSpPr>
             <a:spLocks noGrp="1"/>
           </p:cNvSpPr>
@@ -2400,7 +5168,7 @@
       </p:sp>
       <p:sp>
         <p:nvSpPr>
-          <p:cNvPr id="4" name="Espace réservé du numéro de diapositive 3"/>
+          <p:cNvPr id="4" name="Slide Number Placeholder 3"/>
           <p:cNvSpPr>
             <a:spLocks noGrp="1"/>
           </p:cNvSpPr>
@@ -2424,7 +5192,7 @@
     </p:spTree>
     <p:extLst>
       <p:ext uri="{BB962C8B-B14F-4D97-AF65-F5344CB8AC3E}">
-        <p14:creationId xmlns:p14="http://schemas.microsoft.com/office/powerpoint/2010/main" val="2304305848"/>
+        <p14:creationId xmlns:p14="http://schemas.microsoft.com/office/powerpoint/2010/main" val="3619531089"/>
       </p:ext>
     </p:extLst>
   </p:cSld>
@@ -2453,7 +5221,7 @@
       </p:grpSpPr>
       <p:sp>
         <p:nvSpPr>
-          <p:cNvPr id="2" name="Titre 1"/>
+          <p:cNvPr id="2" name="Title 1"/>
           <p:cNvSpPr>
             <a:spLocks noGrp="1"/>
           </p:cNvSpPr>
@@ -2463,29 +5231,29 @@
         </p:nvSpPr>
         <p:spPr>
           <a:xfrm>
-            <a:off x="839788" y="457200"/>
-            <a:ext cx="3932237" cy="1600200"/>
+            <a:off x="685800" y="1524000"/>
+            <a:ext cx="4114800" cy="1600200"/>
           </a:xfrm>
         </p:spPr>
         <p:txBody>
           <a:bodyPr anchor="b"/>
           <a:lstStyle>
-            <a:lvl1pPr>
+            <a:lvl1pPr algn="l">
               <a:defRPr sz="3200"/>
             </a:lvl1pPr>
           </a:lstStyle>
           <a:p>
             <a:r>
-              <a:rPr lang="fr-FR" smtClean="0"/>
+              <a:rPr lang="fr-FR"/>
               <a:t>Modifiez le style du titre</a:t>
             </a:r>
-            <a:endParaRPr lang="fr-FR"/>
-          </a:p>
-        </p:txBody>
-      </p:sp>
-      <p:sp>
-        <p:nvSpPr>
-          <p:cNvPr id="3" name="Espace réservé du contenu 2"/>
+            <a:endParaRPr lang="en-US" dirty="0"/>
+          </a:p>
+        </p:txBody>
+      </p:sp>
+      <p:sp>
+        <p:nvSpPr>
+          <p:cNvPr id="3" name="Content Placeholder 2"/>
           <p:cNvSpPr>
             <a:spLocks noGrp="1"/>
           </p:cNvSpPr>
@@ -2495,82 +5263,54 @@
         </p:nvSpPr>
         <p:spPr>
           <a:xfrm>
-            <a:off x="5183188" y="987425"/>
-            <a:ext cx="6172200" cy="4873625"/>
-          </a:xfrm>
-        </p:spPr>
-        <p:txBody>
-          <a:bodyPr/>
-          <a:lstStyle>
-            <a:lvl1pPr>
-              <a:defRPr sz="3200"/>
-            </a:lvl1pPr>
-            <a:lvl2pPr>
-              <a:defRPr sz="2800"/>
-            </a:lvl2pPr>
-            <a:lvl3pPr>
-              <a:defRPr sz="2400"/>
-            </a:lvl3pPr>
-            <a:lvl4pPr>
-              <a:defRPr sz="2000"/>
-            </a:lvl4pPr>
-            <a:lvl5pPr>
-              <a:defRPr sz="2000"/>
-            </a:lvl5pPr>
-            <a:lvl6pPr>
-              <a:defRPr sz="2000"/>
-            </a:lvl6pPr>
-            <a:lvl7pPr>
-              <a:defRPr sz="2000"/>
-            </a:lvl7pPr>
-            <a:lvl8pPr>
-              <a:defRPr sz="2000"/>
-            </a:lvl8pPr>
-            <a:lvl9pPr>
-              <a:defRPr sz="2000"/>
-            </a:lvl9pPr>
-          </a:lstStyle>
+            <a:off x="4995582" y="746759"/>
+            <a:ext cx="6510618" cy="5471925"/>
+          </a:xfrm>
+        </p:spPr>
+        <p:txBody>
+          <a:bodyPr anchor="ctr"/>
+          <a:lstStyle/>
           <a:p>
             <a:pPr lvl="0"/>
             <a:r>
-              <a:rPr lang="fr-FR" smtClean="0"/>
+              <a:rPr lang="fr-FR"/>
               <a:t>Modifier les styles du texte du masque</a:t>
             </a:r>
           </a:p>
           <a:p>
             <a:pPr lvl="1"/>
             <a:r>
-              <a:rPr lang="fr-FR" smtClean="0"/>
+              <a:rPr lang="fr-FR"/>
               <a:t>Deuxième niveau</a:t>
             </a:r>
           </a:p>
           <a:p>
             <a:pPr lvl="2"/>
             <a:r>
-              <a:rPr lang="fr-FR" smtClean="0"/>
+              <a:rPr lang="fr-FR"/>
               <a:t>Troisième niveau</a:t>
             </a:r>
           </a:p>
           <a:p>
             <a:pPr lvl="3"/>
             <a:r>
-              <a:rPr lang="fr-FR" smtClean="0"/>
+              <a:rPr lang="fr-FR"/>
               <a:t>Quatrième niveau</a:t>
             </a:r>
           </a:p>
           <a:p>
             <a:pPr lvl="4"/>
             <a:r>
-              <a:rPr lang="fr-FR" smtClean="0"/>
+              <a:rPr lang="fr-FR"/>
               <a:t>Cinquième niveau</a:t>
             </a:r>
-            <a:endParaRPr lang="fr-FR"/>
-          </a:p>
-        </p:txBody>
-      </p:sp>
-      <p:sp>
-        <p:nvSpPr>
-          <p:cNvPr id="4" name="Espace réservé du texte 3"/>
+            <a:endParaRPr lang="en-US" dirty="0"/>
+          </a:p>
+        </p:txBody>
+      </p:sp>
+      <p:sp>
+        <p:nvSpPr>
+          <p:cNvPr id="4" name="Text Placeholder 3"/>
           <p:cNvSpPr>
             <a:spLocks noGrp="1"/>
           </p:cNvSpPr>
@@ -2580,8 +5320,8 @@
         </p:nvSpPr>
         <p:spPr>
           <a:xfrm>
-            <a:off x="839788" y="2057400"/>
-            <a:ext cx="3932237" cy="3811588"/>
+            <a:off x="685800" y="3124199"/>
+            <a:ext cx="4114800" cy="3094485"/>
           </a:xfrm>
         </p:spPr>
         <p:txBody>
@@ -2627,30 +5367,30 @@
           <a:p>
             <a:pPr lvl="0"/>
             <a:r>
+              <a:rPr lang="fr-FR"/>
+              <a:t>Modifier les styles du texte du masque</a:t>
+            </a:r>
+          </a:p>
+        </p:txBody>
+      </p:sp>
+      <p:sp>
+        <p:nvSpPr>
+          <p:cNvPr id="5" name="Date Placeholder 4"/>
+          <p:cNvSpPr>
+            <a:spLocks noGrp="1"/>
+          </p:cNvSpPr>
+          <p:nvPr>
+            <p:ph type="dt" sz="half" idx="10"/>
+          </p:nvPr>
+        </p:nvSpPr>
+        <p:spPr/>
+        <p:txBody>
+          <a:bodyPr/>
+          <a:lstStyle/>
+          <a:p>
+            <a:fld id="{251497FF-4986-9C4E-91C7-9A0DC3DFBBBF}" type="datetime1">
               <a:rPr lang="fr-FR" smtClean="0"/>
-              <a:t>Modifier les styles du texte du masque</a:t>
-            </a:r>
-          </a:p>
-        </p:txBody>
-      </p:sp>
-      <p:sp>
-        <p:nvSpPr>
-          <p:cNvPr id="5" name="Espace réservé de la date 4"/>
-          <p:cNvSpPr>
-            <a:spLocks noGrp="1"/>
-          </p:cNvSpPr>
-          <p:nvPr>
-            <p:ph type="dt" sz="half" idx="10"/>
-          </p:nvPr>
-        </p:nvSpPr>
-        <p:spPr/>
-        <p:txBody>
-          <a:bodyPr/>
-          <a:lstStyle/>
-          <a:p>
-            <a:fld id="{BB7BEF1C-0412-4199-B744-E002330B69D5}" type="datetimeFigureOut">
-              <a:rPr lang="fr-FR" smtClean="0"/>
-              <a:t>15/06/2019</a:t>
+              <a:t>16/06/2019</a:t>
             </a:fld>
             <a:endParaRPr lang="fr-FR" dirty="0"/>
           </a:p>
@@ -2658,7 +5398,7 @@
       </p:sp>
       <p:sp>
         <p:nvSpPr>
-          <p:cNvPr id="6" name="Espace réservé du pied de page 5"/>
+          <p:cNvPr id="6" name="Footer Placeholder 5"/>
           <p:cNvSpPr>
             <a:spLocks noGrp="1"/>
           </p:cNvSpPr>
@@ -2677,7 +5417,7 @@
       </p:sp>
       <p:sp>
         <p:nvSpPr>
-          <p:cNvPr id="7" name="Espace réservé du numéro de diapositive 6"/>
+          <p:cNvPr id="7" name="Slide Number Placeholder 6"/>
           <p:cNvSpPr>
             <a:spLocks noGrp="1"/>
           </p:cNvSpPr>
@@ -2701,7 +5441,7 @@
     </p:spTree>
     <p:extLst>
       <p:ext uri="{BB962C8B-B14F-4D97-AF65-F5344CB8AC3E}">
-        <p14:creationId xmlns:p14="http://schemas.microsoft.com/office/powerpoint/2010/main" val="1676088018"/>
+        <p14:creationId xmlns:p14="http://schemas.microsoft.com/office/powerpoint/2010/main" val="619682271"/>
       </p:ext>
     </p:extLst>
   </p:cSld>
@@ -2730,7 +5470,7 @@
       </p:grpSpPr>
       <p:sp>
         <p:nvSpPr>
-          <p:cNvPr id="2" name="Titre 1"/>
+          <p:cNvPr id="2" name="Title 1"/>
           <p:cNvSpPr>
             <a:spLocks noGrp="1"/>
           </p:cNvSpPr>
@@ -2740,31 +5480,31 @@
         </p:nvSpPr>
         <p:spPr>
           <a:xfrm>
-            <a:off x="839788" y="457200"/>
-            <a:ext cx="3932237" cy="1600200"/>
+            <a:off x="685800" y="1524000"/>
+            <a:ext cx="6873240" cy="1600200"/>
           </a:xfrm>
         </p:spPr>
         <p:txBody>
           <a:bodyPr anchor="b"/>
           <a:lstStyle>
-            <a:lvl1pPr>
+            <a:lvl1pPr algn="l">
               <a:defRPr sz="3200"/>
             </a:lvl1pPr>
           </a:lstStyle>
           <a:p>
             <a:r>
-              <a:rPr lang="fr-FR" smtClean="0"/>
+              <a:rPr lang="fr-FR"/>
               <a:t>Modifiez le style du titre</a:t>
             </a:r>
-            <a:endParaRPr lang="fr-FR"/>
-          </a:p>
-        </p:txBody>
-      </p:sp>
-      <p:sp>
-        <p:nvSpPr>
-          <p:cNvPr id="3" name="Espace réservé pour une image  2"/>
-          <p:cNvSpPr>
-            <a:spLocks noGrp="1"/>
+            <a:endParaRPr lang="en-US" dirty="0"/>
+          </a:p>
+        </p:txBody>
+      </p:sp>
+      <p:sp>
+        <p:nvSpPr>
+          <p:cNvPr id="3" name="Picture Placeholder 2"/>
+          <p:cNvSpPr>
+            <a:spLocks noGrp="1" noChangeAspect="1"/>
           </p:cNvSpPr>
           <p:nvPr>
             <p:ph type="pic" idx="1"/>
@@ -2772,8 +5512,73 @@
         </p:nvSpPr>
         <p:spPr>
           <a:xfrm>
-            <a:off x="5183188" y="987425"/>
-            <a:ext cx="6172200" cy="4873625"/>
+            <a:off x="7861238" y="751241"/>
+            <a:ext cx="3644962" cy="5467443"/>
+          </a:xfrm>
+        </p:spPr>
+        <p:txBody>
+          <a:bodyPr anchor="t"/>
+          <a:lstStyle>
+            <a:lvl1pPr marL="0" indent="0">
+              <a:buNone/>
+              <a:defRPr sz="3200"/>
+            </a:lvl1pPr>
+            <a:lvl2pPr marL="457200" indent="0">
+              <a:buNone/>
+              <a:defRPr sz="2800"/>
+            </a:lvl2pPr>
+            <a:lvl3pPr marL="914400" indent="0">
+              <a:buNone/>
+              <a:defRPr sz="2400"/>
+            </a:lvl3pPr>
+            <a:lvl4pPr marL="1371600" indent="0">
+              <a:buNone/>
+              <a:defRPr sz="2000"/>
+            </a:lvl4pPr>
+            <a:lvl5pPr marL="1828800" indent="0">
+              <a:buNone/>
+              <a:defRPr sz="2000"/>
+            </a:lvl5pPr>
+            <a:lvl6pPr marL="2286000" indent="0">
+              <a:buNone/>
+              <a:defRPr sz="2000"/>
+            </a:lvl6pPr>
+            <a:lvl7pPr marL="2743200" indent="0">
+              <a:buNone/>
+              <a:defRPr sz="2000"/>
+            </a:lvl7pPr>
+            <a:lvl8pPr marL="3200400" indent="0">
+              <a:buNone/>
+              <a:defRPr sz="2000"/>
+            </a:lvl8pPr>
+            <a:lvl9pPr marL="3657600" indent="0">
+              <a:buNone/>
+              <a:defRPr sz="2000"/>
+            </a:lvl9pPr>
+          </a:lstStyle>
+          <a:p>
+            <a:r>
+              <a:rPr lang="fr-FR"/>
+              <a:t>Cliquez sur l’icône pour ajouter une image</a:t>
+            </a:r>
+            <a:endParaRPr lang="en-US" dirty="0"/>
+          </a:p>
+        </p:txBody>
+      </p:sp>
+      <p:sp>
+        <p:nvSpPr>
+          <p:cNvPr id="4" name="Text Placeholder 3"/>
+          <p:cNvSpPr>
+            <a:spLocks noGrp="1"/>
+          </p:cNvSpPr>
+          <p:nvPr>
+            <p:ph type="body" sz="half" idx="2"/>
+          </p:nvPr>
+        </p:nvSpPr>
+        <p:spPr>
+          <a:xfrm>
+            <a:off x="685800" y="3124199"/>
+            <a:ext cx="6873240" cy="3094485"/>
           </a:xfrm>
         </p:spPr>
         <p:txBody>
@@ -2781,67 +5586,6 @@
           <a:lstStyle>
             <a:lvl1pPr marL="0" indent="0">
               <a:buNone/>
-              <a:defRPr sz="3200"/>
-            </a:lvl1pPr>
-            <a:lvl2pPr marL="457200" indent="0">
-              <a:buNone/>
-              <a:defRPr sz="2800"/>
-            </a:lvl2pPr>
-            <a:lvl3pPr marL="914400" indent="0">
-              <a:buNone/>
-              <a:defRPr sz="2400"/>
-            </a:lvl3pPr>
-            <a:lvl4pPr marL="1371600" indent="0">
-              <a:buNone/>
-              <a:defRPr sz="2000"/>
-            </a:lvl4pPr>
-            <a:lvl5pPr marL="1828800" indent="0">
-              <a:buNone/>
-              <a:defRPr sz="2000"/>
-            </a:lvl5pPr>
-            <a:lvl6pPr marL="2286000" indent="0">
-              <a:buNone/>
-              <a:defRPr sz="2000"/>
-            </a:lvl6pPr>
-            <a:lvl7pPr marL="2743200" indent="0">
-              <a:buNone/>
-              <a:defRPr sz="2000"/>
-            </a:lvl7pPr>
-            <a:lvl8pPr marL="3200400" indent="0">
-              <a:buNone/>
-              <a:defRPr sz="2000"/>
-            </a:lvl8pPr>
-            <a:lvl9pPr marL="3657600" indent="0">
-              <a:buNone/>
-              <a:defRPr sz="2000"/>
-            </a:lvl9pPr>
-          </a:lstStyle>
-          <a:p>
-            <a:endParaRPr lang="fr-FR" dirty="0"/>
-          </a:p>
-        </p:txBody>
-      </p:sp>
-      <p:sp>
-        <p:nvSpPr>
-          <p:cNvPr id="4" name="Espace réservé du texte 3"/>
-          <p:cNvSpPr>
-            <a:spLocks noGrp="1"/>
-          </p:cNvSpPr>
-          <p:nvPr>
-            <p:ph type="body" sz="half" idx="2"/>
-          </p:nvPr>
-        </p:nvSpPr>
-        <p:spPr>
-          <a:xfrm>
-            <a:off x="839788" y="2057400"/>
-            <a:ext cx="3932237" cy="3811588"/>
-          </a:xfrm>
-        </p:spPr>
-        <p:txBody>
-          <a:bodyPr/>
-          <a:lstStyle>
-            <a:lvl1pPr marL="0" indent="0">
-              <a:buNone/>
               <a:defRPr sz="1600"/>
             </a:lvl1pPr>
             <a:lvl2pPr marL="457200" indent="0">
@@ -2880,30 +5624,30 @@
           <a:p>
             <a:pPr lvl="0"/>
             <a:r>
+              <a:rPr lang="fr-FR"/>
+              <a:t>Modifier les styles du texte du masque</a:t>
+            </a:r>
+          </a:p>
+        </p:txBody>
+      </p:sp>
+      <p:sp>
+        <p:nvSpPr>
+          <p:cNvPr id="5" name="Date Placeholder 4"/>
+          <p:cNvSpPr>
+            <a:spLocks noGrp="1"/>
+          </p:cNvSpPr>
+          <p:nvPr>
+            <p:ph type="dt" sz="half" idx="10"/>
+          </p:nvPr>
+        </p:nvSpPr>
+        <p:spPr/>
+        <p:txBody>
+          <a:bodyPr/>
+          <a:lstStyle/>
+          <a:p>
+            <a:fld id="{9763E653-075D-D04B-90E4-644EB6A89F88}" type="datetime1">
               <a:rPr lang="fr-FR" smtClean="0"/>
-              <a:t>Modifier les styles du texte du masque</a:t>
-            </a:r>
-          </a:p>
-        </p:txBody>
-      </p:sp>
-      <p:sp>
-        <p:nvSpPr>
-          <p:cNvPr id="5" name="Espace réservé de la date 4"/>
-          <p:cNvSpPr>
-            <a:spLocks noGrp="1"/>
-          </p:cNvSpPr>
-          <p:nvPr>
-            <p:ph type="dt" sz="half" idx="10"/>
-          </p:nvPr>
-        </p:nvSpPr>
-        <p:spPr/>
-        <p:txBody>
-          <a:bodyPr/>
-          <a:lstStyle/>
-          <a:p>
-            <a:fld id="{BB7BEF1C-0412-4199-B744-E002330B69D5}" type="datetimeFigureOut">
-              <a:rPr lang="fr-FR" smtClean="0"/>
-              <a:t>15/06/2019</a:t>
+              <a:t>16/06/2019</a:t>
             </a:fld>
             <a:endParaRPr lang="fr-FR" dirty="0"/>
           </a:p>
@@ -2911,7 +5655,7 @@
       </p:sp>
       <p:sp>
         <p:nvSpPr>
-          <p:cNvPr id="6" name="Espace réservé du pied de page 5"/>
+          <p:cNvPr id="6" name="Footer Placeholder 5"/>
           <p:cNvSpPr>
             <a:spLocks noGrp="1"/>
           </p:cNvSpPr>
@@ -2924,13 +5668,13 @@
           <a:bodyPr/>
           <a:lstStyle/>
           <a:p>
-            <a:endParaRPr lang="fr-FR" dirty="0"/>
-          </a:p>
-        </p:txBody>
-      </p:sp>
-      <p:sp>
-        <p:nvSpPr>
-          <p:cNvPr id="7" name="Espace réservé du numéro de diapositive 6"/>
+            <a:endParaRPr lang="en-US" dirty="0"/>
+          </a:p>
+        </p:txBody>
+      </p:sp>
+      <p:sp>
+        <p:nvSpPr>
+          <p:cNvPr id="7" name="Slide Number Placeholder 6"/>
           <p:cNvSpPr>
             <a:spLocks noGrp="1"/>
           </p:cNvSpPr>
@@ -2954,7 +5698,7 @@
     </p:spTree>
     <p:extLst>
       <p:ext uri="{BB962C8B-B14F-4D97-AF65-F5344CB8AC3E}">
-        <p14:creationId xmlns:p14="http://schemas.microsoft.com/office/powerpoint/2010/main" val="2629230278"/>
+        <p14:creationId xmlns:p14="http://schemas.microsoft.com/office/powerpoint/2010/main" val="4116591182"/>
       </p:ext>
     </p:extLst>
   </p:cSld>
@@ -2968,8 +5712,8 @@
 <p:sldMaster xmlns:a="http://schemas.openxmlformats.org/drawingml/2006/main" xmlns:r="http://schemas.openxmlformats.org/officeDocument/2006/relationships" xmlns:p="http://schemas.openxmlformats.org/presentationml/2006/main">
   <p:cSld>
     <p:bg>
-      <p:bgRef idx="1001">
-        <a:schemeClr val="bg1"/>
+      <p:bgRef idx="1002">
+        <a:schemeClr val="bg2"/>
       </p:bgRef>
     </p:bg>
     <p:spTree>
@@ -2986,25 +5730,55 @@
           <a:chExt cx="0" cy="0"/>
         </a:xfrm>
       </p:grpSpPr>
-      <p:sp>
-        <p:nvSpPr>
-          <p:cNvPr id="2" name="Espace réservé du titre 1"/>
-          <p:cNvSpPr>
-            <a:spLocks noGrp="1"/>
-          </p:cNvSpPr>
-          <p:nvPr>
-            <p:ph type="title"/>
-          </p:nvPr>
-        </p:nvSpPr>
-        <p:spPr>
-          <a:xfrm>
-            <a:off x="838200" y="365125"/>
-            <a:ext cx="10515600" cy="1325563"/>
+      <p:pic>
+        <p:nvPicPr>
+          <p:cNvPr id="8" name="Picture 7" descr="C3-HD-TOP.png"/>
+          <p:cNvPicPr>
+            <a:picLocks noChangeAspect="1"/>
+          </p:cNvPicPr>
+          <p:nvPr/>
+        </p:nvPicPr>
+        <p:blipFill>
+          <a:blip r:embed="rId20">
+            <a:extLst>
+              <a:ext uri="{28A0092B-C50C-407E-A947-70E740481C1C}">
+                <a14:useLocalDpi xmlns:a14="http://schemas.microsoft.com/office/drawing/2010/main" val="0"/>
+              </a:ext>
+            </a:extLst>
+          </a:blip>
+          <a:stretch>
+            <a:fillRect/>
+          </a:stretch>
+        </p:blipFill>
+        <p:spPr>
+          <a:xfrm>
+            <a:off x="0" y="0"/>
+            <a:ext cx="12192000" cy="1441450"/>
           </a:xfrm>
           <a:prstGeom prst="rect">
             <a:avLst/>
           </a:prstGeom>
         </p:spPr>
+      </p:pic>
+      <p:sp>
+        <p:nvSpPr>
+          <p:cNvPr id="2" name="Title Placeholder 1"/>
+          <p:cNvSpPr>
+            <a:spLocks noGrp="1"/>
+          </p:cNvSpPr>
+          <p:nvPr>
+            <p:ph type="title"/>
+          </p:nvPr>
+        </p:nvSpPr>
+        <p:spPr>
+          <a:xfrm>
+            <a:off x="2895600" y="764373"/>
+            <a:ext cx="8610600" cy="1293028"/>
+          </a:xfrm>
+          <a:prstGeom prst="rect">
+            <a:avLst/>
+          </a:prstGeom>
+        </p:spPr>
         <p:txBody>
           <a:bodyPr vert="horz" lIns="91440" tIns="45720" rIns="91440" bIns="45720" rtlCol="0" anchor="ctr">
             <a:normAutofit/>
@@ -3012,16 +5786,16 @@
           <a:lstStyle/>
           <a:p>
             <a:r>
-              <a:rPr lang="fr-FR" smtClean="0"/>
+              <a:rPr lang="fr-FR"/>
               <a:t>Modifiez le style du titre</a:t>
             </a:r>
-            <a:endParaRPr lang="fr-FR"/>
-          </a:p>
-        </p:txBody>
-      </p:sp>
-      <p:sp>
-        <p:nvSpPr>
-          <p:cNvPr id="3" name="Espace réservé du texte 2"/>
+            <a:endParaRPr lang="en-US" dirty="0"/>
+          </a:p>
+        </p:txBody>
+      </p:sp>
+      <p:sp>
+        <p:nvSpPr>
+          <p:cNvPr id="3" name="Text Placeholder 2"/>
           <p:cNvSpPr>
             <a:spLocks noGrp="1"/>
           </p:cNvSpPr>
@@ -3031,8 +5805,8 @@
         </p:nvSpPr>
         <p:spPr>
           <a:xfrm>
-            <a:off x="838200" y="1825625"/>
-            <a:ext cx="10515600" cy="4351338"/>
+            <a:off x="685800" y="2194560"/>
+            <a:ext cx="10820400" cy="4024125"/>
           </a:xfrm>
           <a:prstGeom prst="rect">
             <a:avLst/>
@@ -3046,44 +5820,44 @@
           <a:p>
             <a:pPr lvl="0"/>
             <a:r>
-              <a:rPr lang="fr-FR" smtClean="0"/>
+              <a:rPr lang="fr-FR"/>
               <a:t>Modifier les styles du texte du masque</a:t>
             </a:r>
           </a:p>
           <a:p>
             <a:pPr lvl="1"/>
             <a:r>
-              <a:rPr lang="fr-FR" smtClean="0"/>
+              <a:rPr lang="fr-FR"/>
               <a:t>Deuxième niveau</a:t>
             </a:r>
           </a:p>
           <a:p>
             <a:pPr lvl="2"/>
             <a:r>
-              <a:rPr lang="fr-FR" smtClean="0"/>
+              <a:rPr lang="fr-FR"/>
               <a:t>Troisième niveau</a:t>
             </a:r>
           </a:p>
           <a:p>
             <a:pPr lvl="3"/>
             <a:r>
-              <a:rPr lang="fr-FR" smtClean="0"/>
+              <a:rPr lang="fr-FR"/>
               <a:t>Quatrième niveau</a:t>
             </a:r>
           </a:p>
           <a:p>
             <a:pPr lvl="4"/>
             <a:r>
-              <a:rPr lang="fr-FR" smtClean="0"/>
+              <a:rPr lang="fr-FR"/>
               <a:t>Cinquième niveau</a:t>
             </a:r>
-            <a:endParaRPr lang="fr-FR"/>
-          </a:p>
-        </p:txBody>
-      </p:sp>
-      <p:sp>
-        <p:nvSpPr>
-          <p:cNvPr id="4" name="Espace réservé de la date 3"/>
+            <a:endParaRPr lang="en-US" dirty="0"/>
+          </a:p>
+        </p:txBody>
+      </p:sp>
+      <p:sp>
+        <p:nvSpPr>
+          <p:cNvPr id="4" name="Date Placeholder 3"/>
           <p:cNvSpPr>
             <a:spLocks noGrp="1"/>
           </p:cNvSpPr>
@@ -3093,8 +5867,8 @@
         </p:nvSpPr>
         <p:spPr>
           <a:xfrm>
-            <a:off x="838200" y="6356350"/>
-            <a:ext cx="2743200" cy="365125"/>
+            <a:off x="8595360" y="6356350"/>
+            <a:ext cx="2910840" cy="365125"/>
           </a:xfrm>
           <a:prstGeom prst="rect">
             <a:avLst/>
@@ -3103,8 +5877,8 @@
         <p:txBody>
           <a:bodyPr vert="horz" lIns="91440" tIns="45720" rIns="91440" bIns="45720" rtlCol="0" anchor="ctr"/>
           <a:lstStyle>
-            <a:lvl1pPr algn="l">
-              <a:defRPr sz="1200">
+            <a:lvl1pPr algn="r">
+              <a:defRPr sz="1050">
                 <a:solidFill>
                   <a:schemeClr val="tx1">
                     <a:tint val="75000"/>
@@ -3114,9 +5888,9 @@
             </a:lvl1pPr>
           </a:lstStyle>
           <a:p>
-            <a:fld id="{BB7BEF1C-0412-4199-B744-E002330B69D5}" type="datetimeFigureOut">
+            <a:fld id="{4996FE16-DB0D-A84C-B3F4-422AFD7575DA}" type="datetime1">
               <a:rPr lang="fr-FR" smtClean="0"/>
-              <a:t>15/06/2019</a:t>
+              <a:t>16/06/2019</a:t>
             </a:fld>
             <a:endParaRPr lang="fr-FR" dirty="0"/>
           </a:p>
@@ -3124,7 +5898,7 @@
       </p:sp>
       <p:sp>
         <p:nvSpPr>
-          <p:cNvPr id="5" name="Espace réservé du pied de page 4"/>
+          <p:cNvPr id="5" name="Footer Placeholder 4"/>
           <p:cNvSpPr>
             <a:spLocks noGrp="1"/>
           </p:cNvSpPr>
@@ -3134,8 +5908,8 @@
         </p:nvSpPr>
         <p:spPr>
           <a:xfrm>
-            <a:off x="4038600" y="6356350"/>
-            <a:ext cx="4114800" cy="365125"/>
+            <a:off x="685800" y="6355845"/>
+            <a:ext cx="7772400" cy="365125"/>
           </a:xfrm>
           <a:prstGeom prst="rect">
             <a:avLst/>
@@ -3144,8 +5918,8 @@
         <p:txBody>
           <a:bodyPr vert="horz" lIns="91440" tIns="45720" rIns="91440" bIns="45720" rtlCol="0" anchor="ctr"/>
           <a:lstStyle>
-            <a:lvl1pPr algn="ctr">
-              <a:defRPr sz="1200">
+            <a:lvl1pPr algn="l">
+              <a:defRPr sz="1050">
                 <a:solidFill>
                   <a:schemeClr val="tx1">
                     <a:tint val="75000"/>
@@ -3161,7 +5935,7 @@
       </p:sp>
       <p:sp>
         <p:nvSpPr>
-          <p:cNvPr id="6" name="Espace réservé du numéro de diapositive 5"/>
+          <p:cNvPr id="6" name="Slide Number Placeholder 5"/>
           <p:cNvSpPr>
             <a:spLocks noGrp="1"/>
           </p:cNvSpPr>
@@ -3171,7 +5945,7 @@
         </p:nvSpPr>
         <p:spPr>
           <a:xfrm>
-            <a:off x="8610600" y="6356350"/>
+            <a:off x="8763000" y="381000"/>
             <a:ext cx="2743200" cy="365125"/>
           </a:xfrm>
           <a:prstGeom prst="rect">
@@ -3182,7 +5956,7 @@
           <a:bodyPr vert="horz" lIns="91440" tIns="45720" rIns="91440" bIns="45720" rtlCol="0" anchor="ctr"/>
           <a:lstStyle>
             <a:lvl1pPr algn="r">
-              <a:defRPr sz="1200">
+              <a:defRPr sz="1050">
                 <a:solidFill>
                   <a:schemeClr val="tx1">
                     <a:tint val="75000"/>
@@ -3203,28 +5977,35 @@
     </p:spTree>
     <p:extLst>
       <p:ext uri="{BB962C8B-B14F-4D97-AF65-F5344CB8AC3E}">
-        <p14:creationId xmlns:p14="http://schemas.microsoft.com/office/powerpoint/2010/main" val="3214697649"/>
+        <p14:creationId xmlns:p14="http://schemas.microsoft.com/office/powerpoint/2010/main" val="4159285083"/>
       </p:ext>
     </p:extLst>
   </p:cSld>
-  <p:clrMap bg1="lt1" tx1="dk1" bg2="lt2" tx2="dk2" accent1="accent1" accent2="accent2" accent3="accent3" accent4="accent4" accent5="accent5" accent6="accent6" hlink="hlink" folHlink="folHlink"/>
+  <p:clrMap bg1="dk1" tx1="lt1" bg2="dk2" tx2="lt2" accent1="accent1" accent2="accent2" accent3="accent3" accent4="accent4" accent5="accent5" accent6="accent6" hlink="hlink" folHlink="folHlink"/>
   <p:sldLayoutIdLst>
-    <p:sldLayoutId id="2147483649" r:id="rId1"/>
-    <p:sldLayoutId id="2147483650" r:id="rId2"/>
-    <p:sldLayoutId id="2147483651" r:id="rId3"/>
-    <p:sldLayoutId id="2147483652" r:id="rId4"/>
-    <p:sldLayoutId id="2147483653" r:id="rId5"/>
-    <p:sldLayoutId id="2147483654" r:id="rId6"/>
-    <p:sldLayoutId id="2147483655" r:id="rId7"/>
-    <p:sldLayoutId id="2147483656" r:id="rId8"/>
-    <p:sldLayoutId id="2147483657" r:id="rId9"/>
-    <p:sldLayoutId id="2147483658" r:id="rId10"/>
-    <p:sldLayoutId id="2147483659" r:id="rId11"/>
-    <p:sldLayoutId id="2147483660" r:id="rId12"/>
+    <p:sldLayoutId id="2147483803" r:id="rId1"/>
+    <p:sldLayoutId id="2147483804" r:id="rId2"/>
+    <p:sldLayoutId id="2147483805" r:id="rId3"/>
+    <p:sldLayoutId id="2147483806" r:id="rId4"/>
+    <p:sldLayoutId id="2147483807" r:id="rId5"/>
+    <p:sldLayoutId id="2147483808" r:id="rId6"/>
+    <p:sldLayoutId id="2147483809" r:id="rId7"/>
+    <p:sldLayoutId id="2147483810" r:id="rId8"/>
+    <p:sldLayoutId id="2147483811" r:id="rId9"/>
+    <p:sldLayoutId id="2147483812" r:id="rId10"/>
+    <p:sldLayoutId id="2147483813" r:id="rId11"/>
+    <p:sldLayoutId id="2147483814" r:id="rId12"/>
+    <p:sldLayoutId id="2147483815" r:id="rId13"/>
+    <p:sldLayoutId id="2147483816" r:id="rId14"/>
+    <p:sldLayoutId id="2147483817" r:id="rId15"/>
+    <p:sldLayoutId id="2147483818" r:id="rId16"/>
+    <p:sldLayoutId id="2147483819" r:id="rId17"/>
+    <p:sldLayoutId id="2147483820" r:id="rId18"/>
   </p:sldLayoutIdLst>
+  <p:hf hdr="0" ftr="0" dt="0"/>
   <p:txStyles>
     <p:titleStyle>
-      <a:lvl1pPr algn="l" defTabSz="914400" rtl="0" eaLnBrk="1" latinLnBrk="0" hangingPunct="1">
+      <a:lvl1pPr algn="r" defTabSz="914400" rtl="0" eaLnBrk="1" latinLnBrk="0" hangingPunct="1">
         <a:lnSpc>
           <a:spcPct val="90000"/>
         </a:lnSpc>
@@ -3232,7 +6013,7 @@
           <a:spcPct val="0"/>
         </a:spcBef>
         <a:buNone/>
-        <a:defRPr sz="4400" kern="1200">
+        <a:defRPr sz="4000" kern="1200" cap="all" baseline="0">
           <a:solidFill>
             <a:schemeClr val="tx1"/>
           </a:solidFill>
@@ -3252,7 +6033,7 @@
         </a:spcBef>
         <a:buFont typeface="Arial" panose="020B0604020202020204" pitchFamily="34" charset="0"/>
         <a:buChar char="•"/>
-        <a:defRPr sz="2800" kern="1200">
+        <a:defRPr sz="2200" kern="1200">
           <a:solidFill>
             <a:schemeClr val="tx1"/>
           </a:solidFill>
@@ -3270,7 +6051,7 @@
         </a:spcBef>
         <a:buFont typeface="Arial" panose="020B0604020202020204" pitchFamily="34" charset="0"/>
         <a:buChar char="•"/>
-        <a:defRPr sz="2400" kern="1200">
+        <a:defRPr sz="2000" kern="1200">
           <a:solidFill>
             <a:schemeClr val="tx1"/>
           </a:solidFill>
@@ -3288,7 +6069,7 @@
         </a:spcBef>
         <a:buFont typeface="Arial" panose="020B0604020202020204" pitchFamily="34" charset="0"/>
         <a:buChar char="•"/>
-        <a:defRPr sz="2000" kern="1200">
+        <a:defRPr sz="1800" kern="1200">
           <a:solidFill>
             <a:schemeClr val="tx1"/>
           </a:solidFill>
@@ -3306,7 +6087,7 @@
         </a:spcBef>
         <a:buFont typeface="Arial" panose="020B0604020202020204" pitchFamily="34" charset="0"/>
         <a:buChar char="•"/>
-        <a:defRPr sz="1800" kern="1200">
+        <a:defRPr sz="1600" kern="1200">
           <a:solidFill>
             <a:schemeClr val="tx1"/>
           </a:solidFill>
@@ -3324,7 +6105,7 @@
         </a:spcBef>
         <a:buFont typeface="Arial" panose="020B0604020202020204" pitchFamily="34" charset="0"/>
         <a:buChar char="•"/>
-        <a:defRPr sz="1800" kern="1200">
+        <a:defRPr sz="1600" kern="1200">
           <a:solidFill>
             <a:schemeClr val="tx1"/>
           </a:solidFill>
@@ -3342,7 +6123,7 @@
         </a:spcBef>
         <a:buFont typeface="Arial" panose="020B0604020202020204" pitchFamily="34" charset="0"/>
         <a:buChar char="•"/>
-        <a:defRPr sz="1800" kern="1200">
+        <a:defRPr sz="1600" kern="1200">
           <a:solidFill>
             <a:schemeClr val="tx1"/>
           </a:solidFill>
@@ -3360,7 +6141,7 @@
         </a:spcBef>
         <a:buFont typeface="Arial" panose="020B0604020202020204" pitchFamily="34" charset="0"/>
         <a:buChar char="•"/>
-        <a:defRPr sz="1800" kern="1200">
+        <a:defRPr sz="1600" kern="1200">
           <a:solidFill>
             <a:schemeClr val="tx1"/>
           </a:solidFill>
@@ -3378,7 +6159,7 @@
         </a:spcBef>
         <a:buFont typeface="Arial" panose="020B0604020202020204" pitchFamily="34" charset="0"/>
         <a:buChar char="•"/>
-        <a:defRPr sz="1800" kern="1200">
+        <a:defRPr sz="1600" kern="1200">
           <a:solidFill>
             <a:schemeClr val="tx1"/>
           </a:solidFill>
@@ -3396,7 +6177,7 @@
         </a:spcBef>
         <a:buFont typeface="Arial" panose="020B0604020202020204" pitchFamily="34" charset="0"/>
         <a:buChar char="•"/>
-        <a:defRPr sz="1800" kern="1200">
+        <a:defRPr sz="1600" kern="1200">
           <a:solidFill>
             <a:schemeClr val="tx1"/>
           </a:solidFill>
@@ -3408,7 +6189,7 @@
     </p:bodyStyle>
     <p:otherStyle>
       <a:defPPr>
-        <a:defRPr lang="fr-FR"/>
+        <a:defRPr lang="en-US"/>
       </a:defPPr>
       <a:lvl1pPr marL="0" algn="l" defTabSz="914400" rtl="0" eaLnBrk="1" latinLnBrk="0" hangingPunct="1">
         <a:defRPr sz="1800" kern="1200">
@@ -3508,14 +6289,6 @@
 <file path=ppt/slides/slide1.xml><?xml version="1.0" encoding="utf-8"?>
 <p:sld xmlns:a="http://schemas.openxmlformats.org/drawingml/2006/main" xmlns:r="http://schemas.openxmlformats.org/officeDocument/2006/relationships" xmlns:p="http://schemas.openxmlformats.org/presentationml/2006/main" showMasterSp="0">
   <p:cSld>
-    <p:bg>
-      <p:bgPr>
-        <a:solidFill>
-          <a:schemeClr val="accent1"/>
-        </a:solidFill>
-        <a:effectLst/>
-      </p:bgPr>
-    </p:bg>
     <p:spTree>
       <p:nvGrpSpPr>
         <p:cNvPr id="1" name=""/>
@@ -3537,13 +6310,13 @@
             <a:spLocks noGrp="1"/>
           </p:cNvSpPr>
           <p:nvPr>
-            <p:ph type="ctrTitle"/>
-          </p:nvPr>
-        </p:nvSpPr>
-        <p:spPr>
-          <a:xfrm>
-            <a:off x="838200" y="1164324"/>
-            <a:ext cx="10515600" cy="2387600"/>
+            <p:ph type="title"/>
+          </p:nvPr>
+        </p:nvSpPr>
+        <p:spPr>
+          <a:xfrm>
+            <a:off x="398835" y="473660"/>
+            <a:ext cx="11167352" cy="2387600"/>
           </a:xfrm>
         </p:spPr>
         <p:txBody>
@@ -3552,19 +6325,14 @@
           </a:bodyPr>
           <a:lstStyle/>
           <a:p>
-            <a:r>
-              <a:rPr lang="fr-FR" sz="4800" dirty="0" smtClean="0">
-                <a:solidFill>
-                  <a:schemeClr val="bg1"/>
-                </a:solidFill>
-              </a:rPr>
-              <a:t>Application web de rendu de devoirs</a:t>
-            </a:r>
-            <a:endParaRPr lang="fr-FR" sz="4800" dirty="0">
-              <a:solidFill>
-                <a:schemeClr val="bg1"/>
-              </a:solidFill>
-            </a:endParaRPr>
+            <a:pPr algn="ctr"/>
+            <a:r>
+              <a:rPr lang="fr-FR" sz="4800" dirty="0">
+                <a:latin typeface="Times New Roman" panose="02020603050405020304" pitchFamily="18" charset="0"/>
+                <a:cs typeface="Times New Roman" panose="02020603050405020304" pitchFamily="18" charset="0"/>
+              </a:rPr>
+              <a:t>APPLICATION WEB DE RENDU DE DEVOIRS</a:t>
+            </a:r>
           </a:p>
         </p:txBody>
       </p:sp>
@@ -3580,83 +6348,87 @@
         </p:nvSpPr>
         <p:spPr>
           <a:xfrm>
-            <a:off x="855620" y="2933105"/>
-            <a:ext cx="9582736" cy="1777008"/>
+            <a:off x="1106283" y="2861260"/>
+            <a:ext cx="9582150" cy="1776413"/>
           </a:xfrm>
         </p:spPr>
         <p:txBody>
           <a:bodyPr rtlCol="0">
-            <a:normAutofit fontScale="85000" lnSpcReduction="20000"/>
+            <a:noAutofit/>
           </a:bodyPr>
           <a:lstStyle/>
           <a:p>
-            <a:pPr marL="0" indent="0">
+            <a:pPr marL="0" indent="0" algn="ctr">
               <a:buNone/>
             </a:pPr>
             <a:r>
-              <a:rPr lang="fr-FR" sz="2400" b="1" u="sng" dirty="0" smtClean="0">
-                <a:solidFill>
-                  <a:schemeClr val="bg1"/>
-                </a:solidFill>
-                <a:latin typeface="+mj-lt"/>
-              </a:rPr>
-              <a:t>Membres de l’équipe :</a:t>
-            </a:r>
-          </a:p>
-          <a:p>
-            <a:pPr>
+              <a:rPr lang="fr-FR" sz="3200" b="1" u="sng" dirty="0">
+                <a:latin typeface="Times New Roman" panose="02020603050405020304" pitchFamily="18" charset="0"/>
+                <a:cs typeface="Times New Roman" panose="02020603050405020304" pitchFamily="18" charset="0"/>
+              </a:rPr>
+              <a:t>Membres de l’équipe</a:t>
+            </a:r>
+            <a:r>
+              <a:rPr lang="fr-FR" sz="3200" b="1" dirty="0">
+                <a:latin typeface="Times New Roman" panose="02020603050405020304" pitchFamily="18" charset="0"/>
+                <a:cs typeface="Times New Roman" panose="02020603050405020304" pitchFamily="18" charset="0"/>
+              </a:rPr>
+              <a:t> :</a:t>
+            </a:r>
+          </a:p>
+          <a:p>
+            <a:pPr algn="ctr">
               <a:buFont typeface="Wingdings" panose="05000000000000000000" pitchFamily="2" charset="2"/>
               <a:buChar char="Ø"/>
             </a:pPr>
             <a:r>
-              <a:rPr lang="fr-FR" sz="2400" dirty="0" smtClean="0">
-                <a:solidFill>
-                  <a:schemeClr val="bg1"/>
-                </a:solidFill>
-                <a:latin typeface="+mj-lt"/>
+              <a:rPr lang="fr-FR" sz="3200" dirty="0">
+                <a:latin typeface="Times New Roman" panose="02020603050405020304" pitchFamily="18" charset="0"/>
+                <a:cs typeface="Times New Roman" panose="02020603050405020304" pitchFamily="18" charset="0"/>
               </a:rPr>
               <a:t>Abdoulaye SOW</a:t>
             </a:r>
           </a:p>
           <a:p>
-            <a:pPr>
+            <a:pPr algn="ctr">
               <a:buFont typeface="Wingdings" panose="05000000000000000000" pitchFamily="2" charset="2"/>
               <a:buChar char="Ø"/>
             </a:pPr>
             <a:r>
-              <a:rPr lang="fr-FR" sz="2400" dirty="0" smtClean="0">
-                <a:solidFill>
-                  <a:schemeClr val="bg1"/>
-                </a:solidFill>
-                <a:latin typeface="+mj-lt"/>
+              <a:rPr lang="fr-FR" sz="3200" dirty="0">
+                <a:latin typeface="Times New Roman" panose="02020603050405020304" pitchFamily="18" charset="0"/>
+                <a:cs typeface="Times New Roman" panose="02020603050405020304" pitchFamily="18" charset="0"/>
               </a:rPr>
               <a:t>Mamadou Hambaliou DIALLO</a:t>
             </a:r>
           </a:p>
           <a:p>
-            <a:pPr marL="0" indent="0">
+            <a:pPr marL="0" indent="0" algn="ctr">
               <a:buNone/>
             </a:pPr>
             <a:r>
-              <a:rPr lang="fr-FR" sz="2400" b="1" u="sng" dirty="0" smtClean="0">
-                <a:solidFill>
-                  <a:schemeClr val="bg1"/>
-                </a:solidFill>
-                <a:latin typeface="+mj-lt"/>
-              </a:rPr>
-              <a:t>Tuteur du projet :</a:t>
-            </a:r>
-          </a:p>
-          <a:p>
-            <a:pPr marL="0" indent="0">
+              <a:rPr lang="fr-FR" sz="3200" b="1" u="sng" dirty="0">
+                <a:latin typeface="Times New Roman" panose="02020603050405020304" pitchFamily="18" charset="0"/>
+                <a:cs typeface="Times New Roman" panose="02020603050405020304" pitchFamily="18" charset="0"/>
+              </a:rPr>
+              <a:t>Tuteur du projet</a:t>
+            </a:r>
+            <a:r>
+              <a:rPr lang="fr-FR" sz="3200" b="1" dirty="0">
+                <a:latin typeface="Times New Roman" panose="02020603050405020304" pitchFamily="18" charset="0"/>
+                <a:cs typeface="Times New Roman" panose="02020603050405020304" pitchFamily="18" charset="0"/>
+              </a:rPr>
+              <a:t> :</a:t>
+            </a:r>
+          </a:p>
+          <a:p>
+            <a:pPr marL="0" indent="0" algn="ctr">
               <a:buNone/>
             </a:pPr>
             <a:r>
-              <a:rPr lang="fr-FR" sz="2400" dirty="0" smtClean="0">
-                <a:solidFill>
-                  <a:schemeClr val="bg1"/>
-                </a:solidFill>
-                <a:latin typeface="+mj-lt"/>
+              <a:rPr lang="fr-FR" sz="3200" dirty="0">
+                <a:latin typeface="Times New Roman" panose="02020603050405020304" pitchFamily="18" charset="0"/>
+                <a:cs typeface="Times New Roman" panose="02020603050405020304" pitchFamily="18" charset="0"/>
               </a:rPr>
               <a:t>Laurent JOSSE</a:t>
             </a:r>
@@ -3733,41 +6505,57 @@
             <p:ph type="title"/>
           </p:nvPr>
         </p:nvSpPr>
+        <p:spPr>
+          <a:xfrm>
+            <a:off x="573931" y="365125"/>
+            <a:ext cx="11118715" cy="1325563"/>
+          </a:xfrm>
+        </p:spPr>
+        <p:txBody>
+          <a:bodyPr>
+            <a:normAutofit/>
+          </a:bodyPr>
+          <a:lstStyle/>
+          <a:p>
+            <a:pPr algn="ctr"/>
+            <a:r>
+              <a:rPr lang="fr-FR" b="1" dirty="0">
+                <a:latin typeface="Times New Roman" panose="02020603050405020304" pitchFamily="18" charset="0"/>
+                <a:cs typeface="Times New Roman" panose="02020603050405020304" pitchFamily="18" charset="0"/>
+              </a:rPr>
+              <a:t>4 - ORGANISATION DE L’APPLICATION:</a:t>
+            </a:r>
+          </a:p>
+        </p:txBody>
+      </p:sp>
+      <p:sp>
+        <p:nvSpPr>
+          <p:cNvPr id="3" name="Espace réservé du contenu 2"/>
+          <p:cNvSpPr>
+            <a:spLocks noGrp="1"/>
+          </p:cNvSpPr>
+          <p:nvPr>
+            <p:ph idx="1"/>
+          </p:nvPr>
+        </p:nvSpPr>
         <p:spPr/>
         <p:txBody>
           <a:bodyPr/>
           <a:lstStyle/>
           <a:p>
             <a:r>
-              <a:rPr lang="fr-FR" dirty="0" smtClean="0"/>
-              <a:t>4- Organisation de l’application</a:t>
-            </a:r>
-            <a:endParaRPr lang="fr-FR" dirty="0"/>
-          </a:p>
-        </p:txBody>
-      </p:sp>
-      <p:sp>
-        <p:nvSpPr>
-          <p:cNvPr id="3" name="Espace réservé du contenu 2"/>
-          <p:cNvSpPr>
-            <a:spLocks noGrp="1"/>
-          </p:cNvSpPr>
-          <p:nvPr>
-            <p:ph idx="1"/>
-          </p:nvPr>
-        </p:nvSpPr>
-        <p:spPr/>
-        <p:txBody>
-          <a:bodyPr/>
-          <a:lstStyle/>
-          <a:p>
-            <a:r>
-              <a:rPr lang="fr-FR" dirty="0" smtClean="0"/>
+              <a:rPr lang="fr-FR" dirty="0">
+                <a:latin typeface="Times New Roman" panose="02020603050405020304" pitchFamily="18" charset="0"/>
+                <a:cs typeface="Times New Roman" panose="02020603050405020304" pitchFamily="18" charset="0"/>
+              </a:rPr>
               <a:t>Dans le dossier resources nous avons les views php appelé ainsi que le code js utilisé et les fichiers de langues:</a:t>
             </a:r>
           </a:p>
           <a:p>
-            <a:endParaRPr lang="fr-FR" dirty="0"/>
+            <a:endParaRPr lang="fr-FR" dirty="0">
+              <a:latin typeface="Times New Roman" panose="02020603050405020304" pitchFamily="18" charset="0"/>
+              <a:cs typeface="Times New Roman" panose="02020603050405020304" pitchFamily="18" charset="0"/>
+            </a:endParaRPr>
           </a:p>
         </p:txBody>
       </p:sp>
@@ -3843,6 +6631,53 @@
           </a:prstGeom>
         </p:spPr>
       </p:pic>
+      <p:sp>
+        <p:nvSpPr>
+          <p:cNvPr id="7" name="Espace réservé du numéro de diapositive 6">
+            <a:extLst>
+              <a:ext uri="{FF2B5EF4-FFF2-40B4-BE49-F238E27FC236}">
+                <a16:creationId xmlns:a16="http://schemas.microsoft.com/office/drawing/2014/main" id="{891809E0-9997-6C45-8ECF-E6738FF41A96}"/>
+              </a:ext>
+            </a:extLst>
+          </p:cNvPr>
+          <p:cNvSpPr>
+            <a:spLocks noGrp="1"/>
+          </p:cNvSpPr>
+          <p:nvPr>
+            <p:ph type="sldNum" sz="quarter" idx="12"/>
+          </p:nvPr>
+        </p:nvSpPr>
+        <p:spPr/>
+        <p:txBody>
+          <a:bodyPr vert="horz" lIns="91440" tIns="45720" rIns="91440" bIns="45720" rtlCol="0" anchor="ctr">
+            <a:scene3d>
+              <a:camera prst="orthographicFront">
+                <a:rot lat="0" lon="0" rev="0"/>
+              </a:camera>
+              <a:lightRig rig="threePt" dir="t"/>
+            </a:scene3d>
+            <a:sp3d extrusionH="57150" contourW="12700">
+              <a:bevelT w="38100" h="38100" prst="relaxedInset"/>
+              <a:contourClr>
+                <a:schemeClr val="bg2"/>
+              </a:contourClr>
+            </a:sp3d>
+          </a:bodyPr>
+          <a:lstStyle/>
+          <a:p>
+            <a:fld id="{E1F2DA6C-65BD-4D8D-B230-55EC7852561B}" type="slidenum">
+              <a:rPr lang="fr-FR" sz="1800" b="1">
+                <a:latin typeface="Cambria" panose="02040503050406030204" pitchFamily="18" charset="0"/>
+              </a:rPr>
+              <a:pPr/>
+              <a:t>10</a:t>
+            </a:fld>
+            <a:endParaRPr lang="fr-FR" sz="1800" b="1" dirty="0">
+              <a:latin typeface="Cambria" panose="02040503050406030204" pitchFamily="18" charset="0"/>
+            </a:endParaRPr>
+          </a:p>
+        </p:txBody>
+      </p:sp>
     </p:spTree>
     <p:extLst>
       <p:ext uri="{BB962C8B-B14F-4D97-AF65-F5344CB8AC3E}">
@@ -3885,69 +6720,76 @@
         </p:nvSpPr>
         <p:spPr/>
         <p:txBody>
-          <a:bodyPr/>
-          <a:lstStyle/>
-          <a:p>
-            <a:r>
-              <a:rPr lang="fr-FR" dirty="0" smtClean="0"/>
-              <a:t>5- Démonstration de quelques fonctionnalités</a:t>
-            </a:r>
-            <a:endParaRPr lang="fr-FR" dirty="0"/>
-          </a:p>
-        </p:txBody>
-      </p:sp>
-      <p:sp>
-        <p:nvSpPr>
-          <p:cNvPr id="3" name="Espace réservé du contenu 2"/>
-          <p:cNvSpPr>
-            <a:spLocks noGrp="1"/>
-          </p:cNvSpPr>
-          <p:nvPr>
-            <p:ph idx="1"/>
-          </p:nvPr>
-        </p:nvSpPr>
-        <p:spPr/>
-        <p:txBody>
           <a:bodyPr>
             <a:normAutofit/>
           </a:bodyPr>
           <a:lstStyle/>
           <a:p>
-            <a:r>
-              <a:rPr lang="fr-FR" sz="2000" dirty="0"/>
-              <a:t>Nous invitons à ouvrir ce lien: </a:t>
-            </a:r>
+            <a:pPr algn="ctr"/>
+            <a:r>
+              <a:rPr lang="fr-FR" b="1" dirty="0">
+                <a:latin typeface="Times New Roman" panose="02020603050405020304" pitchFamily="18" charset="0"/>
+                <a:cs typeface="Times New Roman" panose="02020603050405020304" pitchFamily="18" charset="0"/>
+              </a:rPr>
+              <a:t>5- DÉMONSTRATION DE QUELQUES FONCTIONNALITÉS:</a:t>
+            </a:r>
+          </a:p>
+        </p:txBody>
+      </p:sp>
+      <p:sp>
+        <p:nvSpPr>
+          <p:cNvPr id="3" name="Espace réservé du contenu 2"/>
+          <p:cNvSpPr>
+            <a:spLocks noGrp="1"/>
+          </p:cNvSpPr>
+          <p:nvPr>
+            <p:ph idx="1"/>
+          </p:nvPr>
+        </p:nvSpPr>
+        <p:spPr/>
+        <p:txBody>
+          <a:bodyPr>
+            <a:normAutofit/>
+          </a:bodyPr>
+          <a:lstStyle/>
+          <a:p>
             <a:r>
               <a:rPr lang="fr-FR" sz="2000" dirty="0">
+                <a:latin typeface="Times New Roman" panose="02020603050405020304" pitchFamily="18" charset="0"/>
+                <a:cs typeface="Times New Roman" panose="02020603050405020304" pitchFamily="18" charset="0"/>
+              </a:rPr>
+              <a:t>Nous vous invitons à ouvrir ce lien: </a:t>
+            </a:r>
+            <a:r>
+              <a:rPr lang="fr-FR" sz="2000" dirty="0">
+                <a:latin typeface="Times New Roman" panose="02020603050405020304" pitchFamily="18" charset="0"/>
+                <a:cs typeface="Times New Roman" panose="02020603050405020304" pitchFamily="18" charset="0"/>
                 <a:hlinkClick r:id="rId2"/>
               </a:rPr>
               <a:t>https://www.rendudevoir-upicardie.com/</a:t>
             </a:r>
             <a:r>
-              <a:rPr lang="fr-FR" sz="2000" dirty="0"/>
-              <a:t> avec login:admin@admin.com et mot de </a:t>
-            </a:r>
-            <a:r>
-              <a:rPr lang="fr-FR" sz="2000" dirty="0" smtClean="0"/>
-              <a:t>passe: </a:t>
-            </a:r>
-            <a:r>
-              <a:rPr lang="fr-FR" sz="2000" dirty="0"/>
-              <a:t>qwerty. Ce sera pour les tests directement avec l’admin où vous pourrez créer vos users de test</a:t>
-            </a:r>
-            <a:r>
-              <a:rPr lang="fr-FR" sz="2000" dirty="0" smtClean="0"/>
-              <a:t>.</a:t>
-            </a:r>
-          </a:p>
-          <a:p>
-            <a:r>
-              <a:rPr lang="fr-FR" sz="2000" dirty="0" smtClean="0"/>
+              <a:rPr lang="fr-FR" sz="2000" dirty="0">
+                <a:latin typeface="Times New Roman" panose="02020603050405020304" pitchFamily="18" charset="0"/>
+                <a:cs typeface="Times New Roman" panose="02020603050405020304" pitchFamily="18" charset="0"/>
+              </a:rPr>
+              <a:t> avec login:admin@admin.com et mot de passe: qwerty. Ce sera pour les tests directement avec l’admin où vous pourrez créer vos users de test.</a:t>
+            </a:r>
+          </a:p>
+          <a:p>
+            <a:r>
+              <a:rPr lang="fr-FR" sz="2000" dirty="0">
+                <a:latin typeface="Times New Roman" panose="02020603050405020304" pitchFamily="18" charset="0"/>
+                <a:cs typeface="Times New Roman" panose="02020603050405020304" pitchFamily="18" charset="0"/>
+              </a:rPr>
               <a:t>Pour l’administration, nous avons intégré une gestion simplifiée des utilisateurs en une seule page. Nous avons également ajouté un onglet approbation pour les profs qui voudront modifier les notes des utilisateurs:</a:t>
             </a:r>
           </a:p>
           <a:p>
-            <a:endParaRPr lang="fr-FR" sz="2000" dirty="0"/>
+            <a:endParaRPr lang="fr-FR" sz="2000" dirty="0">
+              <a:latin typeface="Times New Roman" panose="02020603050405020304" pitchFamily="18" charset="0"/>
+              <a:cs typeface="Times New Roman" panose="02020603050405020304" pitchFamily="18" charset="0"/>
+            </a:endParaRPr>
           </a:p>
         </p:txBody>
       </p:sp>
@@ -3967,7 +6809,7 @@
         </p:blipFill>
         <p:spPr>
           <a:xfrm>
-            <a:off x="1175318" y="3598119"/>
+            <a:off x="1048859" y="4103957"/>
             <a:ext cx="5364583" cy="2357358"/>
           </a:xfrm>
           <a:prstGeom prst="rect">
@@ -3991,7 +6833,7 @@
         </p:blipFill>
         <p:spPr>
           <a:xfrm>
-            <a:off x="6587526" y="3598119"/>
+            <a:off x="6577799" y="4103957"/>
             <a:ext cx="5499227" cy="1364295"/>
           </a:xfrm>
           <a:prstGeom prst="rect">
@@ -3999,6 +6841,53 @@
           </a:prstGeom>
         </p:spPr>
       </p:pic>
+      <p:sp>
+        <p:nvSpPr>
+          <p:cNvPr id="6" name="Espace réservé du numéro de diapositive 5">
+            <a:extLst>
+              <a:ext uri="{FF2B5EF4-FFF2-40B4-BE49-F238E27FC236}">
+                <a16:creationId xmlns:a16="http://schemas.microsoft.com/office/drawing/2014/main" id="{5AC3C8D9-EC13-A148-B49B-17A9DEB2D533}"/>
+              </a:ext>
+            </a:extLst>
+          </p:cNvPr>
+          <p:cNvSpPr>
+            <a:spLocks noGrp="1"/>
+          </p:cNvSpPr>
+          <p:nvPr>
+            <p:ph type="sldNum" sz="quarter" idx="12"/>
+          </p:nvPr>
+        </p:nvSpPr>
+        <p:spPr/>
+        <p:txBody>
+          <a:bodyPr vert="horz" lIns="91440" tIns="45720" rIns="91440" bIns="45720" rtlCol="0" anchor="ctr">
+            <a:scene3d>
+              <a:camera prst="orthographicFront">
+                <a:rot lat="0" lon="0" rev="0"/>
+              </a:camera>
+              <a:lightRig rig="threePt" dir="t"/>
+            </a:scene3d>
+            <a:sp3d extrusionH="57150" contourW="12700">
+              <a:bevelT w="38100" h="38100" prst="relaxedInset"/>
+              <a:contourClr>
+                <a:schemeClr val="bg2"/>
+              </a:contourClr>
+            </a:sp3d>
+          </a:bodyPr>
+          <a:lstStyle/>
+          <a:p>
+            <a:fld id="{E1F2DA6C-65BD-4D8D-B230-55EC7852561B}" type="slidenum">
+              <a:rPr lang="fr-FR" sz="1800" b="1">
+                <a:latin typeface="Cambria" panose="02040503050406030204" pitchFamily="18" charset="0"/>
+              </a:rPr>
+              <a:pPr/>
+              <a:t>11</a:t>
+            </a:fld>
+            <a:endParaRPr lang="fr-FR" sz="1800" b="1" dirty="0">
+              <a:latin typeface="Cambria" panose="02040503050406030204" pitchFamily="18" charset="0"/>
+            </a:endParaRPr>
+          </a:p>
+        </p:txBody>
+      </p:sp>
     </p:spTree>
     <p:extLst>
       <p:ext uri="{BB962C8B-B14F-4D97-AF65-F5344CB8AC3E}">
@@ -4041,50 +6930,57 @@
         </p:nvSpPr>
         <p:spPr/>
         <p:txBody>
-          <a:bodyPr/>
-          <a:lstStyle/>
-          <a:p>
-            <a:r>
-              <a:rPr lang="fr-FR" dirty="0" smtClean="0"/>
-              <a:t>5- </a:t>
-            </a:r>
-            <a:r>
-              <a:rPr lang="fr-FR" dirty="0" smtClean="0"/>
-              <a:t>Démonstration de quelques fonctionnalités</a:t>
-            </a:r>
-            <a:endParaRPr lang="fr-FR" dirty="0"/>
-          </a:p>
-        </p:txBody>
-      </p:sp>
-      <p:sp>
-        <p:nvSpPr>
-          <p:cNvPr id="3" name="Espace réservé du contenu 2"/>
-          <p:cNvSpPr>
-            <a:spLocks noGrp="1"/>
-          </p:cNvSpPr>
-          <p:nvPr>
-            <p:ph idx="1"/>
-          </p:nvPr>
-        </p:nvSpPr>
-        <p:spPr>
-          <a:xfrm>
-            <a:off x="838200" y="1825624"/>
-            <a:ext cx="11106150" cy="5032375"/>
-          </a:xfrm>
-        </p:spPr>
-        <p:txBody>
           <a:bodyPr>
             <a:normAutofit/>
           </a:bodyPr>
           <a:lstStyle/>
           <a:p>
-            <a:r>
-              <a:rPr lang="fr-FR" sz="2400" dirty="0" smtClean="0"/>
-              <a:t>Nous avons jugé qu’il fallait dès la page d’accueil attiré l’attention de l’étudiant sur le nombre de devoirs rendus par rapport aux nombres de devoirs attendus. Ainsi il choisira bien-sure la matière et pour chaque rendu il reçoit une confirmation ainsi que le prof pour infos:</a:t>
-            </a:r>
-          </a:p>
-          <a:p>
-            <a:endParaRPr lang="fr-FR" sz="2400" dirty="0"/>
+            <a:pPr algn="ctr"/>
+            <a:r>
+              <a:rPr lang="fr-FR" b="1" dirty="0">
+                <a:latin typeface="Times New Roman" panose="02020603050405020304" pitchFamily="18" charset="0"/>
+                <a:cs typeface="Times New Roman" panose="02020603050405020304" pitchFamily="18" charset="0"/>
+              </a:rPr>
+              <a:t>5- DÉMONSTRATION DE QUELQUES FONCTIONNALITÉS:</a:t>
+            </a:r>
+          </a:p>
+        </p:txBody>
+      </p:sp>
+      <p:sp>
+        <p:nvSpPr>
+          <p:cNvPr id="3" name="Espace réservé du contenu 2"/>
+          <p:cNvSpPr>
+            <a:spLocks noGrp="1"/>
+          </p:cNvSpPr>
+          <p:nvPr>
+            <p:ph idx="1"/>
+          </p:nvPr>
+        </p:nvSpPr>
+        <p:spPr>
+          <a:xfrm>
+            <a:off x="838200" y="1763938"/>
+            <a:ext cx="11106150" cy="5032375"/>
+          </a:xfrm>
+        </p:spPr>
+        <p:txBody>
+          <a:bodyPr>
+            <a:normAutofit/>
+          </a:bodyPr>
+          <a:lstStyle/>
+          <a:p>
+            <a:r>
+              <a:rPr lang="fr-FR" sz="2400" dirty="0">
+                <a:latin typeface="Times New Roman" panose="02020603050405020304" pitchFamily="18" charset="0"/>
+                <a:cs typeface="Times New Roman" panose="02020603050405020304" pitchFamily="18" charset="0"/>
+              </a:rPr>
+              <a:t>Nous avons jugé nécessaire qu’il fallait dès la page d’accueil attiré l’attention de l’étudiant sur le nombre de devoirs rendus par rapport aux nombres de devoirs attendus. Ainsi il choisira bien-sure la matière et pour chaque rendu il reçoit une notification lui disant qu’il a bien rendu le devoir. Le professeur reçoit à son tour une notification lui disant qu’un étudiant a déposé un devoir dans sa matière.</a:t>
+            </a:r>
+          </a:p>
+          <a:p>
+            <a:endParaRPr lang="fr-FR" sz="2400" dirty="0">
+              <a:latin typeface="Times New Roman" panose="02020603050405020304" pitchFamily="18" charset="0"/>
+              <a:cs typeface="Times New Roman" panose="02020603050405020304" pitchFamily="18" charset="0"/>
+            </a:endParaRPr>
           </a:p>
         </p:txBody>
       </p:sp>
@@ -4104,8 +7000,8 @@
         </p:blipFill>
         <p:spPr>
           <a:xfrm>
-            <a:off x="1101447" y="3484957"/>
-            <a:ext cx="7236368" cy="1878817"/>
+            <a:off x="1063354" y="3511685"/>
+            <a:ext cx="7236368" cy="1774659"/>
           </a:xfrm>
           <a:prstGeom prst="rect">
             <a:avLst/>
@@ -4128,8 +7024,8 @@
         </p:blipFill>
         <p:spPr>
           <a:xfrm>
-            <a:off x="8725374" y="4346936"/>
-            <a:ext cx="3151845" cy="1426468"/>
+            <a:off x="8385244" y="4124528"/>
+            <a:ext cx="3491976" cy="1809344"/>
           </a:xfrm>
           <a:prstGeom prst="rect">
             <a:avLst/>
@@ -4152,14 +7048,61 @@
         </p:blipFill>
         <p:spPr>
           <a:xfrm>
-            <a:off x="1063354" y="5262354"/>
-            <a:ext cx="7236368" cy="1533959"/>
+            <a:off x="1056233" y="5422197"/>
+            <a:ext cx="7236368" cy="1374116"/>
           </a:xfrm>
           <a:prstGeom prst="rect">
             <a:avLst/>
           </a:prstGeom>
         </p:spPr>
       </p:pic>
+      <p:sp>
+        <p:nvSpPr>
+          <p:cNvPr id="7" name="Espace réservé du numéro de diapositive 6">
+            <a:extLst>
+              <a:ext uri="{FF2B5EF4-FFF2-40B4-BE49-F238E27FC236}">
+                <a16:creationId xmlns:a16="http://schemas.microsoft.com/office/drawing/2014/main" id="{77E84FFC-8B37-FF40-9441-0619387C4122}"/>
+              </a:ext>
+            </a:extLst>
+          </p:cNvPr>
+          <p:cNvSpPr>
+            <a:spLocks noGrp="1"/>
+          </p:cNvSpPr>
+          <p:nvPr>
+            <p:ph type="sldNum" sz="quarter" idx="12"/>
+          </p:nvPr>
+        </p:nvSpPr>
+        <p:spPr/>
+        <p:txBody>
+          <a:bodyPr vert="horz" lIns="91440" tIns="45720" rIns="91440" bIns="45720" rtlCol="0" anchor="ctr">
+            <a:scene3d>
+              <a:camera prst="orthographicFront">
+                <a:rot lat="0" lon="0" rev="0"/>
+              </a:camera>
+              <a:lightRig rig="threePt" dir="t"/>
+            </a:scene3d>
+            <a:sp3d extrusionH="57150" contourW="12700">
+              <a:bevelT w="38100" h="38100" prst="relaxedInset"/>
+              <a:contourClr>
+                <a:schemeClr val="bg2"/>
+              </a:contourClr>
+            </a:sp3d>
+          </a:bodyPr>
+          <a:lstStyle/>
+          <a:p>
+            <a:fld id="{E1F2DA6C-65BD-4D8D-B230-55EC7852561B}" type="slidenum">
+              <a:rPr lang="fr-FR" sz="1800" b="1">
+                <a:latin typeface="Cambria" panose="02040503050406030204" pitchFamily="18" charset="0"/>
+              </a:rPr>
+              <a:pPr/>
+              <a:t>12</a:t>
+            </a:fld>
+            <a:endParaRPr lang="fr-FR" sz="1800" b="1" dirty="0">
+              <a:latin typeface="Cambria" panose="02040503050406030204" pitchFamily="18" charset="0"/>
+            </a:endParaRPr>
+          </a:p>
+        </p:txBody>
+      </p:sp>
     </p:spTree>
     <p:extLst>
       <p:ext uri="{BB962C8B-B14F-4D97-AF65-F5344CB8AC3E}">
@@ -4176,6 +7119,16 @@
 <file path=ppt/slides/slide13.xml><?xml version="1.0" encoding="utf-8"?>
 <p:sld xmlns:a="http://schemas.openxmlformats.org/drawingml/2006/main" xmlns:r="http://schemas.openxmlformats.org/officeDocument/2006/relationships" xmlns:p="http://schemas.openxmlformats.org/presentationml/2006/main">
   <p:cSld>
+    <p:bg>
+      <p:bgPr>
+        <a:solidFill>
+          <a:schemeClr val="accent1">
+            <a:lumMod val="50000"/>
+          </a:schemeClr>
+        </a:solidFill>
+        <a:effectLst/>
+      </p:bgPr>
+    </p:bg>
     <p:spTree>
       <p:nvGrpSpPr>
         <p:cNvPr id="1" name=""/>
@@ -4203,15 +7156,25 @@
         <p:spPr/>
         <p:txBody>
           <a:bodyPr>
-            <a:normAutofit/>
+            <a:normAutofit fontScale="90000"/>
           </a:bodyPr>
           <a:lstStyle/>
           <a:p>
-            <a:r>
-              <a:rPr lang="fr-FR" dirty="0" smtClean="0"/>
-              <a:t>6 -Changement pendant le développement et difficultés</a:t>
-            </a:r>
-            <a:endParaRPr lang="fr-FR" dirty="0"/>
+            <a:pPr algn="ctr"/>
+            <a:r>
+              <a:rPr lang="fr-FR" sz="3200" dirty="0">
+                <a:latin typeface="Times New Roman" panose="02020603050405020304" pitchFamily="18" charset="0"/>
+                <a:cs typeface="Times New Roman" panose="02020603050405020304" pitchFamily="18" charset="0"/>
+              </a:rPr>
+              <a:t>6 -</a:t>
+            </a:r>
+            <a:r>
+              <a:rPr lang="fr-FR" sz="3200" b="1" dirty="0">
+                <a:latin typeface="Times New Roman" panose="02020603050405020304" pitchFamily="18" charset="0"/>
+                <a:cs typeface="Times New Roman" panose="02020603050405020304" pitchFamily="18" charset="0"/>
+              </a:rPr>
+              <a:t>CHANGEMENT PENDANT LE DÉVELOPPEMENT ET DIFFICULTÉS RENCONTRÉES</a:t>
+            </a:r>
           </a:p>
         </p:txBody>
       </p:sp>
@@ -4228,33 +7191,91 @@
         <p:spPr/>
         <p:txBody>
           <a:bodyPr>
-            <a:normAutofit fontScale="85000" lnSpcReduction="20000"/>
+            <a:normAutofit lnSpcReduction="10000"/>
           </a:bodyPr>
           <a:lstStyle/>
           <a:p>
             <a:r>
-              <a:rPr lang="fr-FR" dirty="0" smtClean="0"/>
+              <a:rPr lang="fr-FR" dirty="0">
+                <a:latin typeface="Times New Roman" panose="02020603050405020304" pitchFamily="18" charset="0"/>
+                <a:cs typeface="Times New Roman" panose="02020603050405020304" pitchFamily="18" charset="0"/>
+              </a:rPr>
               <a:t>Nous avions ajouté des fonctionnalités de gestion qui nous ont obligé à revoir notre modèle relation de départ. </a:t>
             </a:r>
           </a:p>
           <a:p>
             <a:r>
-              <a:rPr lang="fr-FR" dirty="0" smtClean="0"/>
+              <a:rPr lang="fr-FR" dirty="0">
+                <a:latin typeface="Times New Roman" panose="02020603050405020304" pitchFamily="18" charset="0"/>
+                <a:cs typeface="Times New Roman" panose="02020603050405020304" pitchFamily="18" charset="0"/>
+              </a:rPr>
               <a:t>Il s’agit de l’approbation de l’admin qui peut être le responsable de la formation lors de la modification d’une note. Nous devions donc ajouter une table modification_notes pour sauvegarder les modifications apportées aux notes ainsi que le devoir et le professeur ayant fait l’action plus le statut d’approbation de l’admin.</a:t>
             </a:r>
           </a:p>
           <a:p>
             <a:r>
-              <a:rPr lang="fr-FR" dirty="0" smtClean="0"/>
-              <a:t>La gestion des matières en elle-même n’étant pas pris en compte, nous avons mis une table isolée permettant de renseigner les noms des matières qui sont seront lues en liste de la création du devoir par le prof. Ceci pour éviter les erreurs de saisie.</a:t>
-            </a:r>
-          </a:p>
-          <a:p>
-            <a:r>
-              <a:rPr lang="fr-FR" dirty="0" smtClean="0"/>
+              <a:rPr lang="fr-FR" dirty="0">
+                <a:latin typeface="Times New Roman" panose="02020603050405020304" pitchFamily="18" charset="0"/>
+                <a:cs typeface="Times New Roman" panose="02020603050405020304" pitchFamily="18" charset="0"/>
+              </a:rPr>
+              <a:t>La gestion des matières en elle-même n’étant pas pris en compte, nous avons mis une table isolée permettant de renseigner les noms des matières qui sont seront lues sous forme d’une liste lors de la création du devoir par le prof. Ceci pour éviter les erreurs de saisie.</a:t>
+            </a:r>
+          </a:p>
+          <a:p>
+            <a:r>
+              <a:rPr lang="fr-FR" dirty="0">
+                <a:latin typeface="Times New Roman" panose="02020603050405020304" pitchFamily="18" charset="0"/>
+                <a:cs typeface="Times New Roman" panose="02020603050405020304" pitchFamily="18" charset="0"/>
+              </a:rPr>
               <a:t>Pour des erreurs que nous avions rencontrés il s’agit d’un manque d’expérience que nous avions au départ sur Laravel que nous avons pu résoudre grâce à la forte communauté autour de ce Framework.</a:t>
             </a:r>
-            <a:endParaRPr lang="fr-FR" dirty="0"/>
+          </a:p>
+        </p:txBody>
+      </p:sp>
+      <p:sp>
+        <p:nvSpPr>
+          <p:cNvPr id="4" name="Espace réservé du numéro de diapositive 3">
+            <a:extLst>
+              <a:ext uri="{FF2B5EF4-FFF2-40B4-BE49-F238E27FC236}">
+                <a16:creationId xmlns:a16="http://schemas.microsoft.com/office/drawing/2014/main" id="{FA045EAB-2F19-9546-B1B5-B5432F94A44E}"/>
+              </a:ext>
+            </a:extLst>
+          </p:cNvPr>
+          <p:cNvSpPr>
+            <a:spLocks noGrp="1"/>
+          </p:cNvSpPr>
+          <p:nvPr>
+            <p:ph type="sldNum" sz="quarter" idx="12"/>
+          </p:nvPr>
+        </p:nvSpPr>
+        <p:spPr/>
+        <p:txBody>
+          <a:bodyPr vert="horz" lIns="91440" tIns="45720" rIns="91440" bIns="45720" rtlCol="0" anchor="ctr">
+            <a:scene3d>
+              <a:camera prst="orthographicFront">
+                <a:rot lat="0" lon="0" rev="0"/>
+              </a:camera>
+              <a:lightRig rig="threePt" dir="t"/>
+            </a:scene3d>
+            <a:sp3d extrusionH="57150" contourW="12700">
+              <a:bevelT w="38100" h="38100" prst="relaxedInset"/>
+              <a:contourClr>
+                <a:schemeClr val="bg2"/>
+              </a:contourClr>
+            </a:sp3d>
+          </a:bodyPr>
+          <a:lstStyle/>
+          <a:p>
+            <a:fld id="{E1F2DA6C-65BD-4D8D-B230-55EC7852561B}" type="slidenum">
+              <a:rPr lang="fr-FR" sz="1800" b="1">
+                <a:latin typeface="Cambria" panose="02040503050406030204" pitchFamily="18" charset="0"/>
+              </a:rPr>
+              <a:pPr/>
+              <a:t>13</a:t>
+            </a:fld>
+            <a:endParaRPr lang="fr-FR" sz="1800" b="1" dirty="0">
+              <a:latin typeface="Cambria" panose="02040503050406030204" pitchFamily="18" charset="0"/>
+            </a:endParaRPr>
           </a:p>
         </p:txBody>
       </p:sp>
@@ -4303,11 +7324,14 @@
           <a:bodyPr/>
           <a:lstStyle/>
           <a:p>
-            <a:r>
-              <a:rPr lang="fr-FR" dirty="0" smtClean="0"/>
-              <a:t>Conclusion</a:t>
-            </a:r>
-            <a:endParaRPr lang="fr-FR" dirty="0"/>
+            <a:pPr algn="ctr"/>
+            <a:r>
+              <a:rPr lang="fr-FR" b="1" dirty="0">
+                <a:latin typeface="Times New Roman" panose="02020603050405020304" pitchFamily="18" charset="0"/>
+                <a:cs typeface="Times New Roman" panose="02020603050405020304" pitchFamily="18" charset="0"/>
+              </a:rPr>
+              <a:t>CONCLUSION:</a:t>
+            </a:r>
           </a:p>
         </p:txBody>
       </p:sp>
@@ -4323,26 +7347,83 @@
         </p:nvSpPr>
         <p:spPr/>
         <p:txBody>
-          <a:bodyPr/>
-          <a:lstStyle/>
-          <a:p>
-            <a:r>
-              <a:rPr lang="fr-FR" dirty="0" smtClean="0"/>
-              <a:t>Ce projet a été une expérience  enrichissante dans la découverte d’outils non utilisés jusqu’à présent. </a:t>
-            </a:r>
-          </a:p>
-          <a:p>
-            <a:r>
-              <a:rPr lang="fr-FR" dirty="0" smtClean="0"/>
-              <a:t>L’importance de cette application pour nous se révèle plus grande dans nos pays d’origine sous-développés notamment la Guinée. Le système éducatif n’est pas évolution dans la gestion des activités en ligne.</a:t>
-            </a:r>
-          </a:p>
-          <a:p>
-            <a:r>
-              <a:rPr lang="fr-FR" dirty="0" smtClean="0"/>
-              <a:t>Nous remercions également la disponibilité du tuteur pour toutes les fois où nous l’avons interpelé. Egalement un merci à l’entreprise Orange Guinée qui a bien voulu nous accepter dans leurs locaux les weekends pour profiter leur connexion haut débit.</a:t>
-            </a:r>
-            <a:endParaRPr lang="fr-FR" dirty="0"/>
+          <a:bodyPr>
+            <a:normAutofit/>
+          </a:bodyPr>
+          <a:lstStyle/>
+          <a:p>
+            <a:r>
+              <a:rPr lang="fr-FR" dirty="0">
+                <a:latin typeface="Times New Roman" panose="02020603050405020304" pitchFamily="18" charset="0"/>
+                <a:cs typeface="Times New Roman" panose="02020603050405020304" pitchFamily="18" charset="0"/>
+              </a:rPr>
+              <a:t>Ce projet a été une expérience  enrichissante dans la mesure où nous avons été amenés à découvrir d’autres outils que nous ne connaissions pas jusque là. </a:t>
+            </a:r>
+          </a:p>
+          <a:p>
+            <a:r>
+              <a:rPr lang="fr-FR" dirty="0">
+                <a:latin typeface="Times New Roman" panose="02020603050405020304" pitchFamily="18" charset="0"/>
+                <a:cs typeface="Times New Roman" panose="02020603050405020304" pitchFamily="18" charset="0"/>
+              </a:rPr>
+              <a:t>L’importance de cette application pour nous se révèle plus grande dans nos pays d’origine sous-développé notamment la Guinée. Le système éducatif n’est pas évolué dans la gestion des activités en ligne.</a:t>
+            </a:r>
+          </a:p>
+          <a:p>
+            <a:r>
+              <a:rPr lang="fr-FR" dirty="0">
+                <a:latin typeface="Times New Roman" panose="02020603050405020304" pitchFamily="18" charset="0"/>
+                <a:cs typeface="Times New Roman" panose="02020603050405020304" pitchFamily="18" charset="0"/>
+              </a:rPr>
+              <a:t>Nous remercions également la disponibilité du tuteur pour toutes les fois où nous avons eu besoin de lui. Ses critiques et suggestions nous ont été d’une grande aide pour la réalisation de ce projet. Egalement un merci à l’entreprise Orange Guinée qui a bien voulu nous accepter dans leurs locaux les weekends pour profiter leur connexion haut débit.</a:t>
+            </a:r>
+          </a:p>
+        </p:txBody>
+      </p:sp>
+      <p:sp>
+        <p:nvSpPr>
+          <p:cNvPr id="4" name="Espace réservé du numéro de diapositive 3">
+            <a:extLst>
+              <a:ext uri="{FF2B5EF4-FFF2-40B4-BE49-F238E27FC236}">
+                <a16:creationId xmlns:a16="http://schemas.microsoft.com/office/drawing/2014/main" id="{FD989A38-D270-904D-AB68-2BBE9DE536C2}"/>
+              </a:ext>
+            </a:extLst>
+          </p:cNvPr>
+          <p:cNvSpPr>
+            <a:spLocks noGrp="1"/>
+          </p:cNvSpPr>
+          <p:nvPr>
+            <p:ph type="sldNum" sz="quarter" idx="12"/>
+          </p:nvPr>
+        </p:nvSpPr>
+        <p:spPr/>
+        <p:txBody>
+          <a:bodyPr vert="horz" lIns="91440" tIns="45720" rIns="91440" bIns="45720" rtlCol="0" anchor="ctr">
+            <a:scene3d>
+              <a:camera prst="orthographicFront">
+                <a:rot lat="0" lon="0" rev="0"/>
+              </a:camera>
+              <a:lightRig rig="threePt" dir="t"/>
+            </a:scene3d>
+            <a:sp3d extrusionH="57150" contourW="12700">
+              <a:bevelT w="38100" h="38100" prst="relaxedInset"/>
+              <a:contourClr>
+                <a:schemeClr val="bg2"/>
+              </a:contourClr>
+            </a:sp3d>
+          </a:bodyPr>
+          <a:lstStyle/>
+          <a:p>
+            <a:fld id="{E1F2DA6C-65BD-4D8D-B230-55EC7852561B}" type="slidenum">
+              <a:rPr lang="fr-FR" sz="1800" b="1">
+                <a:latin typeface="Cambria" panose="02040503050406030204" pitchFamily="18" charset="0"/>
+              </a:rPr>
+              <a:pPr/>
+              <a:t>14</a:t>
+            </a:fld>
+            <a:endParaRPr lang="fr-FR" sz="1800" b="1" dirty="0">
+              <a:latin typeface="Cambria" panose="02040503050406030204" pitchFamily="18" charset="0"/>
+            </a:endParaRPr>
           </a:p>
         </p:txBody>
       </p:sp>
@@ -4396,11 +7477,14 @@
           <a:bodyPr/>
           <a:lstStyle/>
           <a:p>
-            <a:r>
-              <a:rPr lang="fr-FR" dirty="0" smtClean="0"/>
+            <a:pPr algn="ctr"/>
+            <a:r>
+              <a:rPr lang="fr-FR" dirty="0">
+                <a:latin typeface="Times New Roman" panose="02020603050405020304" pitchFamily="18" charset="0"/>
+                <a:cs typeface="Times New Roman" panose="02020603050405020304" pitchFamily="18" charset="0"/>
+              </a:rPr>
               <a:t>SOMMAIRE	</a:t>
             </a:r>
-            <a:endParaRPr lang="fr-FR" dirty="0"/>
           </a:p>
         </p:txBody>
       </p:sp>
@@ -4428,7 +7512,10 @@
           <a:p>
             <a:pPr algn="l"/>
             <a:r>
-              <a:rPr lang="fr-FR" dirty="0" smtClean="0"/>
+              <a:rPr lang="fr-FR" dirty="0">
+                <a:latin typeface="Times New Roman" panose="02020603050405020304" pitchFamily="18" charset="0"/>
+                <a:cs typeface="Times New Roman" panose="02020603050405020304" pitchFamily="18" charset="0"/>
+              </a:rPr>
               <a:t>Introduction</a:t>
             </a:r>
           </a:p>
@@ -4438,7 +7525,10 @@
               <a:buAutoNum type="arabicPeriod"/>
             </a:pPr>
             <a:r>
-              <a:rPr lang="fr-FR" dirty="0" smtClean="0"/>
+              <a:rPr lang="fr-FR" dirty="0">
+                <a:latin typeface="Times New Roman" panose="02020603050405020304" pitchFamily="18" charset="0"/>
+                <a:cs typeface="Times New Roman" panose="02020603050405020304" pitchFamily="18" charset="0"/>
+              </a:rPr>
               <a:t>Conduite de projet</a:t>
             </a:r>
           </a:p>
@@ -4448,7 +7538,10 @@
               <a:buAutoNum type="arabicPeriod"/>
             </a:pPr>
             <a:r>
-              <a:rPr lang="fr-FR" dirty="0" smtClean="0"/>
+              <a:rPr lang="fr-FR" dirty="0">
+                <a:latin typeface="Times New Roman" panose="02020603050405020304" pitchFamily="18" charset="0"/>
+                <a:cs typeface="Times New Roman" panose="02020603050405020304" pitchFamily="18" charset="0"/>
+              </a:rPr>
               <a:t>Analyse et conception</a:t>
             </a:r>
           </a:p>
@@ -4458,7 +7551,10 @@
               <a:buAutoNum type="arabicPeriod"/>
             </a:pPr>
             <a:r>
-              <a:rPr lang="fr-FR" dirty="0" smtClean="0"/>
+              <a:rPr lang="fr-FR" dirty="0">
+                <a:latin typeface="Times New Roman" panose="02020603050405020304" pitchFamily="18" charset="0"/>
+                <a:cs typeface="Times New Roman" panose="02020603050405020304" pitchFamily="18" charset="0"/>
+              </a:rPr>
               <a:t> Choix d’implémentation</a:t>
             </a:r>
           </a:p>
@@ -4468,7 +7564,10 @@
               <a:buAutoNum type="arabicPeriod"/>
             </a:pPr>
             <a:r>
-              <a:rPr lang="fr-FR" dirty="0" smtClean="0"/>
+              <a:rPr lang="fr-FR" dirty="0">
+                <a:latin typeface="Times New Roman" panose="02020603050405020304" pitchFamily="18" charset="0"/>
+                <a:cs typeface="Times New Roman" panose="02020603050405020304" pitchFamily="18" charset="0"/>
+              </a:rPr>
               <a:t>Organisation de l’application</a:t>
             </a:r>
           </a:p>
@@ -4478,12 +7577,11 @@
               <a:buAutoNum type="arabicPeriod"/>
             </a:pPr>
             <a:r>
-              <a:rPr lang="fr-FR" dirty="0"/>
-              <a:t>D</a:t>
-            </a:r>
-            <a:r>
-              <a:rPr lang="fr-FR" dirty="0" smtClean="0"/>
-              <a:t>émonstration de quelques fonctionnalités</a:t>
+              <a:rPr lang="fr-FR" dirty="0">
+                <a:latin typeface="Times New Roman" panose="02020603050405020304" pitchFamily="18" charset="0"/>
+                <a:cs typeface="Times New Roman" panose="02020603050405020304" pitchFamily="18" charset="0"/>
+              </a:rPr>
+              <a:t>Démonstration de quelques fonctionnalités</a:t>
             </a:r>
           </a:p>
           <a:p>
@@ -4492,16 +7590,73 @@
               <a:buAutoNum type="arabicPeriod"/>
             </a:pPr>
             <a:r>
-              <a:rPr lang="fr-FR" dirty="0" smtClean="0"/>
+              <a:rPr lang="fr-FR" dirty="0">
+                <a:latin typeface="Times New Roman" panose="02020603050405020304" pitchFamily="18" charset="0"/>
+                <a:cs typeface="Times New Roman" panose="02020603050405020304" pitchFamily="18" charset="0"/>
+              </a:rPr>
               <a:t>Changement pendant le développement et difficultés</a:t>
             </a:r>
           </a:p>
           <a:p>
             <a:pPr algn="l"/>
             <a:r>
-              <a:rPr lang="fr-FR" dirty="0" smtClean="0"/>
+              <a:rPr lang="fr-FR" dirty="0">
+                <a:latin typeface="Times New Roman" panose="02020603050405020304" pitchFamily="18" charset="0"/>
+                <a:cs typeface="Times New Roman" panose="02020603050405020304" pitchFamily="18" charset="0"/>
+              </a:rPr>
               <a:t>Conclusion</a:t>
             </a:r>
+          </a:p>
+        </p:txBody>
+      </p:sp>
+      <p:sp>
+        <p:nvSpPr>
+          <p:cNvPr id="4" name="Espace réservé du numéro de diapositive 3">
+            <a:extLst>
+              <a:ext uri="{FF2B5EF4-FFF2-40B4-BE49-F238E27FC236}">
+                <a16:creationId xmlns:a16="http://schemas.microsoft.com/office/drawing/2014/main" id="{8D598177-5ED5-F44A-A626-C3AB4B6E7D89}"/>
+              </a:ext>
+            </a:extLst>
+          </p:cNvPr>
+          <p:cNvSpPr>
+            <a:spLocks noGrp="1"/>
+          </p:cNvSpPr>
+          <p:nvPr>
+            <p:ph type="sldNum" sz="quarter" idx="12"/>
+          </p:nvPr>
+        </p:nvSpPr>
+        <p:spPr>
+          <a:xfrm>
+            <a:off x="8772144" y="1358106"/>
+            <a:ext cx="2743200" cy="365125"/>
+          </a:xfrm>
+        </p:spPr>
+        <p:txBody>
+          <a:bodyPr>
+            <a:scene3d>
+              <a:camera prst="orthographicFront">
+                <a:rot lat="0" lon="0" rev="0"/>
+              </a:camera>
+              <a:lightRig rig="threePt" dir="t"/>
+            </a:scene3d>
+            <a:sp3d extrusionH="57150" contourW="12700">
+              <a:bevelT w="38100" h="38100" prst="relaxedInset"/>
+              <a:contourClr>
+                <a:schemeClr val="bg2"/>
+              </a:contourClr>
+            </a:sp3d>
+          </a:bodyPr>
+          <a:lstStyle/>
+          <a:p>
+            <a:fld id="{E1F2DA6C-65BD-4D8D-B230-55EC7852561B}" type="slidenum">
+              <a:rPr lang="fr-FR" sz="1800" b="1" smtClean="0">
+                <a:latin typeface="Cambria" panose="02040503050406030204" pitchFamily="18" charset="0"/>
+              </a:rPr>
+              <a:t>2</a:t>
+            </a:fld>
+            <a:endParaRPr lang="fr-FR" sz="1800" b="1" dirty="0">
+              <a:latin typeface="Cambria" panose="02040503050406030204" pitchFamily="18" charset="0"/>
+            </a:endParaRPr>
           </a:p>
         </p:txBody>
       </p:sp>
@@ -4515,13 +7670,6 @@
   <p:clrMapOvr>
     <a:masterClrMapping/>
   </p:clrMapOvr>
-  <p:timing>
-    <p:tnLst>
-      <p:par>
-        <p:cTn id="1" dur="indefinite" restart="never" nodeType="tmRoot"/>
-      </p:par>
-    </p:tnLst>
-  </p:timing>
 </p:sld>
 </file>
 
@@ -4557,11 +7705,14 @@
           <a:bodyPr/>
           <a:lstStyle/>
           <a:p>
-            <a:r>
-              <a:rPr lang="fr-FR" dirty="0" smtClean="0"/>
-              <a:t>Introduction</a:t>
-            </a:r>
-            <a:endParaRPr lang="fr-FR" dirty="0"/>
+            <a:pPr algn="ctr"/>
+            <a:r>
+              <a:rPr lang="fr-FR" b="1" dirty="0">
+                <a:latin typeface="Times New Roman" panose="02020603050405020304" pitchFamily="18" charset="0"/>
+                <a:cs typeface="Times New Roman" panose="02020603050405020304" pitchFamily="18" charset="0"/>
+              </a:rPr>
+              <a:t>INTRODUCTION:</a:t>
+            </a:r>
           </a:p>
         </p:txBody>
       </p:sp>
@@ -4585,25 +7736,83 @@
             <a:pPr marL="0" indent="0">
               <a:buNone/>
             </a:pPr>
-            <a:endParaRPr lang="fr-FR" dirty="0" smtClean="0"/>
+            <a:endParaRPr lang="fr-FR" dirty="0">
+              <a:latin typeface="Times New Roman" panose="02020603050405020304" pitchFamily="18" charset="0"/>
+              <a:cs typeface="Times New Roman" panose="02020603050405020304" pitchFamily="18" charset="0"/>
+            </a:endParaRPr>
           </a:p>
           <a:p>
             <a:pPr marL="0" indent="0" algn="just">
               <a:buNone/>
             </a:pPr>
             <a:r>
-              <a:rPr lang="fr-FR" dirty="0" smtClean="0"/>
-              <a:t>Dans le cadre du projet thématique (module C605) nous avons choisi comme sujet « Application web de rendu de devoir » consistant à la création d’une application web de gestion des rendus de devoir en ligne. </a:t>
-            </a:r>
-            <a:r>
-              <a:rPr lang="fr-FR" dirty="0"/>
-              <a:t>Ce projet a été initié en vue de pallier aux </a:t>
-            </a:r>
-            <a:r>
-              <a:rPr lang="fr-FR" dirty="0" smtClean="0"/>
-              <a:t>problèmes dû à l’envoi des traités de devoirs par mail et les aléas qui y sont associés.</a:t>
-            </a:r>
-            <a:endParaRPr lang="fr-FR" dirty="0"/>
+              <a:rPr lang="fr-FR" dirty="0">
+                <a:latin typeface="Times New Roman" panose="02020603050405020304" pitchFamily="18" charset="0"/>
+                <a:cs typeface="Times New Roman" panose="02020603050405020304" pitchFamily="18" charset="0"/>
+              </a:rPr>
+              <a:t>Dans le cadre du projet thématique (module C605) nous avons choisi comme sujet « Application web de rendu de devoir » consistant à la création d’une application web de gestion des rendus de devoir en ligne. Ce projet a été initié en vue de pallier aux problèmes </a:t>
+            </a:r>
+            <a:r>
+              <a:rPr lang="fr-FR" dirty="0" err="1">
+                <a:latin typeface="Times New Roman" panose="02020603050405020304" pitchFamily="18" charset="0"/>
+                <a:cs typeface="Times New Roman" panose="02020603050405020304" pitchFamily="18" charset="0"/>
+              </a:rPr>
+              <a:t>dûs</a:t>
+            </a:r>
+            <a:r>
+              <a:rPr lang="fr-FR" dirty="0">
+                <a:latin typeface="Times New Roman" panose="02020603050405020304" pitchFamily="18" charset="0"/>
+                <a:cs typeface="Times New Roman" panose="02020603050405020304" pitchFamily="18" charset="0"/>
+              </a:rPr>
+              <a:t> à l’envoi des traités de devoirs par mail et les aléas qui y sont associés.</a:t>
+            </a:r>
+          </a:p>
+        </p:txBody>
+      </p:sp>
+      <p:sp>
+        <p:nvSpPr>
+          <p:cNvPr id="4" name="Espace réservé du numéro de diapositive 3">
+            <a:extLst>
+              <a:ext uri="{FF2B5EF4-FFF2-40B4-BE49-F238E27FC236}">
+                <a16:creationId xmlns:a16="http://schemas.microsoft.com/office/drawing/2014/main" id="{967BB20F-D9FA-1342-A588-6FEB892E75B6}"/>
+              </a:ext>
+            </a:extLst>
+          </p:cNvPr>
+          <p:cNvSpPr>
+            <a:spLocks noGrp="1"/>
+          </p:cNvSpPr>
+          <p:nvPr>
+            <p:ph type="sldNum" sz="quarter" idx="12"/>
+          </p:nvPr>
+        </p:nvSpPr>
+        <p:spPr/>
+        <p:txBody>
+          <a:bodyPr vert="horz" lIns="91440" tIns="45720" rIns="91440" bIns="45720" rtlCol="0" anchor="ctr">
+            <a:scene3d>
+              <a:camera prst="orthographicFront">
+                <a:rot lat="0" lon="0" rev="0"/>
+              </a:camera>
+              <a:lightRig rig="threePt" dir="t"/>
+            </a:scene3d>
+            <a:sp3d extrusionH="57150" contourW="12700">
+              <a:bevelT w="38100" h="38100" prst="relaxedInset"/>
+              <a:contourClr>
+                <a:schemeClr val="bg2"/>
+              </a:contourClr>
+            </a:sp3d>
+          </a:bodyPr>
+          <a:lstStyle/>
+          <a:p>
+            <a:fld id="{E1F2DA6C-65BD-4D8D-B230-55EC7852561B}" type="slidenum">
+              <a:rPr lang="fr-FR" sz="1800" b="1">
+                <a:latin typeface="Cambria" panose="02040503050406030204" pitchFamily="18" charset="0"/>
+              </a:rPr>
+              <a:pPr/>
+              <a:t>3</a:t>
+            </a:fld>
+            <a:endParaRPr lang="fr-FR" sz="1800" b="1" dirty="0">
+              <a:latin typeface="Cambria" panose="02040503050406030204" pitchFamily="18" charset="0"/>
+            </a:endParaRPr>
           </a:p>
         </p:txBody>
       </p:sp>
@@ -4649,14 +7858,19 @@
         </p:nvSpPr>
         <p:spPr/>
         <p:txBody>
-          <a:bodyPr/>
-          <a:lstStyle/>
-          <a:p>
-            <a:r>
-              <a:rPr lang="fr-FR" dirty="0" smtClean="0"/>
-              <a:t>1- Conduite de projet	</a:t>
-            </a:r>
-            <a:endParaRPr lang="fr-FR" dirty="0"/>
+          <a:bodyPr>
+            <a:normAutofit/>
+          </a:bodyPr>
+          <a:lstStyle/>
+          <a:p>
+            <a:pPr algn="ctr"/>
+            <a:r>
+              <a:rPr lang="fr-FR" b="1" dirty="0">
+                <a:latin typeface="Times New Roman" panose="02020603050405020304" pitchFamily="18" charset="0"/>
+                <a:cs typeface="Times New Roman" panose="02020603050405020304" pitchFamily="18" charset="0"/>
+              </a:rPr>
+              <a:t>1- CONDUITE DE PROJET:	</a:t>
+            </a:r>
           </a:p>
         </p:txBody>
       </p:sp>
@@ -4678,67 +7892,140 @@
         </p:spPr>
         <p:txBody>
           <a:bodyPr>
-            <a:normAutofit fontScale="92500" lnSpcReduction="20000"/>
+            <a:normAutofit/>
           </a:bodyPr>
           <a:lstStyle/>
           <a:p>
             <a:r>
-              <a:rPr lang="fr-FR" dirty="0" smtClean="0"/>
+              <a:rPr lang="fr-FR" dirty="0">
+                <a:latin typeface="Times New Roman" panose="02020603050405020304" pitchFamily="18" charset="0"/>
+                <a:cs typeface="Times New Roman" panose="02020603050405020304" pitchFamily="18" charset="0"/>
+              </a:rPr>
               <a:t>La méthode utilisée est la méthode agile plus précisément celle adaptative du point de vue de sa très grande flexibilité.</a:t>
             </a:r>
           </a:p>
           <a:p>
             <a:r>
-              <a:rPr lang="fr-FR" dirty="0" smtClean="0"/>
-              <a:t>Nous l’avons jugée adéquate car toutes les fonctionnalités n’étaient pas clairement  définies dans le projet de départ. Donc nous avions besoin de conduire le projet de façon à ce que les changements soient acceptés au cours du projet.</a:t>
-            </a:r>
-          </a:p>
-          <a:p>
-            <a:r>
-              <a:rPr lang="fr-FR" dirty="0" smtClean="0"/>
+              <a:rPr lang="fr-FR" dirty="0">
+                <a:latin typeface="Times New Roman" panose="02020603050405020304" pitchFamily="18" charset="0"/>
+                <a:cs typeface="Times New Roman" panose="02020603050405020304" pitchFamily="18" charset="0"/>
+              </a:rPr>
+              <a:t>Nous l’avons jugée adéquate car toutes les fonctionnalités n’étaient pas clairement  définies dans le projet de départ. Donc nous avions eu besoin de conduire le projet de façon à ce que les changements soient acceptés au cours du projet.</a:t>
+            </a:r>
+          </a:p>
+          <a:p>
+            <a:r>
+              <a:rPr lang="fr-FR" dirty="0">
+                <a:latin typeface="Times New Roman" panose="02020603050405020304" pitchFamily="18" charset="0"/>
+                <a:cs typeface="Times New Roman" panose="02020603050405020304" pitchFamily="18" charset="0"/>
+              </a:rPr>
               <a:t>Ainsi avec le client nous avions valider un cahier de charges définissant toutes les fonctionnalités essentielles pour cadrer le développement.</a:t>
             </a:r>
           </a:p>
           <a:p>
             <a:r>
-              <a:rPr lang="fr-FR" dirty="0" smtClean="0"/>
+              <a:rPr lang="fr-FR" dirty="0">
+                <a:latin typeface="Times New Roman" panose="02020603050405020304" pitchFamily="18" charset="0"/>
+                <a:cs typeface="Times New Roman" panose="02020603050405020304" pitchFamily="18" charset="0"/>
+              </a:rPr>
               <a:t>La répartition s’est faite comme suit:</a:t>
             </a:r>
           </a:p>
           <a:p>
             <a:pPr lvl="1"/>
             <a:r>
-              <a:rPr lang="fr-FR" dirty="0" smtClean="0"/>
+              <a:rPr lang="fr-FR" dirty="0">
+                <a:latin typeface="Times New Roman" panose="02020603050405020304" pitchFamily="18" charset="0"/>
+                <a:cs typeface="Times New Roman" panose="02020603050405020304" pitchFamily="18" charset="0"/>
+              </a:rPr>
               <a:t>Analyse et conception: Abdoulaye Sow</a:t>
             </a:r>
           </a:p>
           <a:p>
             <a:pPr lvl="1"/>
             <a:r>
-              <a:rPr lang="fr-FR" dirty="0" smtClean="0"/>
+              <a:rPr lang="fr-FR" dirty="0">
+                <a:latin typeface="Times New Roman" panose="02020603050405020304" pitchFamily="18" charset="0"/>
+                <a:cs typeface="Times New Roman" panose="02020603050405020304" pitchFamily="18" charset="0"/>
+              </a:rPr>
               <a:t>Choix d’implémentation et outils: Mamadou Hambaliou Diallo</a:t>
             </a:r>
           </a:p>
           <a:p>
             <a:pPr lvl="1"/>
             <a:r>
-              <a:rPr lang="fr-FR" dirty="0" smtClean="0"/>
+              <a:rPr lang="fr-FR" dirty="0">
+                <a:latin typeface="Times New Roman" panose="02020603050405020304" pitchFamily="18" charset="0"/>
+                <a:cs typeface="Times New Roman" panose="02020603050405020304" pitchFamily="18" charset="0"/>
+              </a:rPr>
               <a:t>Organisation technique de l’application: à Deux</a:t>
             </a:r>
           </a:p>
           <a:p>
             <a:pPr lvl="1"/>
             <a:r>
-              <a:rPr lang="fr-FR" dirty="0" smtClean="0"/>
+              <a:rPr lang="fr-FR" dirty="0">
+                <a:latin typeface="Times New Roman" panose="02020603050405020304" pitchFamily="18" charset="0"/>
+                <a:cs typeface="Times New Roman" panose="02020603050405020304" pitchFamily="18" charset="0"/>
+              </a:rPr>
               <a:t>Développement des fonctionnalités: à Deux (pendant les weekend sur le même site)</a:t>
             </a:r>
           </a:p>
           <a:p>
             <a:r>
-              <a:rPr lang="fr-FR" dirty="0" smtClean="0"/>
+              <a:rPr lang="fr-FR" dirty="0">
+                <a:latin typeface="Times New Roman" panose="02020603050405020304" pitchFamily="18" charset="0"/>
+                <a:cs typeface="Times New Roman" panose="02020603050405020304" pitchFamily="18" charset="0"/>
+              </a:rPr>
               <a:t>La validation des étapes successives s’est faite par mail avec le tuteur (client dans le cadre de notre projet) Laurent Josse.</a:t>
             </a:r>
-            <a:endParaRPr lang="fr-FR" dirty="0"/>
+          </a:p>
+        </p:txBody>
+      </p:sp>
+      <p:sp>
+        <p:nvSpPr>
+          <p:cNvPr id="4" name="Espace réservé du numéro de diapositive 3">
+            <a:extLst>
+              <a:ext uri="{FF2B5EF4-FFF2-40B4-BE49-F238E27FC236}">
+                <a16:creationId xmlns:a16="http://schemas.microsoft.com/office/drawing/2014/main" id="{DFDF332D-06CE-3242-ABDF-93601B2E6F09}"/>
+              </a:ext>
+            </a:extLst>
+          </p:cNvPr>
+          <p:cNvSpPr>
+            <a:spLocks noGrp="1"/>
+          </p:cNvSpPr>
+          <p:nvPr>
+            <p:ph type="sldNum" sz="quarter" idx="12"/>
+          </p:nvPr>
+        </p:nvSpPr>
+        <p:spPr/>
+        <p:txBody>
+          <a:bodyPr vert="horz" lIns="91440" tIns="45720" rIns="91440" bIns="45720" rtlCol="0" anchor="ctr">
+            <a:scene3d>
+              <a:camera prst="orthographicFront">
+                <a:rot lat="0" lon="0" rev="0"/>
+              </a:camera>
+              <a:lightRig rig="threePt" dir="t"/>
+            </a:scene3d>
+            <a:sp3d extrusionH="57150" contourW="12700">
+              <a:bevelT w="38100" h="38100" prst="relaxedInset"/>
+              <a:contourClr>
+                <a:schemeClr val="bg2"/>
+              </a:contourClr>
+            </a:sp3d>
+          </a:bodyPr>
+          <a:lstStyle/>
+          <a:p>
+            <a:fld id="{E1F2DA6C-65BD-4D8D-B230-55EC7852561B}" type="slidenum">
+              <a:rPr lang="fr-FR" sz="1800" b="1">
+                <a:latin typeface="Cambria" panose="02040503050406030204" pitchFamily="18" charset="0"/>
+              </a:rPr>
+              <a:pPr/>
+              <a:t>4</a:t>
+            </a:fld>
+            <a:endParaRPr lang="fr-FR" sz="1800" b="1" dirty="0">
+              <a:latin typeface="Cambria" panose="02040503050406030204" pitchFamily="18" charset="0"/>
+            </a:endParaRPr>
           </a:p>
         </p:txBody>
       </p:sp>
@@ -4794,15 +8081,14 @@
           </a:bodyPr>
           <a:lstStyle/>
           <a:p>
-            <a:r>
-              <a:rPr lang="fr-FR" dirty="0" smtClean="0"/>
-              <a:t>2-</a:t>
-            </a:r>
-            <a:r>
-              <a:rPr lang="fr-FR" dirty="0" smtClean="0"/>
-              <a:t>Analyse et conception</a:t>
-            </a:r>
-            <a:endParaRPr lang="fr-FR" dirty="0"/>
+            <a:pPr algn="ctr"/>
+            <a:r>
+              <a:rPr lang="fr-FR" b="1" dirty="0">
+                <a:latin typeface="Times New Roman" panose="02020603050405020304" pitchFamily="18" charset="0"/>
+                <a:cs typeface="Times New Roman" panose="02020603050405020304" pitchFamily="18" charset="0"/>
+              </a:rPr>
+              <a:t>2-ANALYSE ET CONCEPTION:</a:t>
+            </a:r>
           </a:p>
         </p:txBody>
       </p:sp>
@@ -4824,97 +8110,182 @@
         </p:spPr>
         <p:txBody>
           <a:bodyPr>
-            <a:normAutofit fontScale="85000" lnSpcReduction="20000"/>
+            <a:normAutofit lnSpcReduction="10000"/>
           </a:bodyPr>
           <a:lstStyle/>
           <a:p>
             <a:r>
-              <a:rPr lang="fr-FR" dirty="0" smtClean="0"/>
+              <a:rPr lang="fr-FR" dirty="0">
+                <a:latin typeface="Times New Roman" panose="02020603050405020304" pitchFamily="18" charset="0"/>
+                <a:cs typeface="Times New Roman" panose="02020603050405020304" pitchFamily="18" charset="0"/>
+              </a:rPr>
               <a:t>Nous avons utilisé la méthode MERISE :</a:t>
             </a:r>
           </a:p>
           <a:p>
             <a:r>
-              <a:rPr lang="fr-FR" dirty="0" smtClean="0"/>
+              <a:rPr lang="fr-FR" dirty="0">
+                <a:latin typeface="Times New Roman" panose="02020603050405020304" pitchFamily="18" charset="0"/>
+                <a:cs typeface="Times New Roman" panose="02020603050405020304" pitchFamily="18" charset="0"/>
+              </a:rPr>
               <a:t>Les entités identifiés sont:</a:t>
             </a:r>
           </a:p>
           <a:p>
             <a:pPr lvl="1"/>
             <a:r>
-              <a:rPr lang="fr-FR" dirty="0" smtClean="0"/>
+              <a:rPr lang="fr-FR" dirty="0">
+                <a:latin typeface="Times New Roman" panose="02020603050405020304" pitchFamily="18" charset="0"/>
+                <a:cs typeface="Times New Roman" panose="02020603050405020304" pitchFamily="18" charset="0"/>
+              </a:rPr>
               <a:t>Les personnes: qui sont les utilisateurs de la plateformes avec le rôle d’étudiant, de professeur ou d’administrateur.</a:t>
             </a:r>
           </a:p>
           <a:p>
             <a:pPr lvl="1"/>
             <a:r>
-              <a:rPr lang="fr-FR" dirty="0" smtClean="0"/>
+              <a:rPr lang="fr-FR" dirty="0">
+                <a:latin typeface="Times New Roman" panose="02020603050405020304" pitchFamily="18" charset="0"/>
+                <a:cs typeface="Times New Roman" panose="02020603050405020304" pitchFamily="18" charset="0"/>
+              </a:rPr>
               <a:t>Les formations: aux quelles appartiennent les personnes de rôle étudiant.</a:t>
             </a:r>
           </a:p>
           <a:p>
             <a:pPr lvl="1"/>
             <a:r>
-              <a:rPr lang="fr-FR" dirty="0" smtClean="0"/>
+              <a:rPr lang="fr-FR" dirty="0">
+                <a:latin typeface="Times New Roman" panose="02020603050405020304" pitchFamily="18" charset="0"/>
+                <a:cs typeface="Times New Roman" panose="02020603050405020304" pitchFamily="18" charset="0"/>
+              </a:rPr>
               <a:t>Les devoirs: qui sont créés par les personnes de rôle professeur et rendus par les personnes de rôle étudiant. </a:t>
             </a:r>
           </a:p>
           <a:p>
             <a:r>
-              <a:rPr lang="fr-FR" dirty="0" smtClean="0"/>
+              <a:rPr lang="fr-FR" dirty="0">
+                <a:latin typeface="Times New Roman" panose="02020603050405020304" pitchFamily="18" charset="0"/>
+                <a:cs typeface="Times New Roman" panose="02020603050405020304" pitchFamily="18" charset="0"/>
+              </a:rPr>
               <a:t>Les relations entre ces différentes entités :</a:t>
             </a:r>
           </a:p>
           <a:p>
             <a:pPr lvl="1"/>
             <a:r>
-              <a:rPr lang="fr-FR" dirty="0" smtClean="0"/>
+              <a:rPr lang="fr-FR" dirty="0">
+                <a:latin typeface="Times New Roman" panose="02020603050405020304" pitchFamily="18" charset="0"/>
+                <a:cs typeface="Times New Roman" panose="02020603050405020304" pitchFamily="18" charset="0"/>
+              </a:rPr>
               <a:t>Une personne de type étudiant appartient à une et une seule formation.</a:t>
             </a:r>
           </a:p>
           <a:p>
             <a:pPr lvl="1"/>
             <a:r>
-              <a:rPr lang="fr-FR" dirty="0" smtClean="0"/>
+              <a:rPr lang="fr-FR" dirty="0">
+                <a:latin typeface="Times New Roman" panose="02020603050405020304" pitchFamily="18" charset="0"/>
+                <a:cs typeface="Times New Roman" panose="02020603050405020304" pitchFamily="18" charset="0"/>
+              </a:rPr>
               <a:t>Une personne de type professeur crée un ou plusieurs devoirs</a:t>
             </a:r>
           </a:p>
           <a:p>
             <a:pPr lvl="1"/>
             <a:r>
-              <a:rPr lang="fr-FR" dirty="0" smtClean="0"/>
+              <a:rPr lang="fr-FR" dirty="0">
+                <a:latin typeface="Times New Roman" panose="02020603050405020304" pitchFamily="18" charset="0"/>
+                <a:cs typeface="Times New Roman" panose="02020603050405020304" pitchFamily="18" charset="0"/>
+              </a:rPr>
               <a:t>Une personne de type étudiant rend un ou plusieurs devoirs</a:t>
             </a:r>
           </a:p>
           <a:p>
             <a:pPr lvl="1"/>
             <a:r>
-              <a:rPr lang="fr-FR" dirty="0" smtClean="0"/>
+              <a:rPr lang="fr-FR" dirty="0">
+                <a:latin typeface="Times New Roman" panose="02020603050405020304" pitchFamily="18" charset="0"/>
+                <a:cs typeface="Times New Roman" panose="02020603050405020304" pitchFamily="18" charset="0"/>
+              </a:rPr>
               <a:t>Un devoir est rendu par un ou plusieurs étudiants</a:t>
             </a:r>
           </a:p>
           <a:p>
             <a:pPr lvl="1"/>
             <a:r>
-              <a:rPr lang="fr-FR" dirty="0" smtClean="0"/>
+              <a:rPr lang="fr-FR" dirty="0">
+                <a:latin typeface="Times New Roman" panose="02020603050405020304" pitchFamily="18" charset="0"/>
+                <a:cs typeface="Times New Roman" panose="02020603050405020304" pitchFamily="18" charset="0"/>
+              </a:rPr>
               <a:t>A une formation appartiennent un ou plusieurs étudiants</a:t>
             </a:r>
           </a:p>
           <a:p>
             <a:pPr lvl="1"/>
             <a:r>
-              <a:rPr lang="fr-FR" dirty="0" smtClean="0"/>
+              <a:rPr lang="fr-FR" dirty="0">
+                <a:latin typeface="Times New Roman" panose="02020603050405020304" pitchFamily="18" charset="0"/>
+                <a:cs typeface="Times New Roman" panose="02020603050405020304" pitchFamily="18" charset="0"/>
+              </a:rPr>
               <a:t>Une formation possède un ou plusieurs devoirs</a:t>
             </a:r>
           </a:p>
           <a:p>
             <a:pPr lvl="1"/>
             <a:r>
-              <a:rPr lang="fr-FR" dirty="0" smtClean="0"/>
+              <a:rPr lang="fr-FR" dirty="0">
+                <a:latin typeface="Times New Roman" panose="02020603050405020304" pitchFamily="18" charset="0"/>
+                <a:cs typeface="Times New Roman" panose="02020603050405020304" pitchFamily="18" charset="0"/>
+              </a:rPr>
               <a:t>Un devoir est affecté à une et une seule formation</a:t>
             </a:r>
-            <a:endParaRPr lang="fr-FR" dirty="0"/>
+          </a:p>
+        </p:txBody>
+      </p:sp>
+      <p:sp>
+        <p:nvSpPr>
+          <p:cNvPr id="4" name="Espace réservé du numéro de diapositive 3">
+            <a:extLst>
+              <a:ext uri="{FF2B5EF4-FFF2-40B4-BE49-F238E27FC236}">
+                <a16:creationId xmlns:a16="http://schemas.microsoft.com/office/drawing/2014/main" id="{BB32859A-3A2C-3C4B-8C12-101CA9842948}"/>
+              </a:ext>
+            </a:extLst>
+          </p:cNvPr>
+          <p:cNvSpPr>
+            <a:spLocks noGrp="1"/>
+          </p:cNvSpPr>
+          <p:nvPr>
+            <p:ph type="sldNum" sz="quarter" idx="12"/>
+          </p:nvPr>
+        </p:nvSpPr>
+        <p:spPr/>
+        <p:txBody>
+          <a:bodyPr vert="horz" lIns="91440" tIns="45720" rIns="91440" bIns="45720" rtlCol="0" anchor="ctr">
+            <a:scene3d>
+              <a:camera prst="orthographicFront">
+                <a:rot lat="0" lon="0" rev="0"/>
+              </a:camera>
+              <a:lightRig rig="threePt" dir="t"/>
+            </a:scene3d>
+            <a:sp3d extrusionH="57150" contourW="12700">
+              <a:bevelT w="38100" h="38100" prst="relaxedInset"/>
+              <a:contourClr>
+                <a:schemeClr val="bg2"/>
+              </a:contourClr>
+            </a:sp3d>
+          </a:bodyPr>
+          <a:lstStyle/>
+          <a:p>
+            <a:fld id="{E1F2DA6C-65BD-4D8D-B230-55EC7852561B}" type="slidenum">
+              <a:rPr lang="fr-FR" sz="1800" b="1">
+                <a:latin typeface="Cambria" panose="02040503050406030204" pitchFamily="18" charset="0"/>
+              </a:rPr>
+              <a:pPr/>
+              <a:t>5</a:t>
+            </a:fld>
+            <a:endParaRPr lang="fr-FR" sz="1800" b="1" dirty="0">
+              <a:latin typeface="Cambria" panose="02040503050406030204" pitchFamily="18" charset="0"/>
+            </a:endParaRPr>
           </a:p>
         </p:txBody>
       </p:sp>
@@ -4968,11 +8339,14 @@
           <a:bodyPr/>
           <a:lstStyle/>
           <a:p>
-            <a:r>
-              <a:rPr lang="fr-FR" dirty="0" smtClean="0"/>
-              <a:t>2-Analyse et conception</a:t>
-            </a:r>
-            <a:endParaRPr lang="fr-FR" dirty="0"/>
+            <a:pPr algn="ctr"/>
+            <a:r>
+              <a:rPr lang="fr-FR" b="1" dirty="0">
+                <a:latin typeface="Times New Roman" panose="02020603050405020304" pitchFamily="18" charset="0"/>
+                <a:cs typeface="Times New Roman" panose="02020603050405020304" pitchFamily="18" charset="0"/>
+              </a:rPr>
+              <a:t>2-ANALYSE ET CONCEPTION:</a:t>
+            </a:r>
           </a:p>
         </p:txBody>
       </p:sp>
@@ -4999,13 +8373,19 @@
           <a:lstStyle/>
           <a:p>
             <a:r>
-              <a:rPr lang="fr-FR" dirty="0" smtClean="0"/>
+              <a:rPr lang="fr-FR" dirty="0">
+                <a:latin typeface="Times New Roman" panose="02020603050405020304" pitchFamily="18" charset="0"/>
+                <a:cs typeface="Times New Roman" panose="02020603050405020304" pitchFamily="18" charset="0"/>
+              </a:rPr>
               <a:t>Sur la conception, nous avons la partie des données notamment le MCD et MLD, et les traitements  le MCT et le MOT. Nous vous invitons à ouvrir les fichiers ci-dessous pour une meilleure vue:</a:t>
             </a:r>
           </a:p>
           <a:p>
             <a:r>
-              <a:rPr lang="fr-FR" dirty="0" smtClean="0"/>
+              <a:rPr lang="fr-FR" dirty="0">
+                <a:latin typeface="Times New Roman" panose="02020603050405020304" pitchFamily="18" charset="0"/>
+                <a:cs typeface="Times New Roman" panose="02020603050405020304" pitchFamily="18" charset="0"/>
+              </a:rPr>
               <a:t>Le MCD:</a:t>
             </a:r>
           </a:p>
@@ -5013,32 +8393,49 @@
             <a:pPr marL="0" indent="0">
               <a:buNone/>
             </a:pPr>
-            <a:endParaRPr lang="fr-FR" dirty="0" smtClean="0"/>
-          </a:p>
-          <a:p>
-            <a:r>
-              <a:rPr lang="fr-FR" dirty="0" smtClean="0"/>
+            <a:endParaRPr lang="fr-FR" dirty="0">
+              <a:latin typeface="Times New Roman" panose="02020603050405020304" pitchFamily="18" charset="0"/>
+              <a:cs typeface="Times New Roman" panose="02020603050405020304" pitchFamily="18" charset="0"/>
+            </a:endParaRPr>
+          </a:p>
+          <a:p>
+            <a:r>
+              <a:rPr lang="fr-FR" dirty="0">
+                <a:latin typeface="Times New Roman" panose="02020603050405020304" pitchFamily="18" charset="0"/>
+                <a:cs typeface="Times New Roman" panose="02020603050405020304" pitchFamily="18" charset="0"/>
+              </a:rPr>
               <a:t>Le MLD:</a:t>
             </a:r>
           </a:p>
           <a:p>
-            <a:endParaRPr lang="fr-FR" dirty="0" smtClean="0"/>
-          </a:p>
-          <a:p>
-            <a:r>
-              <a:rPr lang="fr-FR" dirty="0" smtClean="0"/>
+            <a:endParaRPr lang="fr-FR" dirty="0">
+              <a:latin typeface="Times New Roman" panose="02020603050405020304" pitchFamily="18" charset="0"/>
+              <a:cs typeface="Times New Roman" panose="02020603050405020304" pitchFamily="18" charset="0"/>
+            </a:endParaRPr>
+          </a:p>
+          <a:p>
+            <a:r>
+              <a:rPr lang="fr-FR" dirty="0">
+                <a:latin typeface="Times New Roman" panose="02020603050405020304" pitchFamily="18" charset="0"/>
+                <a:cs typeface="Times New Roman" panose="02020603050405020304" pitchFamily="18" charset="0"/>
+              </a:rPr>
               <a:t>Le MCT:</a:t>
             </a:r>
           </a:p>
           <a:p>
-            <a:endParaRPr lang="fr-FR" dirty="0"/>
-          </a:p>
-          <a:p>
-            <a:r>
-              <a:rPr lang="fr-FR" dirty="0" smtClean="0"/>
+            <a:endParaRPr lang="fr-FR" dirty="0">
+              <a:latin typeface="Times New Roman" panose="02020603050405020304" pitchFamily="18" charset="0"/>
+              <a:cs typeface="Times New Roman" panose="02020603050405020304" pitchFamily="18" charset="0"/>
+            </a:endParaRPr>
+          </a:p>
+          <a:p>
+            <a:r>
+              <a:rPr lang="fr-FR" dirty="0">
+                <a:latin typeface="Times New Roman" panose="02020603050405020304" pitchFamily="18" charset="0"/>
+                <a:cs typeface="Times New Roman" panose="02020603050405020304" pitchFamily="18" charset="0"/>
+              </a:rPr>
               <a:t>Le MOT:</a:t>
             </a:r>
-            <a:endParaRPr lang="fr-FR" dirty="0"/>
           </a:p>
         </p:txBody>
       </p:sp>
@@ -5051,20 +8448,20 @@
           <p:nvPr>
             <p:extLst>
               <p:ext uri="{D42A27DB-BD31-4B8C-83A1-F6EECF244321}">
-                <p14:modId xmlns:p14="http://schemas.microsoft.com/office/powerpoint/2010/main" val="4199716225"/>
+                <p14:modId xmlns:p14="http://schemas.microsoft.com/office/powerpoint/2010/main" val="12503518"/>
               </p:ext>
             </p:extLst>
           </p:nvPr>
         </p:nvGraphicFramePr>
         <p:xfrm>
-          <a:off x="2442196" y="2624138"/>
+          <a:off x="2646477" y="2625740"/>
           <a:ext cx="1020142" cy="757805"/>
         </p:xfrm>
         <a:graphic>
           <a:graphicData uri="http://schemas.openxmlformats.org/presentationml/2006/ole">
             <mc:AlternateContent xmlns:mc="http://schemas.openxmlformats.org/markup-compatibility/2006">
               <mc:Choice xmlns:v="urn:schemas-microsoft-com:vml" Requires="v">
-                <p:oleObj spid="_x0000_s1069" name="Acrobat Document" showAsIcon="1" r:id="rId3" imgW="380880" imgH="788760" progId="AcroExch.Document.11">
+                <p:oleObj spid="_x0000_s1133" name="Acrobat Document" showAsIcon="1" r:id="rId3" imgW="380880" imgH="788760" progId="AcroExch.Document.11">
                   <p:embed/>
                 </p:oleObj>
               </mc:Choice>
@@ -5088,7 +8485,7 @@
                     </p:blipFill>
                     <p:spPr bwMode="auto">
                       <a:xfrm>
-                        <a:off x="2442196" y="2624138"/>
+                        <a:off x="2646477" y="2625740"/>
                         <a:ext cx="1020142" cy="757805"/>
                       </a:xfrm>
                       <a:prstGeom prst="rect">
@@ -5180,20 +8577,20 @@
           <p:nvPr>
             <p:extLst>
               <p:ext uri="{D42A27DB-BD31-4B8C-83A1-F6EECF244321}">
-                <p14:modId xmlns:p14="http://schemas.microsoft.com/office/powerpoint/2010/main" val="4245838448"/>
+                <p14:modId xmlns:p14="http://schemas.microsoft.com/office/powerpoint/2010/main" val="1461325905"/>
               </p:ext>
             </p:extLst>
           </p:nvPr>
         </p:nvGraphicFramePr>
         <p:xfrm>
-          <a:off x="2442196" y="3636963"/>
+          <a:off x="2646477" y="3618464"/>
           <a:ext cx="1020142" cy="819150"/>
         </p:xfrm>
         <a:graphic>
           <a:graphicData uri="http://schemas.openxmlformats.org/presentationml/2006/ole">
             <mc:AlternateContent xmlns:mc="http://schemas.openxmlformats.org/markup-compatibility/2006">
               <mc:Choice xmlns:v="urn:schemas-microsoft-com:vml" Requires="v">
-                <p:oleObj spid="_x0000_s1070" name="Acrobat Document" showAsIcon="1" r:id="rId5" imgW="380880" imgH="788760" progId="AcroExch.Document.11">
+                <p:oleObj spid="_x0000_s1134" name="Acrobat Document" showAsIcon="1" r:id="rId5" imgW="380880" imgH="788760" progId="AcroExch.Document.11">
                   <p:embed/>
                 </p:oleObj>
               </mc:Choice>
@@ -5217,7 +8614,7 @@
                     </p:blipFill>
                     <p:spPr bwMode="auto">
                       <a:xfrm>
-                        <a:off x="2442196" y="3636963"/>
+                        <a:off x="2646477" y="3618464"/>
                         <a:ext cx="1020142" cy="819150"/>
                       </a:xfrm>
                       <a:prstGeom prst="rect">
@@ -5309,20 +8706,20 @@
           <p:nvPr>
             <p:extLst>
               <p:ext uri="{D42A27DB-BD31-4B8C-83A1-F6EECF244321}">
-                <p14:modId xmlns:p14="http://schemas.microsoft.com/office/powerpoint/2010/main" val="1012934209"/>
+                <p14:modId xmlns:p14="http://schemas.microsoft.com/office/powerpoint/2010/main" val="1740075177"/>
               </p:ext>
             </p:extLst>
           </p:nvPr>
         </p:nvGraphicFramePr>
         <p:xfrm>
-          <a:off x="2442197" y="4709531"/>
+          <a:off x="2631808" y="4709530"/>
           <a:ext cx="1020141" cy="620713"/>
         </p:xfrm>
         <a:graphic>
           <a:graphicData uri="http://schemas.openxmlformats.org/presentationml/2006/ole">
             <mc:AlternateContent xmlns:mc="http://schemas.openxmlformats.org/markup-compatibility/2006">
               <mc:Choice xmlns:v="urn:schemas-microsoft-com:vml" Requires="v">
-                <p:oleObj spid="_x0000_s1071" name="Objet d’environnement du Gestionnaire de liaisons" showAsIcon="1" r:id="rId7" imgW="939738" imgH="618917" progId="Package">
+                <p:oleObj spid="_x0000_s1135" name="Objet d’environnement du Gestionnaire de liaisons" showAsIcon="1" r:id="rId7" imgW="939738" imgH="618917" progId="Package">
                   <p:embed/>
                 </p:oleObj>
               </mc:Choice>
@@ -5352,7 +8749,7 @@
                     </p:blipFill>
                     <p:spPr bwMode="auto">
                       <a:xfrm>
-                        <a:off x="2442197" y="4709531"/>
+                        <a:off x="2631808" y="4709530"/>
                         <a:ext cx="1020141" cy="620713"/>
                       </a:xfrm>
                       <a:prstGeom prst="rect">
@@ -5444,20 +8841,20 @@
           <p:nvPr>
             <p:extLst>
               <p:ext uri="{D42A27DB-BD31-4B8C-83A1-F6EECF244321}">
-                <p14:modId xmlns:p14="http://schemas.microsoft.com/office/powerpoint/2010/main" val="2725016511"/>
+                <p14:modId xmlns:p14="http://schemas.microsoft.com/office/powerpoint/2010/main" val="1453092215"/>
               </p:ext>
             </p:extLst>
           </p:nvPr>
         </p:nvGraphicFramePr>
         <p:xfrm>
-          <a:off x="2442197" y="5688515"/>
+          <a:off x="2631807" y="5688515"/>
           <a:ext cx="1020142" cy="620713"/>
         </p:xfrm>
         <a:graphic>
           <a:graphicData uri="http://schemas.openxmlformats.org/presentationml/2006/ole">
             <mc:AlternateContent xmlns:mc="http://schemas.openxmlformats.org/markup-compatibility/2006">
               <mc:Choice xmlns:v="urn:schemas-microsoft-com:vml" Requires="v">
-                <p:oleObj spid="_x0000_s1072" name="Objet d’environnement du Gestionnaire de liaisons" showAsIcon="1" r:id="rId9" imgW="939738" imgH="618917" progId="Package">
+                <p:oleObj spid="_x0000_s1136" name="Objet d’environnement du Gestionnaire de liaisons" showAsIcon="1" r:id="rId9" imgW="939738" imgH="618917" progId="Package">
                   <p:embed/>
                 </p:oleObj>
               </mc:Choice>
@@ -5487,7 +8884,7 @@
                     </p:blipFill>
                     <p:spPr bwMode="auto">
                       <a:xfrm>
-                        <a:off x="2442197" y="5688515"/>
+                        <a:off x="2631807" y="5688515"/>
                         <a:ext cx="1020142" cy="620713"/>
                       </a:xfrm>
                       <a:prstGeom prst="rect">
@@ -5507,6 +8904,53 @@
           </a:graphicData>
         </a:graphic>
       </p:graphicFrame>
+      <p:sp>
+        <p:nvSpPr>
+          <p:cNvPr id="4" name="Espace réservé du numéro de diapositive 3">
+            <a:extLst>
+              <a:ext uri="{FF2B5EF4-FFF2-40B4-BE49-F238E27FC236}">
+                <a16:creationId xmlns:a16="http://schemas.microsoft.com/office/drawing/2014/main" id="{B3466A69-E932-7947-AFFE-E46C3F769E0F}"/>
+              </a:ext>
+            </a:extLst>
+          </p:cNvPr>
+          <p:cNvSpPr>
+            <a:spLocks noGrp="1"/>
+          </p:cNvSpPr>
+          <p:nvPr>
+            <p:ph type="sldNum" sz="quarter" idx="12"/>
+          </p:nvPr>
+        </p:nvSpPr>
+        <p:spPr/>
+        <p:txBody>
+          <a:bodyPr vert="horz" lIns="91440" tIns="45720" rIns="91440" bIns="45720" rtlCol="0" anchor="ctr">
+            <a:scene3d>
+              <a:camera prst="orthographicFront">
+                <a:rot lat="0" lon="0" rev="0"/>
+              </a:camera>
+              <a:lightRig rig="threePt" dir="t"/>
+            </a:scene3d>
+            <a:sp3d extrusionH="57150" contourW="12700">
+              <a:bevelT w="38100" h="38100" prst="relaxedInset"/>
+              <a:contourClr>
+                <a:schemeClr val="bg2"/>
+              </a:contourClr>
+            </a:sp3d>
+          </a:bodyPr>
+          <a:lstStyle/>
+          <a:p>
+            <a:fld id="{E1F2DA6C-65BD-4D8D-B230-55EC7852561B}" type="slidenum">
+              <a:rPr lang="fr-FR" sz="1800" b="1">
+                <a:latin typeface="Cambria" panose="02040503050406030204" pitchFamily="18" charset="0"/>
+              </a:rPr>
+              <a:pPr/>
+              <a:t>6</a:t>
+            </a:fld>
+            <a:endParaRPr lang="fr-FR" sz="1800" b="1" dirty="0">
+              <a:latin typeface="Cambria" panose="02040503050406030204" pitchFamily="18" charset="0"/>
+            </a:endParaRPr>
+          </a:p>
+        </p:txBody>
+      </p:sp>
     </p:spTree>
     <p:extLst>
       <p:ext uri="{BB962C8B-B14F-4D97-AF65-F5344CB8AC3E}">
@@ -5552,11 +8996,14 @@
           <a:bodyPr/>
           <a:lstStyle/>
           <a:p>
-            <a:r>
-              <a:rPr lang="fr-FR" dirty="0" smtClean="0"/>
-              <a:t>3- Choix d’implémentation</a:t>
-            </a:r>
-            <a:endParaRPr lang="fr-FR" dirty="0"/>
+            <a:pPr algn="ctr"/>
+            <a:r>
+              <a:rPr lang="fr-FR" b="1" dirty="0">
+                <a:latin typeface="Times New Roman" panose="02020603050405020304" pitchFamily="18" charset="0"/>
+                <a:cs typeface="Times New Roman" panose="02020603050405020304" pitchFamily="18" charset="0"/>
+              </a:rPr>
+              <a:t>3- CHOIX D’IMPLÉMENTATION:</a:t>
+            </a:r>
           </a:p>
         </p:txBody>
       </p:sp>
@@ -5573,88 +9020,115 @@
         <p:spPr/>
         <p:txBody>
           <a:bodyPr>
-            <a:normAutofit fontScale="77500" lnSpcReduction="20000"/>
+            <a:normAutofit fontScale="92500" lnSpcReduction="10000"/>
           </a:bodyPr>
           <a:lstStyle/>
           <a:p>
             <a:r>
-              <a:rPr lang="fr-FR" dirty="0" smtClean="0"/>
-              <a:t>Dans un soucis d’aller plus vite et à l’</a:t>
-            </a:r>
-            <a:r>
-              <a:rPr lang="fr-FR" dirty="0"/>
-              <a:t>e</a:t>
-            </a:r>
-            <a:r>
-              <a:rPr lang="fr-FR" dirty="0" smtClean="0"/>
-              <a:t>ssentiel, nous avons opté pour les Framework.</a:t>
-            </a:r>
-          </a:p>
-          <a:p>
-            <a:r>
-              <a:rPr lang="fr-FR" dirty="0" smtClean="0"/>
-              <a:t>Pour la partie PHP, nous avons choisi Laravel qui est un Framework </a:t>
-            </a:r>
-            <a:r>
-              <a:rPr lang="fr-FR" dirty="0"/>
-              <a:t>open source écrit en PHP, orienté objet et qui respecte </a:t>
-            </a:r>
-            <a:r>
-              <a:rPr lang="fr-FR" dirty="0" smtClean="0"/>
-              <a:t>l’architecture MVC </a:t>
-            </a:r>
-            <a:r>
-              <a:rPr lang="fr-FR" dirty="0"/>
-              <a:t>(</a:t>
-            </a:r>
-            <a:r>
-              <a:rPr lang="fr-FR" dirty="0" smtClean="0"/>
-              <a:t>modèle-vue-contrôleur)</a:t>
-            </a:r>
-          </a:p>
-          <a:p>
-            <a:r>
-              <a:rPr lang="fr-FR" dirty="0" smtClean="0"/>
-              <a:t>Pour la CSS(design), nous avons choisi </a:t>
-            </a:r>
-            <a:r>
-              <a:rPr lang="fr-FR" dirty="0"/>
-              <a:t>Bootstrap qui est un </a:t>
-            </a:r>
-            <a:r>
-              <a:rPr lang="fr-FR" dirty="0" smtClean="0"/>
-              <a:t>Framework </a:t>
-            </a:r>
-            <a:r>
-              <a:rPr lang="fr-FR" dirty="0"/>
-              <a:t>CSS qui permet de faire de la mise en forme ou de faire le design d’un site web. Plus facile d’utilisation que le CSS traditionnel car contient des classes déjà prédéfinies et simples d’utilisation</a:t>
-            </a:r>
-            <a:r>
-              <a:rPr lang="fr-FR" dirty="0" smtClean="0"/>
-              <a:t>.</a:t>
-            </a:r>
-          </a:p>
-          <a:p>
-            <a:r>
-              <a:rPr lang="fr-FR" dirty="0" smtClean="0"/>
+              <a:rPr lang="fr-FR" dirty="0">
+                <a:latin typeface="Times New Roman" panose="02020603050405020304" pitchFamily="18" charset="0"/>
+                <a:cs typeface="Times New Roman" panose="02020603050405020304" pitchFamily="18" charset="0"/>
+              </a:rPr>
+              <a:t>Dans un soucis d’aller plus vite et à l’essentiel, nous avons opté pour les Framework.</a:t>
+            </a:r>
+          </a:p>
+          <a:p>
+            <a:r>
+              <a:rPr lang="fr-FR" dirty="0">
+                <a:latin typeface="Times New Roman" panose="02020603050405020304" pitchFamily="18" charset="0"/>
+                <a:cs typeface="Times New Roman" panose="02020603050405020304" pitchFamily="18" charset="0"/>
+              </a:rPr>
+              <a:t>Pour la partie PHP, nous avons choisi Laravel qui est un Framework open source écrit en PHP, orienté objet et qui respecte l’architecture MVC (modèle-vue-contrôleur)</a:t>
+            </a:r>
+          </a:p>
+          <a:p>
+            <a:r>
+              <a:rPr lang="fr-FR" dirty="0">
+                <a:latin typeface="Times New Roman" panose="02020603050405020304" pitchFamily="18" charset="0"/>
+                <a:cs typeface="Times New Roman" panose="02020603050405020304" pitchFamily="18" charset="0"/>
+              </a:rPr>
+              <a:t>Pour la CSS(design), nous avons choisi Bootstrap qui est un Framework CSS qui permet de faire de la mise en forme ou de faire le design d’un site web. Plus facile d’utilisation que le CSS traditionnel car contient des classes déjà prédéfinies et simples d’utilisation.</a:t>
+            </a:r>
+          </a:p>
+          <a:p>
+            <a:r>
+              <a:rPr lang="fr-FR" dirty="0">
+                <a:latin typeface="Times New Roman" panose="02020603050405020304" pitchFamily="18" charset="0"/>
+                <a:cs typeface="Times New Roman" panose="02020603050405020304" pitchFamily="18" charset="0"/>
+              </a:rPr>
               <a:t>Pour le JavaScript, nous avons utilisé du Vue.js. C’est un Framework évolutif permettant des interfaces utilisateurs à usage simple. Il est également intégré dans Laravel</a:t>
             </a:r>
           </a:p>
           <a:p>
             <a:r>
-              <a:rPr lang="fr-FR" dirty="0" smtClean="0"/>
+              <a:rPr lang="fr-FR" dirty="0">
+                <a:latin typeface="Times New Roman" panose="02020603050405020304" pitchFamily="18" charset="0"/>
+                <a:cs typeface="Times New Roman" panose="02020603050405020304" pitchFamily="18" charset="0"/>
+              </a:rPr>
               <a:t>Pour la partie serveur local, nous avons utilisé XAMP pour l’un et Laragon pour l’autre. Laragon au delà des outils comme MySQL, Apache, Node.js et PHP, intègre également la partie composer pour la gestion des dépendances sur Laravel.</a:t>
             </a:r>
           </a:p>
           <a:p>
             <a:r>
-              <a:rPr lang="fr-FR" dirty="0" smtClean="0"/>
+              <a:rPr lang="fr-FR" dirty="0">
+                <a:latin typeface="Times New Roman" panose="02020603050405020304" pitchFamily="18" charset="0"/>
+                <a:cs typeface="Times New Roman" panose="02020603050405020304" pitchFamily="18" charset="0"/>
+              </a:rPr>
               <a:t>Comme IDE (environnement de développement) nous avons utilisé Intellij IDEA. Sa facilité d’utilisation et sa convivialité nous a poussé pour ce choix.</a:t>
             </a:r>
-            <a:endParaRPr lang="fr-FR" dirty="0"/>
-          </a:p>
-          <a:p>
-            <a:endParaRPr lang="fr-FR" dirty="0"/>
+          </a:p>
+          <a:p>
+            <a:endParaRPr lang="fr-FR" dirty="0">
+              <a:latin typeface="Times New Roman" panose="02020603050405020304" pitchFamily="18" charset="0"/>
+              <a:cs typeface="Times New Roman" panose="02020603050405020304" pitchFamily="18" charset="0"/>
+            </a:endParaRPr>
+          </a:p>
+        </p:txBody>
+      </p:sp>
+      <p:sp>
+        <p:nvSpPr>
+          <p:cNvPr id="4" name="Espace réservé du numéro de diapositive 3">
+            <a:extLst>
+              <a:ext uri="{FF2B5EF4-FFF2-40B4-BE49-F238E27FC236}">
+                <a16:creationId xmlns:a16="http://schemas.microsoft.com/office/drawing/2014/main" id="{133C2621-AC58-D14A-B22C-319B01DE5A32}"/>
+              </a:ext>
+            </a:extLst>
+          </p:cNvPr>
+          <p:cNvSpPr>
+            <a:spLocks noGrp="1"/>
+          </p:cNvSpPr>
+          <p:nvPr>
+            <p:ph type="sldNum" sz="quarter" idx="12"/>
+          </p:nvPr>
+        </p:nvSpPr>
+        <p:spPr/>
+        <p:txBody>
+          <a:bodyPr vert="horz" lIns="91440" tIns="45720" rIns="91440" bIns="45720" rtlCol="0" anchor="ctr">
+            <a:scene3d>
+              <a:camera prst="orthographicFront">
+                <a:rot lat="0" lon="0" rev="0"/>
+              </a:camera>
+              <a:lightRig rig="threePt" dir="t"/>
+            </a:scene3d>
+            <a:sp3d extrusionH="57150" contourW="12700">
+              <a:bevelT w="38100" h="38100" prst="relaxedInset"/>
+              <a:contourClr>
+                <a:schemeClr val="bg2"/>
+              </a:contourClr>
+            </a:sp3d>
+          </a:bodyPr>
+          <a:lstStyle/>
+          <a:p>
+            <a:fld id="{E1F2DA6C-65BD-4D8D-B230-55EC7852561B}" type="slidenum">
+              <a:rPr lang="fr-FR" sz="1800" b="1">
+                <a:latin typeface="Cambria" panose="02040503050406030204" pitchFamily="18" charset="0"/>
+              </a:rPr>
+              <a:pPr/>
+              <a:t>7</a:t>
+            </a:fld>
+            <a:endParaRPr lang="fr-FR" sz="1800" b="1" dirty="0">
+              <a:latin typeface="Cambria" panose="02040503050406030204" pitchFamily="18" charset="0"/>
+            </a:endParaRPr>
           </a:p>
         </p:txBody>
       </p:sp>
@@ -5668,13 +9142,6 @@
   <p:clrMapOvr>
     <a:masterClrMapping/>
   </p:clrMapOvr>
-  <p:timing>
-    <p:tnLst>
-      <p:par>
-        <p:cTn id="1" dur="indefinite" restart="never" nodeType="tmRoot"/>
-      </p:par>
-    </p:tnLst>
-  </p:timing>
 </p:sld>
 </file>
 
@@ -5705,20 +9172,26 @@
             <p:ph type="title"/>
           </p:nvPr>
         </p:nvSpPr>
-        <p:spPr/>
-        <p:txBody>
-          <a:bodyPr/>
-          <a:lstStyle/>
-          <a:p>
-            <a:r>
-              <a:rPr lang="fr-FR" dirty="0" smtClean="0"/>
-              <a:t>4- </a:t>
-            </a:r>
-            <a:r>
-              <a:rPr lang="fr-FR" dirty="0" smtClean="0"/>
-              <a:t>Organisation de l’application</a:t>
-            </a:r>
-            <a:endParaRPr lang="fr-FR" dirty="0"/>
+        <p:spPr>
+          <a:xfrm>
+            <a:off x="515566" y="365125"/>
+            <a:ext cx="11099260" cy="1325563"/>
+          </a:xfrm>
+        </p:spPr>
+        <p:txBody>
+          <a:bodyPr>
+            <a:normAutofit/>
+          </a:bodyPr>
+          <a:lstStyle/>
+          <a:p>
+            <a:pPr algn="ctr"/>
+            <a:r>
+              <a:rPr lang="fr-FR" b="1" dirty="0">
+                <a:latin typeface="Times New Roman" panose="02020603050405020304" pitchFamily="18" charset="0"/>
+                <a:cs typeface="Times New Roman" panose="02020603050405020304" pitchFamily="18" charset="0"/>
+              </a:rPr>
+              <a:t>4 - ORGANISATION DE L’APPLICATION:</a:t>
+            </a:r>
           </a:p>
         </p:txBody>
       </p:sp>
@@ -5743,19 +9216,28 @@
           <a:lstStyle/>
           <a:p>
             <a:r>
-              <a:rPr lang="fr-FR" dirty="0" smtClean="0"/>
-              <a:t>Dans le cadre de ce projet nous avons suivi un organisation standard d’un projet avec Laravel obéissant à l’architecture MVC.</a:t>
-            </a:r>
-          </a:p>
-          <a:p>
-            <a:r>
-              <a:rPr lang="fr-FR" dirty="0" smtClean="0"/>
+              <a:rPr lang="fr-FR" dirty="0">
+                <a:latin typeface="Times New Roman" panose="02020603050405020304" pitchFamily="18" charset="0"/>
+                <a:cs typeface="Times New Roman" panose="02020603050405020304" pitchFamily="18" charset="0"/>
+              </a:rPr>
+              <a:t>Dans le cadre de ce projet nous avons suivi une organisation standard d’un projet avec Laravel obéissant à l’architecture MVC.</a:t>
+            </a:r>
+          </a:p>
+          <a:p>
+            <a:r>
+              <a:rPr lang="fr-FR" dirty="0">
+                <a:latin typeface="Times New Roman" panose="02020603050405020304" pitchFamily="18" charset="0"/>
+                <a:cs typeface="Times New Roman" panose="02020603050405020304" pitchFamily="18" charset="0"/>
+              </a:rPr>
               <a:t>L’architecture des dossiers:</a:t>
             </a:r>
           </a:p>
           <a:p>
             <a:pPr lvl="1"/>
-            <a:endParaRPr lang="fr-FR" dirty="0" smtClean="0"/>
+            <a:endParaRPr lang="fr-FR" dirty="0">
+              <a:latin typeface="Times New Roman" panose="02020603050405020304" pitchFamily="18" charset="0"/>
+              <a:cs typeface="Times New Roman" panose="02020603050405020304" pitchFamily="18" charset="0"/>
+            </a:endParaRPr>
           </a:p>
         </p:txBody>
       </p:sp>
@@ -5810,8 +9292,11 @@
               <a:buChar char="•"/>
             </a:pPr>
             <a:r>
-              <a:rPr lang="fr-FR" dirty="0" smtClean="0"/>
-              <a:t>App: Dossier contient les éléments essentiels de l’application(contrôleur, config email, modèle, …)</a:t>
+              <a:rPr lang="fr-FR" dirty="0">
+                <a:latin typeface="Times New Roman" panose="02020603050405020304" pitchFamily="18" charset="0"/>
+                <a:cs typeface="Times New Roman" panose="02020603050405020304" pitchFamily="18" charset="0"/>
+              </a:rPr>
+              <a:t>App: Dossier contenant les éléments essentiels de l’application(contrôleur, config email, modèle, …)</a:t>
             </a:r>
           </a:p>
           <a:p>
@@ -5820,7 +9305,10 @@
               <a:buChar char="•"/>
             </a:pPr>
             <a:r>
-              <a:rPr lang="fr-FR" dirty="0" smtClean="0"/>
+              <a:rPr lang="fr-FR" dirty="0">
+                <a:latin typeface="Times New Roman" panose="02020603050405020304" pitchFamily="18" charset="0"/>
+                <a:cs typeface="Times New Roman" panose="02020603050405020304" pitchFamily="18" charset="0"/>
+              </a:rPr>
               <a:t>Boostrap: Contient les scripts d’initialisation de l’application pour le démarrage.</a:t>
             </a:r>
           </a:p>
@@ -5830,8 +9318,11 @@
               <a:buChar char="•"/>
             </a:pPr>
             <a:r>
-              <a:rPr lang="fr-FR" dirty="0" smtClean="0"/>
-              <a:t>Database: Il s’agit de tout ce qui migrations(tables), seeders.</a:t>
+              <a:rPr lang="fr-FR" dirty="0">
+                <a:latin typeface="Times New Roman" panose="02020603050405020304" pitchFamily="18" charset="0"/>
+                <a:cs typeface="Times New Roman" panose="02020603050405020304" pitchFamily="18" charset="0"/>
+              </a:rPr>
+              <a:t>Database: Il s’agit de tout ce qui est migrations(tables), seeders.</a:t>
             </a:r>
           </a:p>
           <a:p>
@@ -5840,7 +9331,10 @@
               <a:buChar char="•"/>
             </a:pPr>
             <a:r>
-              <a:rPr lang="fr-FR" dirty="0" smtClean="0"/>
+              <a:rPr lang="fr-FR" dirty="0">
+                <a:latin typeface="Times New Roman" panose="02020603050405020304" pitchFamily="18" charset="0"/>
+                <a:cs typeface="Times New Roman" panose="02020603050405020304" pitchFamily="18" charset="0"/>
+              </a:rPr>
               <a:t>Public: pour ce qui doit être directement accessible sur le site, il sera déplacé à la racine www/ lors du déploiement.</a:t>
             </a:r>
           </a:p>
@@ -5850,7 +9344,10 @@
               <a:buChar char="•"/>
             </a:pPr>
             <a:r>
-              <a:rPr lang="fr-FR" dirty="0" smtClean="0"/>
+              <a:rPr lang="fr-FR" dirty="0">
+                <a:latin typeface="Times New Roman" panose="02020603050405020304" pitchFamily="18" charset="0"/>
+                <a:cs typeface="Times New Roman" panose="02020603050405020304" pitchFamily="18" charset="0"/>
+              </a:rPr>
               <a:t>Resources: un dossier très important car il possède tout le traitement frontend</a:t>
             </a:r>
           </a:p>
@@ -5860,7 +9357,10 @@
               <a:buChar char="•"/>
             </a:pPr>
             <a:r>
-              <a:rPr lang="fr-FR" dirty="0" smtClean="0"/>
+              <a:rPr lang="fr-FR" dirty="0">
+                <a:latin typeface="Times New Roman" panose="02020603050405020304" pitchFamily="18" charset="0"/>
+                <a:cs typeface="Times New Roman" panose="02020603050405020304" pitchFamily="18" charset="0"/>
+              </a:rPr>
               <a:t>Routes: il contient les fichiers de configurations des routes dans le site.</a:t>
             </a:r>
           </a:p>
@@ -5870,8 +9370,11 @@
               <a:buChar char="•"/>
             </a:pPr>
             <a:r>
-              <a:rPr lang="fr-FR" dirty="0" smtClean="0"/>
-              <a:t>Storage: pour ce qui est des données temporaires </a:t>
+              <a:rPr lang="fr-FR" dirty="0">
+                <a:latin typeface="Times New Roman" panose="02020603050405020304" pitchFamily="18" charset="0"/>
+                <a:cs typeface="Times New Roman" panose="02020603050405020304" pitchFamily="18" charset="0"/>
+              </a:rPr>
+              <a:t>Storage: pour ce qui est des données temporaires.</a:t>
             </a:r>
           </a:p>
           <a:p>
@@ -5880,10 +9383,59 @@
               <a:buChar char="•"/>
             </a:pPr>
             <a:r>
-              <a:rPr lang="fr-FR" dirty="0" smtClean="0"/>
+              <a:rPr lang="fr-FR" dirty="0">
+                <a:latin typeface="Times New Roman" panose="02020603050405020304" pitchFamily="18" charset="0"/>
+                <a:cs typeface="Times New Roman" panose="02020603050405020304" pitchFamily="18" charset="0"/>
+              </a:rPr>
               <a:t>Vendor: Tout les composants Laravel ainsi que les dépendances.</a:t>
             </a:r>
-            <a:endParaRPr lang="fr-FR" dirty="0"/>
+          </a:p>
+        </p:txBody>
+      </p:sp>
+      <p:sp>
+        <p:nvSpPr>
+          <p:cNvPr id="6" name="Espace réservé du numéro de diapositive 5">
+            <a:extLst>
+              <a:ext uri="{FF2B5EF4-FFF2-40B4-BE49-F238E27FC236}">
+                <a16:creationId xmlns:a16="http://schemas.microsoft.com/office/drawing/2014/main" id="{6DC01DFD-E38B-BD44-ADF4-91B2859FD877}"/>
+              </a:ext>
+            </a:extLst>
+          </p:cNvPr>
+          <p:cNvSpPr>
+            <a:spLocks noGrp="1"/>
+          </p:cNvSpPr>
+          <p:nvPr>
+            <p:ph type="sldNum" sz="quarter" idx="12"/>
+          </p:nvPr>
+        </p:nvSpPr>
+        <p:spPr/>
+        <p:txBody>
+          <a:bodyPr vert="horz" lIns="91440" tIns="45720" rIns="91440" bIns="45720" rtlCol="0" anchor="ctr">
+            <a:scene3d>
+              <a:camera prst="orthographicFront">
+                <a:rot lat="0" lon="0" rev="0"/>
+              </a:camera>
+              <a:lightRig rig="threePt" dir="t"/>
+            </a:scene3d>
+            <a:sp3d extrusionH="57150" contourW="12700">
+              <a:bevelT w="38100" h="38100" prst="relaxedInset"/>
+              <a:contourClr>
+                <a:schemeClr val="bg2"/>
+              </a:contourClr>
+            </a:sp3d>
+          </a:bodyPr>
+          <a:lstStyle/>
+          <a:p>
+            <a:fld id="{E1F2DA6C-65BD-4D8D-B230-55EC7852561B}" type="slidenum">
+              <a:rPr lang="fr-FR" sz="1800" b="1">
+                <a:latin typeface="Cambria" panose="02040503050406030204" pitchFamily="18" charset="0"/>
+              </a:rPr>
+              <a:pPr/>
+              <a:t>8</a:t>
+            </a:fld>
+            <a:endParaRPr lang="fr-FR" sz="1800" b="1" dirty="0">
+              <a:latin typeface="Cambria" panose="02040503050406030204" pitchFamily="18" charset="0"/>
+            </a:endParaRPr>
           </a:p>
         </p:txBody>
       </p:sp>
@@ -5897,13 +9449,6 @@
   <p:clrMapOvr>
     <a:masterClrMapping/>
   </p:clrMapOvr>
-  <p:timing>
-    <p:tnLst>
-      <p:par>
-        <p:cTn id="1" dur="indefinite" restart="never" nodeType="tmRoot"/>
-      </p:par>
-    </p:tnLst>
-  </p:timing>
 </p:sld>
 </file>
 
@@ -5934,44 +9479,63 @@
             <p:ph type="title"/>
           </p:nvPr>
         </p:nvSpPr>
+        <p:spPr>
+          <a:xfrm>
+            <a:off x="483990" y="346145"/>
+            <a:ext cx="10954966" cy="1325563"/>
+          </a:xfrm>
+        </p:spPr>
+        <p:txBody>
+          <a:bodyPr>
+            <a:normAutofit/>
+          </a:bodyPr>
+          <a:lstStyle/>
+          <a:p>
+            <a:pPr algn="ctr"/>
+            <a:r>
+              <a:rPr lang="fr-FR" b="1" dirty="0">
+                <a:latin typeface="Times New Roman" panose="02020603050405020304" pitchFamily="18" charset="0"/>
+                <a:cs typeface="Times New Roman" panose="02020603050405020304" pitchFamily="18" charset="0"/>
+              </a:rPr>
+              <a:t>4- ORGANISATION DE L’APPLICATION:</a:t>
+            </a:r>
+          </a:p>
+        </p:txBody>
+      </p:sp>
+      <p:sp>
+        <p:nvSpPr>
+          <p:cNvPr id="3" name="Espace réservé du contenu 2"/>
+          <p:cNvSpPr>
+            <a:spLocks noGrp="1"/>
+          </p:cNvSpPr>
+          <p:nvPr>
+            <p:ph idx="1"/>
+          </p:nvPr>
+        </p:nvSpPr>
         <p:spPr/>
         <p:txBody>
           <a:bodyPr/>
           <a:lstStyle/>
           <a:p>
             <a:r>
-              <a:rPr lang="fr-FR" dirty="0" smtClean="0"/>
-              <a:t>4- Organisation de l’application</a:t>
-            </a:r>
-            <a:endParaRPr lang="fr-FR" dirty="0"/>
-          </a:p>
-        </p:txBody>
-      </p:sp>
-      <p:sp>
-        <p:nvSpPr>
-          <p:cNvPr id="3" name="Espace réservé du contenu 2"/>
-          <p:cNvSpPr>
-            <a:spLocks noGrp="1"/>
-          </p:cNvSpPr>
-          <p:nvPr>
-            <p:ph idx="1"/>
-          </p:nvPr>
-        </p:nvSpPr>
-        <p:spPr/>
-        <p:txBody>
-          <a:bodyPr/>
-          <a:lstStyle/>
-          <a:p>
-            <a:r>
-              <a:rPr lang="fr-FR" dirty="0" smtClean="0"/>
+              <a:rPr lang="fr-FR" dirty="0">
+                <a:latin typeface="Times New Roman" panose="02020603050405020304" pitchFamily="18" charset="0"/>
+                <a:cs typeface="Times New Roman" panose="02020603050405020304" pitchFamily="18" charset="0"/>
+              </a:rPr>
               <a:t>Le dossier App contient les éléments essentiels de l’application, notamment tous ce qui est contrôleur et modèle, les middlewares et les resquests pour les règles de validation d’autorisation d’accès sur nos modèles, et également la configuration des mails:</a:t>
             </a:r>
           </a:p>
           <a:p>
-            <a:endParaRPr lang="fr-FR" dirty="0" smtClean="0"/>
-          </a:p>
-          <a:p>
-            <a:endParaRPr lang="fr-FR" dirty="0"/>
+            <a:endParaRPr lang="fr-FR" dirty="0">
+              <a:latin typeface="Times New Roman" panose="02020603050405020304" pitchFamily="18" charset="0"/>
+              <a:cs typeface="Times New Roman" panose="02020603050405020304" pitchFamily="18" charset="0"/>
+            </a:endParaRPr>
+          </a:p>
+          <a:p>
+            <a:endParaRPr lang="fr-FR" dirty="0">
+              <a:latin typeface="Times New Roman" panose="02020603050405020304" pitchFamily="18" charset="0"/>
+              <a:cs typeface="Times New Roman" panose="02020603050405020304" pitchFamily="18" charset="0"/>
+            </a:endParaRPr>
           </a:p>
         </p:txBody>
       </p:sp>
@@ -6047,6 +9611,53 @@
           </a:prstGeom>
         </p:spPr>
       </p:pic>
+      <p:sp>
+        <p:nvSpPr>
+          <p:cNvPr id="4" name="Espace réservé du numéro de diapositive 3">
+            <a:extLst>
+              <a:ext uri="{FF2B5EF4-FFF2-40B4-BE49-F238E27FC236}">
+                <a16:creationId xmlns:a16="http://schemas.microsoft.com/office/drawing/2014/main" id="{3AB26BE9-C723-D042-B5E7-9EA7BE838926}"/>
+              </a:ext>
+            </a:extLst>
+          </p:cNvPr>
+          <p:cNvSpPr>
+            <a:spLocks noGrp="1"/>
+          </p:cNvSpPr>
+          <p:nvPr>
+            <p:ph type="sldNum" sz="quarter" idx="12"/>
+          </p:nvPr>
+        </p:nvSpPr>
+        <p:spPr/>
+        <p:txBody>
+          <a:bodyPr vert="horz" lIns="91440" tIns="45720" rIns="91440" bIns="45720" rtlCol="0" anchor="ctr">
+            <a:scene3d>
+              <a:camera prst="orthographicFront">
+                <a:rot lat="0" lon="0" rev="0"/>
+              </a:camera>
+              <a:lightRig rig="threePt" dir="t"/>
+            </a:scene3d>
+            <a:sp3d extrusionH="57150" contourW="12700">
+              <a:bevelT w="38100" h="38100" prst="relaxedInset"/>
+              <a:contourClr>
+                <a:schemeClr val="bg2"/>
+              </a:contourClr>
+            </a:sp3d>
+          </a:bodyPr>
+          <a:lstStyle/>
+          <a:p>
+            <a:fld id="{E1F2DA6C-65BD-4D8D-B230-55EC7852561B}" type="slidenum">
+              <a:rPr lang="fr-FR" sz="1800" b="1">
+                <a:latin typeface="Cambria" panose="02040503050406030204" pitchFamily="18" charset="0"/>
+              </a:rPr>
+              <a:pPr/>
+              <a:t>9</a:t>
+            </a:fld>
+            <a:endParaRPr lang="fr-FR" sz="1800" b="1" dirty="0">
+              <a:latin typeface="Cambria" panose="02040503050406030204" pitchFamily="18" charset="0"/>
+            </a:endParaRPr>
+          </a:p>
+        </p:txBody>
+      </p:sp>
     </p:spTree>
     <p:extLst>
       <p:ext uri="{BB962C8B-B14F-4D97-AF65-F5344CB8AC3E}">
@@ -6061,9 +9672,9 @@
 </file>
 
 <file path=ppt/theme/theme1.xml><?xml version="1.0" encoding="utf-8"?>
-<a:theme xmlns:a="http://schemas.openxmlformats.org/drawingml/2006/main" name="Thème Office">
+<a:theme xmlns:a="http://schemas.openxmlformats.org/drawingml/2006/main" name="Traînée de condensation">
   <a:themeElements>
-    <a:clrScheme name="Office">
+    <a:clrScheme name="Bleu">
       <a:dk1>
         <a:sysClr val="windowText" lastClr="000000"/>
       </a:dk1>
@@ -6071,44 +9682,44 @@
         <a:sysClr val="window" lastClr="FFFFFF"/>
       </a:lt1>
       <a:dk2>
-        <a:srgbClr val="44546A"/>
+        <a:srgbClr val="17406D"/>
       </a:dk2>
       <a:lt2>
-        <a:srgbClr val="E7E6E6"/>
+        <a:srgbClr val="DBEFF9"/>
       </a:lt2>
       <a:accent1>
-        <a:srgbClr val="5B9BD5"/>
+        <a:srgbClr val="0F6FC6"/>
       </a:accent1>
       <a:accent2>
-        <a:srgbClr val="ED7D31"/>
+        <a:srgbClr val="009DD9"/>
       </a:accent2>
       <a:accent3>
-        <a:srgbClr val="A5A5A5"/>
+        <a:srgbClr val="0BD0D9"/>
       </a:accent3>
       <a:accent4>
-        <a:srgbClr val="FFC000"/>
+        <a:srgbClr val="10CF9B"/>
       </a:accent4>
       <a:accent5>
-        <a:srgbClr val="4472C4"/>
+        <a:srgbClr val="7CCA62"/>
       </a:accent5>
       <a:accent6>
-        <a:srgbClr val="70AD47"/>
+        <a:srgbClr val="A5C249"/>
       </a:accent6>
       <a:hlink>
-        <a:srgbClr val="0563C1"/>
+        <a:srgbClr val="F49100"/>
       </a:hlink>
       <a:folHlink>
-        <a:srgbClr val="954F72"/>
+        <a:srgbClr val="85DFD0"/>
       </a:folHlink>
     </a:clrScheme>
-    <a:fontScheme name="Office">
+    <a:fontScheme name="Traînée de condensation">
       <a:majorFont>
-        <a:latin typeface="Calibri Light" panose="020F0302020204030204"/>
+        <a:latin typeface="Century Gothic" panose="020B0502020202020204"/>
         <a:ea typeface=""/>
         <a:cs typeface=""/>
-        <a:font script="Jpan" typeface="游ゴシック Light"/>
+        <a:font script="Jpan" typeface="ＭＳ Ｐゴシック"/>
         <a:font script="Hang" typeface="맑은 고딕"/>
-        <a:font script="Hans" typeface="等线 Light"/>
+        <a:font script="Hans" typeface="宋体"/>
         <a:font script="Hant" typeface="新細明體"/>
         <a:font script="Arab" typeface="Times New Roman"/>
         <a:font script="Hebr" typeface="Times New Roman"/>
@@ -6138,12 +9749,12 @@
         <a:font script="Geor" typeface="Sylfaen"/>
       </a:majorFont>
       <a:minorFont>
-        <a:latin typeface="Calibri" panose="020F0502020204030204"/>
+        <a:latin typeface="Century Gothic" panose="020B0502020202020204"/>
         <a:ea typeface=""/>
         <a:cs typeface=""/>
-        <a:font script="Jpan" typeface="游ゴシック"/>
+        <a:font script="Jpan" typeface="ＭＳ Ｐゴシック"/>
         <a:font script="Hang" typeface="맑은 고딕"/>
-        <a:font script="Hans" typeface="等线"/>
+        <a:font script="Hans" typeface="宋体"/>
         <a:font script="Hant" typeface="新細明體"/>
         <a:font script="Arab" typeface="Arial"/>
         <a:font script="Hebr" typeface="Arial"/>
@@ -6173,7 +9784,7 @@
         <a:font script="Geor" typeface="Sylfaen"/>
       </a:minorFont>
     </a:fontScheme>
-    <a:fmtScheme name="Office">
+    <a:fmtScheme name="Traînée de condensation">
       <a:fillStyleLst>
         <a:solidFill>
           <a:schemeClr val="phClr"/>
@@ -6182,23 +9793,24 @@
           <a:gsLst>
             <a:gs pos="0">
               <a:schemeClr val="phClr">
+                <a:tint val="69000"/>
+                <a:alpha val="100000"/>
+                <a:satMod val="109000"/>
                 <a:lumMod val="110000"/>
-                <a:satMod val="105000"/>
-                <a:tint val="67000"/>
               </a:schemeClr>
             </a:gs>
-            <a:gs pos="50000">
+            <a:gs pos="52000">
               <a:schemeClr val="phClr">
-                <a:lumMod val="105000"/>
-                <a:satMod val="103000"/>
-                <a:tint val="73000"/>
+                <a:tint val="74000"/>
+                <a:satMod val="100000"/>
+                <a:lumMod val="104000"/>
               </a:schemeClr>
             </a:gs>
             <a:gs pos="100000">
               <a:schemeClr val="phClr">
-                <a:lumMod val="105000"/>
-                <a:satMod val="109000"/>
-                <a:tint val="81000"/>
+                <a:tint val="78000"/>
+                <a:satMod val="100000"/>
+                <a:lumMod val="100000"/>
               </a:schemeClr>
             </a:gs>
           </a:gsLst>
@@ -6208,23 +9820,16 @@
           <a:gsLst>
             <a:gs pos="0">
               <a:schemeClr val="phClr">
-                <a:satMod val="103000"/>
-                <a:lumMod val="102000"/>
-                <a:tint val="94000"/>
+                <a:tint val="96000"/>
+                <a:satMod val="100000"/>
+                <a:lumMod val="104000"/>
               </a:schemeClr>
             </a:gs>
-            <a:gs pos="50000">
+            <a:gs pos="78000">
               <a:schemeClr val="phClr">
+                <a:shade val="100000"/>
                 <a:satMod val="110000"/>
                 <a:lumMod val="100000"/>
-                <a:shade val="100000"/>
-              </a:schemeClr>
-            </a:gs>
-            <a:gs pos="100000">
-              <a:schemeClr val="phClr">
-                <a:lumMod val="99000"/>
-                <a:satMod val="120000"/>
-                <a:shade val="78000"/>
               </a:schemeClr>
             </a:gs>
           </a:gsLst>
@@ -6232,26 +9837,23 @@
         </a:gradFill>
       </a:fillStyleLst>
       <a:lnStyleLst>
-        <a:ln w="6350" cap="flat" cmpd="sng" algn="ctr">
+        <a:ln w="9525" cap="flat" cmpd="sng" algn="ctr">
           <a:solidFill>
             <a:schemeClr val="phClr"/>
           </a:solidFill>
           <a:prstDash val="solid"/>
-          <a:miter lim="800000"/>
         </a:ln>
         <a:ln w="12700" cap="flat" cmpd="sng" algn="ctr">
           <a:solidFill>
             <a:schemeClr val="phClr"/>
           </a:solidFill>
           <a:prstDash val="solid"/>
-          <a:miter lim="800000"/>
         </a:ln>
         <a:ln w="19050" cap="flat" cmpd="sng" algn="ctr">
           <a:solidFill>
             <a:schemeClr val="phClr"/>
           </a:solidFill>
           <a:prstDash val="solid"/>
-          <a:miter lim="800000"/>
         </a:ln>
       </a:lnStyleLst>
       <a:effectStyleLst>
@@ -6260,15 +9862,33 @@
         </a:effectStyle>
         <a:effectStyle>
           <a:effectLst/>
+          <a:scene3d>
+            <a:camera prst="orthographicFront">
+              <a:rot lat="0" lon="0" rev="0"/>
+            </a:camera>
+            <a:lightRig rig="threePt" dir="t"/>
+          </a:scene3d>
+          <a:sp3d>
+            <a:bevelT w="25400" h="12700"/>
+          </a:sp3d>
         </a:effectStyle>
         <a:effectStyle>
           <a:effectLst>
             <a:outerShdw blurRad="57150" dist="19050" dir="5400000" algn="ctr" rotWithShape="0">
               <a:srgbClr val="000000">
-                <a:alpha val="63000"/>
+                <a:alpha val="48000"/>
               </a:srgbClr>
             </a:outerShdw>
           </a:effectLst>
+          <a:scene3d>
+            <a:camera prst="orthographicFront">
+              <a:rot lat="0" lon="0" rev="0"/>
+            </a:camera>
+            <a:lightRig rig="threePt" dir="t"/>
+          </a:scene3d>
+          <a:sp3d>
+            <a:bevelT w="50800" h="25400"/>
+          </a:sp3d>
         </a:effectStyle>
       </a:effectStyleLst>
       <a:bgFillStyleLst>
@@ -6286,16 +9906,16 @@
             <a:gs pos="0">
               <a:schemeClr val="phClr">
                 <a:tint val="93000"/>
+                <a:shade val="98000"/>
                 <a:satMod val="150000"/>
-                <a:shade val="98000"/>
                 <a:lumMod val="102000"/>
               </a:schemeClr>
             </a:gs>
             <a:gs pos="50000">
               <a:schemeClr val="phClr">
                 <a:tint val="98000"/>
+                <a:shade val="90000"/>
                 <a:satMod val="130000"/>
-                <a:shade val="90000"/>
                 <a:lumMod val="103000"/>
               </a:schemeClr>
             </a:gs>
@@ -6315,7 +9935,7 @@
   <a:extraClrSchemeLst/>
   <a:extLst>
     <a:ext uri="{05A4C25C-085E-4340-85A3-A5531E510DB2}">
-      <thm15:themeFamily xmlns:thm15="http://schemas.microsoft.com/office/thememl/2012/main" name="Office Theme" id="{62F939B6-93AF-4DB8-9C6B-D6C7DFDC589F}" vid="{4A3C46E8-61CC-4603-A589-7422A47A8E4A}"/>
+      <thm15:themeFamily xmlns:thm15="http://schemas.microsoft.com/office/thememl/2012/main" name="Vapor Trail" id="{4FDF2955-7D9C-493C-B9F9-C205151B46CD}" vid="{FE1EB5C7-81A8-4CBA-AE6E-B3BF73DC3895}"/>
     </a:ext>
   </a:extLst>
 </a:theme>

--- a/Documents/Presentation Application web de rendu de devoirs.pptx
+++ b/Documents/Presentation Application web de rendu de devoirs.pptx
@@ -8461,7 +8461,7 @@
           <a:graphicData uri="http://schemas.openxmlformats.org/presentationml/2006/ole">
             <mc:AlternateContent xmlns:mc="http://schemas.openxmlformats.org/markup-compatibility/2006">
               <mc:Choice xmlns:v="urn:schemas-microsoft-com:vml" Requires="v">
-                <p:oleObj spid="_x0000_s1133" name="Acrobat Document" showAsIcon="1" r:id="rId3" imgW="380880" imgH="788760" progId="AcroExch.Document.11">
+                <p:oleObj spid="_x0000_s1137" name="Acrobat Document" showAsIcon="1" r:id="rId3" imgW="380880" imgH="788760" progId="AcroExch.Document.11">
                   <p:embed/>
                 </p:oleObj>
               </mc:Choice>
@@ -8590,7 +8590,7 @@
           <a:graphicData uri="http://schemas.openxmlformats.org/presentationml/2006/ole">
             <mc:AlternateContent xmlns:mc="http://schemas.openxmlformats.org/markup-compatibility/2006">
               <mc:Choice xmlns:v="urn:schemas-microsoft-com:vml" Requires="v">
-                <p:oleObj spid="_x0000_s1134" name="Acrobat Document" showAsIcon="1" r:id="rId5" imgW="380880" imgH="788760" progId="AcroExch.Document.11">
+                <p:oleObj spid="_x0000_s1138" name="Acrobat Document" showAsIcon="1" r:id="rId5" imgW="380880" imgH="788760" progId="AcroExch.Document.11">
                   <p:embed/>
                 </p:oleObj>
               </mc:Choice>
@@ -8719,7 +8719,7 @@
           <a:graphicData uri="http://schemas.openxmlformats.org/presentationml/2006/ole">
             <mc:AlternateContent xmlns:mc="http://schemas.openxmlformats.org/markup-compatibility/2006">
               <mc:Choice xmlns:v="urn:schemas-microsoft-com:vml" Requires="v">
-                <p:oleObj spid="_x0000_s1135" name="Objet d’environnement du Gestionnaire de liaisons" showAsIcon="1" r:id="rId7" imgW="939738" imgH="618917" progId="Package">
+                <p:oleObj spid="_x0000_s1139" name="Objet d’environnement du Gestionnaire de liaisons" showAsIcon="1" r:id="rId7" imgW="939738" imgH="618917" progId="Package">
                   <p:embed/>
                 </p:oleObj>
               </mc:Choice>
@@ -8854,7 +8854,7 @@
           <a:graphicData uri="http://schemas.openxmlformats.org/presentationml/2006/ole">
             <mc:AlternateContent xmlns:mc="http://schemas.openxmlformats.org/markup-compatibility/2006">
               <mc:Choice xmlns:v="urn:schemas-microsoft-com:vml" Requires="v">
-                <p:oleObj spid="_x0000_s1136" name="Objet d’environnement du Gestionnaire de liaisons" showAsIcon="1" r:id="rId9" imgW="939738" imgH="618917" progId="Package">
+                <p:oleObj spid="_x0000_s1140" name="Objet d’environnement du Gestionnaire de liaisons" showAsIcon="1" r:id="rId9" imgW="939738" imgH="618917" progId="Package">
                   <p:embed/>
                 </p:oleObj>
               </mc:Choice>
